--- a/labMeeting10_9.pptx
+++ b/labMeeting10_9.pptx
@@ -3009,7 +3009,7 @@
         <p:spPr>
           <a:xfrm>
             <a:off x="609480" y="273600"/>
-            <a:ext cx="10972080" cy="1144440"/>
+            <a:ext cx="10972440" cy="1144800"/>
           </a:xfrm>
           <a:prstGeom prst="rect">
             <a:avLst/>
@@ -3019,6 +3019,20 @@
           <a:bodyPr lIns="0" rIns="0" tIns="0" bIns="0" anchor="ctr"/>
           <a:p>
             <a:pPr algn="ctr"/>
+            <a:r>
+              <a:rPr b="0" lang="en-US" sz="4400" spc="-1" strike="noStrike">
+                <a:solidFill>
+                  <a:srgbClr val="000000"/>
+                </a:solidFill>
+                <a:uFill>
+                  <a:solidFill>
+                    <a:srgbClr val="ffffff"/>
+                  </a:solidFill>
+                </a:uFill>
+                <a:latin typeface="Arial"/>
+              </a:rPr>
+              <a:t>Click to edit the title text format</a:t>
+            </a:r>
             <a:endParaRPr b="0" lang="en-US" sz="4400" spc="-1" strike="noStrike">
               <a:solidFill>
                 <a:srgbClr val="000000"/>
@@ -3046,7 +3060,7 @@
         <p:spPr>
           <a:xfrm>
             <a:off x="609480" y="1604520"/>
-            <a:ext cx="10972080" cy="3976920"/>
+            <a:ext cx="10972440" cy="3977280"/>
           </a:xfrm>
           <a:prstGeom prst="rect">
             <a:avLst/>
@@ -3064,7 +3078,7 @@
               <a:buChar char=""/>
             </a:pPr>
             <a:r>
-              <a:rPr b="0" lang="en-US" sz="1800" spc="-1" strike="noStrike">
+              <a:rPr b="0" lang="en-US" sz="3200" spc="-1" strike="noStrike">
                 <a:solidFill>
                   <a:srgbClr val="000000"/>
                 </a:solidFill>
@@ -3077,7 +3091,7 @@
               </a:rPr>
               <a:t>Click to edit the outline text format</a:t>
             </a:r>
-            <a:endParaRPr b="0" lang="en-US" sz="1800" spc="-1" strike="noStrike">
+            <a:endParaRPr b="0" lang="en-US" sz="3200" spc="-1" strike="noStrike">
               <a:solidFill>
                 <a:srgbClr val="000000"/>
               </a:solidFill>
@@ -3099,7 +3113,7 @@
               <a:buChar char=""/>
             </a:pPr>
             <a:r>
-              <a:rPr b="0" lang="en-US" sz="1800" spc="-1" strike="noStrike">
+              <a:rPr b="0" lang="en-US" sz="2800" spc="-1" strike="noStrike">
                 <a:solidFill>
                   <a:srgbClr val="000000"/>
                 </a:solidFill>
@@ -3112,7 +3126,7 @@
               </a:rPr>
               <a:t>Second Outline Level</a:t>
             </a:r>
-            <a:endParaRPr b="0" lang="en-US" sz="1800" spc="-1" strike="noStrike">
+            <a:endParaRPr b="0" lang="en-US" sz="2800" spc="-1" strike="noStrike">
               <a:solidFill>
                 <a:srgbClr val="000000"/>
               </a:solidFill>
@@ -3134,7 +3148,7 @@
               <a:buChar char=""/>
             </a:pPr>
             <a:r>
-              <a:rPr b="0" lang="en-US" sz="1800" spc="-1" strike="noStrike">
+              <a:rPr b="0" lang="en-US" sz="2400" spc="-1" strike="noStrike">
                 <a:solidFill>
                   <a:srgbClr val="000000"/>
                 </a:solidFill>
@@ -3147,7 +3161,7 @@
               </a:rPr>
               <a:t>Third Outline Level</a:t>
             </a:r>
-            <a:endParaRPr b="0" lang="en-US" sz="1800" spc="-1" strike="noStrike">
+            <a:endParaRPr b="0" lang="en-US" sz="2400" spc="-1" strike="noStrike">
               <a:solidFill>
                 <a:srgbClr val="000000"/>
               </a:solidFill>
@@ -3169,7 +3183,7 @@
               <a:buChar char=""/>
             </a:pPr>
             <a:r>
-              <a:rPr b="0" lang="en-US" sz="1800" spc="-1" strike="noStrike">
+              <a:rPr b="0" lang="en-US" sz="2000" spc="-1" strike="noStrike">
                 <a:solidFill>
                   <a:srgbClr val="000000"/>
                 </a:solidFill>
@@ -3182,7 +3196,7 @@
               </a:rPr>
               <a:t>Fourth Outline Level</a:t>
             </a:r>
-            <a:endParaRPr b="0" lang="en-US" sz="1800" spc="-1" strike="noStrike">
+            <a:endParaRPr b="0" lang="en-US" sz="2000" spc="-1" strike="noStrike">
               <a:solidFill>
                 <a:srgbClr val="000000"/>
               </a:solidFill>
@@ -3204,7 +3218,7 @@
               <a:buChar char=""/>
             </a:pPr>
             <a:r>
-              <a:rPr b="0" lang="en-US" sz="1800" spc="-1" strike="noStrike">
+              <a:rPr b="0" lang="en-US" sz="2000" spc="-1" strike="noStrike">
                 <a:solidFill>
                   <a:srgbClr val="000000"/>
                 </a:solidFill>
@@ -3217,7 +3231,7 @@
               </a:rPr>
               <a:t>Fifth Outline Level</a:t>
             </a:r>
-            <a:endParaRPr b="0" lang="en-US" sz="1800" spc="-1" strike="noStrike">
+            <a:endParaRPr b="0" lang="en-US" sz="2000" spc="-1" strike="noStrike">
               <a:solidFill>
                 <a:srgbClr val="000000"/>
               </a:solidFill>
@@ -3239,7 +3253,7 @@
               <a:buChar char=""/>
             </a:pPr>
             <a:r>
-              <a:rPr b="0" lang="en-US" sz="1800" spc="-1" strike="noStrike">
+              <a:rPr b="0" lang="en-US" sz="2000" spc="-1" strike="noStrike">
                 <a:solidFill>
                   <a:srgbClr val="000000"/>
                 </a:solidFill>
@@ -3252,7 +3266,7 @@
               </a:rPr>
               <a:t>Sixth Outline Level</a:t>
             </a:r>
-            <a:endParaRPr b="0" lang="en-US" sz="1800" spc="-1" strike="noStrike">
+            <a:endParaRPr b="0" lang="en-US" sz="2000" spc="-1" strike="noStrike">
               <a:solidFill>
                 <a:srgbClr val="000000"/>
               </a:solidFill>
@@ -3274,7 +3288,7 @@
               <a:buChar char=""/>
             </a:pPr>
             <a:r>
-              <a:rPr b="0" lang="en-US" sz="1800" spc="-1" strike="noStrike">
+              <a:rPr b="0" lang="en-US" sz="2000" spc="-1" strike="noStrike">
                 <a:solidFill>
                   <a:srgbClr val="000000"/>
                 </a:solidFill>
@@ -3287,7 +3301,7 @@
               </a:rPr>
               <a:t>Seventh Outline Level</a:t>
             </a:r>
-            <a:endParaRPr b="0" lang="en-US" sz="1800" spc="-1" strike="noStrike">
+            <a:endParaRPr b="0" lang="en-US" sz="2000" spc="-1" strike="noStrike">
               <a:solidFill>
                 <a:srgbClr val="000000"/>
               </a:solidFill>
@@ -3380,105 +3394,7 @@
                 </a:uFill>
                 <a:latin typeface="Arial"/>
               </a:rPr>
-              <a:t>Clic</a:t>
-            </a:r>
-            <a:r>
-              <a:rPr b="0" lang="en-US" sz="4400" spc="-1" strike="noStrike">
-                <a:solidFill>
-                  <a:srgbClr val="000000"/>
-                </a:solidFill>
-                <a:uFill>
-                  <a:solidFill>
-                    <a:srgbClr val="ffffff"/>
-                  </a:solidFill>
-                </a:uFill>
-                <a:latin typeface="Arial"/>
-              </a:rPr>
-              <a:t>k to </a:t>
-            </a:r>
-            <a:r>
-              <a:rPr b="0" lang="en-US" sz="4400" spc="-1" strike="noStrike">
-                <a:solidFill>
-                  <a:srgbClr val="000000"/>
-                </a:solidFill>
-                <a:uFill>
-                  <a:solidFill>
-                    <a:srgbClr val="ffffff"/>
-                  </a:solidFill>
-                </a:uFill>
-                <a:latin typeface="Arial"/>
-              </a:rPr>
-              <a:t>edit </a:t>
-            </a:r>
-            <a:r>
-              <a:rPr b="0" lang="en-US" sz="4400" spc="-1" strike="noStrike">
-                <a:solidFill>
-                  <a:srgbClr val="000000"/>
-                </a:solidFill>
-                <a:uFill>
-                  <a:solidFill>
-                    <a:srgbClr val="ffffff"/>
-                  </a:solidFill>
-                </a:uFill>
-                <a:latin typeface="Arial"/>
-              </a:rPr>
-              <a:t>the </a:t>
-            </a:r>
-            <a:r>
-              <a:rPr b="0" lang="en-US" sz="4400" spc="-1" strike="noStrike">
-                <a:solidFill>
-                  <a:srgbClr val="000000"/>
-                </a:solidFill>
-                <a:uFill>
-                  <a:solidFill>
-                    <a:srgbClr val="ffffff"/>
-                  </a:solidFill>
-                </a:uFill>
-                <a:latin typeface="Arial"/>
-              </a:rPr>
-              <a:t>title </a:t>
-            </a:r>
-            <a:r>
-              <a:rPr b="0" lang="en-US" sz="4400" spc="-1" strike="noStrike">
-                <a:solidFill>
-                  <a:srgbClr val="000000"/>
-                </a:solidFill>
-                <a:uFill>
-                  <a:solidFill>
-                    <a:srgbClr val="ffffff"/>
-                  </a:solidFill>
-                </a:uFill>
-                <a:latin typeface="Arial"/>
-              </a:rPr>
-              <a:t>text </a:t>
-            </a:r>
-            <a:r>
-              <a:rPr b="0" lang="en-US" sz="4400" spc="-1" strike="noStrike">
-                <a:solidFill>
-                  <a:srgbClr val="000000"/>
-                </a:solidFill>
-                <a:uFill>
-                  <a:solidFill>
-                    <a:srgbClr val="ffffff"/>
-                  </a:solidFill>
-                </a:uFill>
-                <a:latin typeface="Arial"/>
-              </a:rPr>
-              <a:t>for</a:t>
-            </a:r>
-            <a:r>
-              <a:rPr b="0" lang="en-US" sz="4400" spc="-1" strike="noStrike">
-                <a:solidFill>
-                  <a:srgbClr val="000000"/>
-                </a:solidFill>
-                <a:uFill>
-                  <a:solidFill>
-                    <a:srgbClr val="ffffff"/>
-                  </a:solidFill>
-                </a:uFill>
-                <a:latin typeface="Arial"/>
-              </a:rPr>
-              <a:t>mat</a:t>
+              <a:t>Click to edit the title text format</a:t>
             </a:r>
             <a:endParaRPr b="0" lang="en-US" sz="4400" spc="-1" strike="noStrike">
               <a:solidFill>
@@ -3808,7 +3724,7 @@
         <p:spPr>
           <a:xfrm>
             <a:off x="3216960" y="249480"/>
-            <a:ext cx="4776120" cy="363960"/>
+            <a:ext cx="4775400" cy="363240"/>
           </a:xfrm>
           <a:prstGeom prst="rect">
             <a:avLst/>
@@ -3870,7 +3786,7 @@
         <p:spPr>
           <a:xfrm>
             <a:off x="1716840" y="6239160"/>
-            <a:ext cx="2023560" cy="637560"/>
+            <a:ext cx="2022840" cy="636840"/>
           </a:xfrm>
           <a:prstGeom prst="rect">
             <a:avLst/>
@@ -3932,7 +3848,7 @@
         <p:spPr>
           <a:xfrm>
             <a:off x="7790040" y="6155640"/>
-            <a:ext cx="2023560" cy="637560"/>
+            <a:ext cx="2022840" cy="636840"/>
           </a:xfrm>
           <a:prstGeom prst="rect">
             <a:avLst/>
@@ -3998,7 +3914,7 @@
         <p:spPr>
           <a:xfrm>
             <a:off x="6554880" y="673920"/>
-            <a:ext cx="3846960" cy="2808720"/>
+            <a:ext cx="3846240" cy="2808000"/>
           </a:xfrm>
           <a:prstGeom prst="rect">
             <a:avLst/>
@@ -4021,7 +3937,7 @@
         <p:spPr>
           <a:xfrm>
             <a:off x="6573960" y="3619080"/>
-            <a:ext cx="3827880" cy="2532600"/>
+            <a:ext cx="3827160" cy="2531880"/>
           </a:xfrm>
           <a:prstGeom prst="rect">
             <a:avLst/>
@@ -4044,7 +3960,7 @@
         <p:spPr>
           <a:xfrm>
             <a:off x="1091880" y="673920"/>
-            <a:ext cx="3780360" cy="2808720"/>
+            <a:ext cx="3779640" cy="2808000"/>
           </a:xfrm>
           <a:prstGeom prst="rect">
             <a:avLst/>
@@ -4067,7 +3983,7 @@
         <p:spPr>
           <a:xfrm>
             <a:off x="1110960" y="3506760"/>
-            <a:ext cx="3761280" cy="2532600"/>
+            <a:ext cx="3760560" cy="2531880"/>
           </a:xfrm>
           <a:prstGeom prst="rect">
             <a:avLst/>
@@ -4086,7 +4002,7 @@
         <p:spPr>
           <a:xfrm>
             <a:off x="3673800" y="4622400"/>
-            <a:ext cx="930960" cy="637560"/>
+            <a:ext cx="930240" cy="636840"/>
           </a:xfrm>
           <a:prstGeom prst="rect">
             <a:avLst/>
@@ -4148,7 +4064,7 @@
         <p:spPr>
           <a:xfrm>
             <a:off x="9348840" y="4622400"/>
-            <a:ext cx="930960" cy="637560"/>
+            <a:ext cx="930240" cy="636840"/>
           </a:xfrm>
           <a:prstGeom prst="rect">
             <a:avLst/>
@@ -4252,7 +4168,7 @@
       </p:grpSpPr>
       <p:pic>
         <p:nvPicPr>
-          <p:cNvPr id="128" name="Picture 4" descr=""/>
+          <p:cNvPr id="138" name="Picture 4" descr=""/>
           <p:cNvPicPr/>
           <p:nvPr/>
         </p:nvPicPr>
@@ -4263,7 +4179,7 @@
         <p:spPr>
           <a:xfrm>
             <a:off x="171360" y="858960"/>
-            <a:ext cx="6371280" cy="5266440"/>
+            <a:ext cx="6370560" cy="5265720"/>
           </a:xfrm>
           <a:prstGeom prst="rect">
             <a:avLst/>
@@ -4275,7 +4191,7 @@
       </p:pic>
       <p:pic>
         <p:nvPicPr>
-          <p:cNvPr id="129" name="Picture 2" descr=""/>
+          <p:cNvPr id="139" name="Picture 2" descr=""/>
           <p:cNvPicPr/>
           <p:nvPr/>
         </p:nvPicPr>
@@ -4286,7 +4202,7 @@
         <p:spPr>
           <a:xfrm>
             <a:off x="5869800" y="402840"/>
-            <a:ext cx="5962320" cy="5722920"/>
+            <a:ext cx="5961600" cy="5722200"/>
           </a:xfrm>
           <a:prstGeom prst="rect">
             <a:avLst/>
@@ -4347,7 +4263,7 @@
       </p:grpSpPr>
       <p:pic>
         <p:nvPicPr>
-          <p:cNvPr id="130" name="Picture 2" descr=""/>
+          <p:cNvPr id="140" name="Picture 2" descr=""/>
           <p:cNvPicPr/>
           <p:nvPr/>
         </p:nvPicPr>
@@ -4358,7 +4274,7 @@
         <p:spPr>
           <a:xfrm>
             <a:off x="-1083240" y="631440"/>
-            <a:ext cx="5292720" cy="4982040"/>
+            <a:ext cx="5292000" cy="4981320"/>
           </a:xfrm>
           <a:prstGeom prst="rect">
             <a:avLst/>
@@ -4370,7 +4286,7 @@
       </p:pic>
       <p:pic>
         <p:nvPicPr>
-          <p:cNvPr id="131" name="Picture 4" descr=""/>
+          <p:cNvPr id="141" name="Picture 4" descr=""/>
           <p:cNvPicPr/>
           <p:nvPr/>
         </p:nvPicPr>
@@ -4381,7 +4297,7 @@
         <p:spPr>
           <a:xfrm>
             <a:off x="2751480" y="624600"/>
-            <a:ext cx="5487840" cy="4986360"/>
+            <a:ext cx="5487120" cy="4985640"/>
           </a:xfrm>
           <a:prstGeom prst="rect">
             <a:avLst/>
@@ -4393,7 +4309,7 @@
       </p:pic>
       <p:pic>
         <p:nvPicPr>
-          <p:cNvPr id="132" name="" descr=""/>
+          <p:cNvPr id="142" name="" descr=""/>
           <p:cNvPicPr/>
           <p:nvPr/>
         </p:nvPicPr>
@@ -4404,7 +4320,7 @@
         <p:spPr>
           <a:xfrm>
             <a:off x="7132320" y="731520"/>
-            <a:ext cx="5120280" cy="4862160"/>
+            <a:ext cx="5119560" cy="4861440"/>
           </a:xfrm>
           <a:prstGeom prst="rect">
             <a:avLst/>
@@ -4465,18 +4381,19 @@
       </p:grpSpPr>
       <p:pic>
         <p:nvPicPr>
-          <p:cNvPr id="133" name="" descr=""/>
+          <p:cNvPr id="143" name="" descr=""/>
           <p:cNvPicPr/>
           <p:nvPr/>
         </p:nvPicPr>
         <p:blipFill>
           <a:blip r:embed="rId1"/>
+          <a:srcRect l="16071" t="18804" r="3557" b="0"/>
           <a:stretch/>
         </p:blipFill>
         <p:spPr>
           <a:xfrm>
-            <a:off x="5943600" y="1490040"/>
-            <a:ext cx="5844240" cy="3996360"/>
+            <a:off x="1371600" y="104400"/>
+            <a:ext cx="4114440" cy="3947040"/>
           </a:xfrm>
           <a:prstGeom prst="rect">
             <a:avLst/>
@@ -4486,20 +4403,1308 @@
           </a:ln>
         </p:spPr>
       </p:pic>
+      <p:sp>
+        <p:nvSpPr>
+          <p:cNvPr id="144" name="CustomShape 1"/>
+          <p:cNvSpPr/>
+          <p:nvPr/>
+        </p:nvSpPr>
+        <p:spPr>
+          <a:xfrm>
+            <a:off x="640080" y="4572000"/>
+            <a:ext cx="1554480" cy="601560"/>
+          </a:xfrm>
+          <a:prstGeom prst="rect">
+            <a:avLst/>
+          </a:prstGeom>
+          <a:noFill/>
+          <a:ln>
+            <a:noFill/>
+          </a:ln>
+        </p:spPr>
+        <p:style>
+          <a:lnRef idx="0"/>
+          <a:fillRef idx="0"/>
+          <a:effectRef idx="0"/>
+          <a:fontRef idx="minor"/>
+        </p:style>
+        <p:txBody>
+          <a:bodyPr lIns="90000" rIns="90000" tIns="45000" bIns="45000"/>
+          <a:p>
+            <a:r>
+              <a:rPr b="0" lang="en-US" sz="1800" spc="-1" strike="noStrike">
+                <a:solidFill>
+                  <a:srgbClr val="000000"/>
+                </a:solidFill>
+                <a:uFill>
+                  <a:solidFill>
+                    <a:srgbClr val="ffffff"/>
+                  </a:solidFill>
+                </a:uFill>
+                <a:latin typeface="Arial"/>
+                <a:ea typeface="DejaVu Sans"/>
+              </a:rPr>
+              <a:t>Remove rows where the row mean &gt; 0.43: 21 Tfs and 34/58 Interactions</a:t>
+            </a:r>
+            <a:endParaRPr b="0" lang="en-US" sz="1800" spc="-1" strike="noStrike">
+              <a:solidFill>
+                <a:srgbClr val="000000"/>
+              </a:solidFill>
+              <a:uFill>
+                <a:solidFill>
+                  <a:srgbClr val="ffffff"/>
+                </a:solidFill>
+              </a:uFill>
+              <a:latin typeface="Arial"/>
+            </a:endParaRPr>
+          </a:p>
+        </p:txBody>
+      </p:sp>
+      <p:sp>
+        <p:nvSpPr>
+          <p:cNvPr id="145" name="CustomShape 2"/>
+          <p:cNvSpPr/>
+          <p:nvPr/>
+        </p:nvSpPr>
+        <p:spPr>
+          <a:xfrm>
+            <a:off x="7315200" y="457200"/>
+            <a:ext cx="4904640" cy="6537960"/>
+          </a:xfrm>
+          <a:prstGeom prst="rect">
+            <a:avLst/>
+          </a:prstGeom>
+          <a:noFill/>
+          <a:ln>
+            <a:noFill/>
+          </a:ln>
+        </p:spPr>
+        <p:style>
+          <a:lnRef idx="0"/>
+          <a:fillRef idx="0"/>
+          <a:effectRef idx="0"/>
+          <a:fontRef idx="minor"/>
+        </p:style>
+        <p:txBody>
+          <a:bodyPr lIns="90000" rIns="90000" tIns="45000" bIns="45000"/>
+          <a:p>
+            <a:r>
+              <a:rPr b="0" lang="en-US" sz="900" spc="-1" strike="noStrike">
+                <a:solidFill>
+                  <a:srgbClr val="000000"/>
+                </a:solidFill>
+                <a:uFill>
+                  <a:solidFill>
+                    <a:srgbClr val="ffffff"/>
+                  </a:solidFill>
+                </a:uFill>
+                <a:latin typeface="Liberation Mono;Courier New;Nimbus Mono L;DejaVu Sans Mono"/>
+              </a:rPr>
+              <a:t>['ygl071w', 1.9993356041646588, 0.015852980516663003, 11, 1]</a:t>
+            </a:r>
+            <a:endParaRPr b="0" lang="en-US" sz="900" spc="-1" strike="noStrike">
+              <a:solidFill>
+                <a:srgbClr val="000000"/>
+              </a:solidFill>
+              <a:uFill>
+                <a:solidFill>
+                  <a:srgbClr val="ffffff"/>
+                </a:solidFill>
+              </a:uFill>
+              <a:latin typeface="Arial"/>
+            </a:endParaRPr>
+          </a:p>
+          <a:p>
+            <a:r>
+              <a:rPr b="0" lang="en-US" sz="900" spc="-1" strike="noStrike">
+                <a:solidFill>
+                  <a:srgbClr val="000000"/>
+                </a:solidFill>
+                <a:uFill>
+                  <a:solidFill>
+                    <a:srgbClr val="ffffff"/>
+                  </a:solidFill>
+                </a:uFill>
+                <a:latin typeface="Liberation Mono;Courier New;Nimbus Mono L;DejaVu Sans Mono"/>
+              </a:rPr>
+              <a:t>['ylr256w', 1.9922344122894609, 0.05642092634724537, 29, 0]</a:t>
+            </a:r>
+            <a:endParaRPr b="0" lang="en-US" sz="900" spc="-1" strike="noStrike">
+              <a:solidFill>
+                <a:srgbClr val="000000"/>
+              </a:solidFill>
+              <a:uFill>
+                <a:solidFill>
+                  <a:srgbClr val="ffffff"/>
+                </a:solidFill>
+              </a:uFill>
+              <a:latin typeface="Arial"/>
+            </a:endParaRPr>
+          </a:p>
+          <a:p>
+            <a:r>
+              <a:rPr b="0" lang="en-US" sz="900" spc="-1" strike="noStrike">
+                <a:solidFill>
+                  <a:srgbClr val="000000"/>
+                </a:solidFill>
+                <a:uFill>
+                  <a:solidFill>
+                    <a:srgbClr val="ffffff"/>
+                  </a:solidFill>
+                </a:uFill>
+                <a:latin typeface="Liberation Mono;Courier New;Nimbus Mono L;DejaVu Sans Mono"/>
+              </a:rPr>
+              <a:t>['yhr178w', 1.9827394895927832, 0.06891200053123155, 15, 0]</a:t>
+            </a:r>
+            <a:endParaRPr b="0" lang="en-US" sz="900" spc="-1" strike="noStrike">
+              <a:solidFill>
+                <a:srgbClr val="000000"/>
+              </a:solidFill>
+              <a:uFill>
+                <a:solidFill>
+                  <a:srgbClr val="ffffff"/>
+                </a:solidFill>
+              </a:uFill>
+              <a:latin typeface="Arial"/>
+            </a:endParaRPr>
+          </a:p>
+          <a:p>
+            <a:r>
+              <a:rPr b="0" lang="en-US" sz="900" spc="-1" strike="noStrike">
+                <a:solidFill>
+                  <a:srgbClr val="000000"/>
+                </a:solidFill>
+                <a:uFill>
+                  <a:solidFill>
+                    <a:srgbClr val="ffffff"/>
+                  </a:solidFill>
+                </a:uFill>
+                <a:latin typeface="Liberation Mono;Courier New;Nimbus Mono L;DejaVu Sans Mono"/>
+              </a:rPr>
+              <a:t>['ydr034c', 1.9787073179470964, 0.07882959687070326, 4, 0]</a:t>
+            </a:r>
+            <a:endParaRPr b="0" lang="en-US" sz="900" spc="-1" strike="noStrike">
+              <a:solidFill>
+                <a:srgbClr val="000000"/>
+              </a:solidFill>
+              <a:uFill>
+                <a:solidFill>
+                  <a:srgbClr val="ffffff"/>
+                </a:solidFill>
+              </a:uFill>
+              <a:latin typeface="Arial"/>
+            </a:endParaRPr>
+          </a:p>
+          <a:p>
+            <a:r>
+              <a:rPr b="0" lang="en-US" sz="900" spc="-1" strike="noStrike">
+                <a:solidFill>
+                  <a:srgbClr val="000000"/>
+                </a:solidFill>
+                <a:uFill>
+                  <a:solidFill>
+                    <a:srgbClr val="ffffff"/>
+                  </a:solidFill>
+                </a:uFill>
+                <a:latin typeface="Liberation Mono;Courier New;Nimbus Mono L;DejaVu Sans Mono"/>
+              </a:rPr>
+              <a:t>['ykl185w', 1.6578861071800852, 0.212053940252311, 24, 3]</a:t>
+            </a:r>
+            <a:endParaRPr b="0" lang="en-US" sz="900" spc="-1" strike="noStrike">
+              <a:solidFill>
+                <a:srgbClr val="000000"/>
+              </a:solidFill>
+              <a:uFill>
+                <a:solidFill>
+                  <a:srgbClr val="ffffff"/>
+                </a:solidFill>
+              </a:uFill>
+              <a:latin typeface="Arial"/>
+            </a:endParaRPr>
+          </a:p>
+          <a:p>
+            <a:r>
+              <a:rPr b="0" lang="en-US" sz="900" spc="-1" strike="noStrike">
+                <a:solidFill>
+                  <a:srgbClr val="000000"/>
+                </a:solidFill>
+                <a:uFill>
+                  <a:solidFill>
+                    <a:srgbClr val="ffffff"/>
+                  </a:solidFill>
+                </a:uFill>
+                <a:latin typeface="Liberation Mono;Courier New;Nimbus Mono L;DejaVu Sans Mono"/>
+              </a:rPr>
+              <a:t>['yhr124w', 1.621859199768584, 0.22704187757796768, 14, 0]</a:t>
+            </a:r>
+            <a:endParaRPr b="0" lang="en-US" sz="900" spc="-1" strike="noStrike">
+              <a:solidFill>
+                <a:srgbClr val="000000"/>
+              </a:solidFill>
+              <a:uFill>
+                <a:solidFill>
+                  <a:srgbClr val="ffffff"/>
+                </a:solidFill>
+              </a:uFill>
+              <a:latin typeface="Arial"/>
+            </a:endParaRPr>
+          </a:p>
+          <a:p>
+            <a:r>
+              <a:rPr b="0" lang="en-US" sz="900" spc="-1" strike="noStrike">
+                <a:solidFill>
+                  <a:srgbClr val="000000"/>
+                </a:solidFill>
+                <a:uFill>
+                  <a:solidFill>
+                    <a:srgbClr val="ffffff"/>
+                  </a:solidFill>
+                </a:uFill>
+                <a:latin typeface="Liberation Mono;Courier New;Nimbus Mono L;DejaVu Sans Mono"/>
+              </a:rPr>
+              <a:t>['ypl202c', 1.3455158771465867, 0.1832017869216162, 41, 0]</a:t>
+            </a:r>
+            <a:endParaRPr b="0" lang="en-US" sz="900" spc="-1" strike="noStrike">
+              <a:solidFill>
+                <a:srgbClr val="000000"/>
+              </a:solidFill>
+              <a:uFill>
+                <a:solidFill>
+                  <a:srgbClr val="ffffff"/>
+                </a:solidFill>
+              </a:uFill>
+              <a:latin typeface="Arial"/>
+            </a:endParaRPr>
+          </a:p>
+          <a:p>
+            <a:r>
+              <a:rPr b="0" lang="en-US" sz="900" spc="-1" strike="noStrike">
+                <a:solidFill>
+                  <a:srgbClr val="000000"/>
+                </a:solidFill>
+                <a:uFill>
+                  <a:solidFill>
+                    <a:srgbClr val="ffffff"/>
+                  </a:solidFill>
+                </a:uFill>
+                <a:latin typeface="Liberation Mono;Courier New;Nimbus Mono L;DejaVu Sans Mono"/>
+              </a:rPr>
+              <a:t>['yel009c', 1.1439768467692235, 0.14163918803970735, 8, 1]</a:t>
+            </a:r>
+            <a:endParaRPr b="0" lang="en-US" sz="900" spc="-1" strike="noStrike">
+              <a:solidFill>
+                <a:srgbClr val="000000"/>
+              </a:solidFill>
+              <a:uFill>
+                <a:solidFill>
+                  <a:srgbClr val="ffffff"/>
+                </a:solidFill>
+              </a:uFill>
+              <a:latin typeface="Arial"/>
+            </a:endParaRPr>
+          </a:p>
+          <a:p>
+            <a:r>
+              <a:rPr b="0" lang="en-US" sz="900" spc="-1" strike="noStrike">
+                <a:solidFill>
+                  <a:srgbClr val="000000"/>
+                </a:solidFill>
+                <a:uFill>
+                  <a:solidFill>
+                    <a:srgbClr val="ffffff"/>
+                  </a:solidFill>
+                </a:uFill>
+                <a:latin typeface="Liberation Mono;Courier New;Nimbus Mono L;DejaVu Sans Mono"/>
+              </a:rPr>
+              <a:t>['yfr034c', 1.1291586960001503, 0.12890915540810957, 10, 5]</a:t>
+            </a:r>
+            <a:endParaRPr b="0" lang="en-US" sz="900" spc="-1" strike="noStrike">
+              <a:solidFill>
+                <a:srgbClr val="000000"/>
+              </a:solidFill>
+              <a:uFill>
+                <a:solidFill>
+                  <a:srgbClr val="ffffff"/>
+                </a:solidFill>
+              </a:uFill>
+              <a:latin typeface="Arial"/>
+            </a:endParaRPr>
+          </a:p>
+          <a:p>
+            <a:r>
+              <a:rPr b="0" lang="en-US" sz="900" spc="-1" strike="noStrike">
+                <a:solidFill>
+                  <a:srgbClr val="000000"/>
+                </a:solidFill>
+                <a:uFill>
+                  <a:solidFill>
+                    <a:srgbClr val="ffffff"/>
+                  </a:solidFill>
+                </a:uFill>
+                <a:latin typeface="Liberation Mono;Courier New;Nimbus Mono L;DejaVu Sans Mono"/>
+              </a:rPr>
+              <a:t>['ylr403w', 1.0713859540960429, 0.05373156815583778, 30, 4]</a:t>
+            </a:r>
+            <a:endParaRPr b="0" lang="en-US" sz="900" spc="-1" strike="noStrike">
+              <a:solidFill>
+                <a:srgbClr val="000000"/>
+              </a:solidFill>
+              <a:uFill>
+                <a:solidFill>
+                  <a:srgbClr val="ffffff"/>
+                </a:solidFill>
+              </a:uFill>
+              <a:latin typeface="Arial"/>
+            </a:endParaRPr>
+          </a:p>
+          <a:p>
+            <a:r>
+              <a:rPr b="0" lang="en-US" sz="900" spc="-1" strike="noStrike">
+                <a:solidFill>
+                  <a:srgbClr val="000000"/>
+                </a:solidFill>
+                <a:uFill>
+                  <a:solidFill>
+                    <a:srgbClr val="ffffff"/>
+                  </a:solidFill>
+                </a:uFill>
+                <a:latin typeface="Liberation Mono;Courier New;Nimbus Mono L;DejaVu Sans Mono"/>
+              </a:rPr>
+              <a:t>['yir013c', 1.0292460184074428, 0.09167089957810141, 18, 0]</a:t>
+            </a:r>
+            <a:endParaRPr b="0" lang="en-US" sz="900" spc="-1" strike="noStrike">
+              <a:solidFill>
+                <a:srgbClr val="000000"/>
+              </a:solidFill>
+              <a:uFill>
+                <a:solidFill>
+                  <a:srgbClr val="ffffff"/>
+                </a:solidFill>
+              </a:uFill>
+              <a:latin typeface="Arial"/>
+            </a:endParaRPr>
+          </a:p>
+          <a:p>
+            <a:r>
+              <a:rPr b="0" lang="en-US" sz="900" spc="-1" strike="noStrike">
+                <a:solidFill>
+                  <a:srgbClr val="000000"/>
+                </a:solidFill>
+                <a:uFill>
+                  <a:solidFill>
+                    <a:srgbClr val="ffffff"/>
+                  </a:solidFill>
+                </a:uFill>
+                <a:latin typeface="Liberation Mono;Courier New;Nimbus Mono L;DejaVu Sans Mono"/>
+              </a:rPr>
+              <a:t>['yor358w', 0.9253782788700989, 0.09380613733878193, 38, 0]</a:t>
+            </a:r>
+            <a:endParaRPr b="0" lang="en-US" sz="900" spc="-1" strike="noStrike">
+              <a:solidFill>
+                <a:srgbClr val="000000"/>
+              </a:solidFill>
+              <a:uFill>
+                <a:solidFill>
+                  <a:srgbClr val="ffffff"/>
+                </a:solidFill>
+              </a:uFill>
+              <a:latin typeface="Arial"/>
+            </a:endParaRPr>
+          </a:p>
+          <a:p>
+            <a:r>
+              <a:rPr b="0" lang="en-US" sz="900" spc="-1" strike="noStrike">
+                <a:solidFill>
+                  <a:srgbClr val="000000"/>
+                </a:solidFill>
+                <a:uFill>
+                  <a:solidFill>
+                    <a:srgbClr val="ffffff"/>
+                  </a:solidFill>
+                </a:uFill>
+                <a:latin typeface="Liberation Mono;Courier New;Nimbus Mono L;DejaVu Sans Mono"/>
+              </a:rPr>
+              <a:t>['yil101c', 0.8475011262642012, 0.03780695581925715, 16, 1]</a:t>
+            </a:r>
+            <a:endParaRPr b="0" lang="en-US" sz="900" spc="-1" strike="noStrike">
+              <a:solidFill>
+                <a:srgbClr val="000000"/>
+              </a:solidFill>
+              <a:uFill>
+                <a:solidFill>
+                  <a:srgbClr val="ffffff"/>
+                </a:solidFill>
+              </a:uFill>
+              <a:latin typeface="Arial"/>
+            </a:endParaRPr>
+          </a:p>
+          <a:p>
+            <a:r>
+              <a:rPr b="0" lang="en-US" sz="900" spc="-1" strike="noStrike">
+                <a:solidFill>
+                  <a:srgbClr val="000000"/>
+                </a:solidFill>
+                <a:uFill>
+                  <a:solidFill>
+                    <a:srgbClr val="ffffff"/>
+                  </a:solidFill>
+                </a:uFill>
+                <a:latin typeface="Liberation Mono;Courier New;Nimbus Mono L;DejaVu Sans Mono"/>
+              </a:rPr>
+              <a:t>['yjl056c', 0.6626022013037882, 0.024884653222346502, 20, 2]</a:t>
+            </a:r>
+            <a:endParaRPr b="0" lang="en-US" sz="900" spc="-1" strike="noStrike">
+              <a:solidFill>
+                <a:srgbClr val="000000"/>
+              </a:solidFill>
+              <a:uFill>
+                <a:solidFill>
+                  <a:srgbClr val="ffffff"/>
+                </a:solidFill>
+              </a:uFill>
+              <a:latin typeface="Arial"/>
+            </a:endParaRPr>
+          </a:p>
+          <a:p>
+            <a:r>
+              <a:rPr b="0" lang="en-US" sz="900" spc="-1" strike="noStrike">
+                <a:solidFill>
+                  <a:srgbClr val="000000"/>
+                </a:solidFill>
+                <a:uFill>
+                  <a:solidFill>
+                    <a:srgbClr val="ffffff"/>
+                  </a:solidFill>
+                </a:uFill>
+                <a:latin typeface="Liberation Mono;Courier New;Nimbus Mono L;DejaVu Sans Mono"/>
+              </a:rPr>
+              <a:t>['ypl248c', 0.6090441239714873, 0.06033127126592642, 42, 1]</a:t>
+            </a:r>
+            <a:endParaRPr b="0" lang="en-US" sz="900" spc="-1" strike="noStrike">
+              <a:solidFill>
+                <a:srgbClr val="000000"/>
+              </a:solidFill>
+              <a:uFill>
+                <a:solidFill>
+                  <a:srgbClr val="ffffff"/>
+                </a:solidFill>
+              </a:uFill>
+              <a:latin typeface="Arial"/>
+            </a:endParaRPr>
+          </a:p>
+          <a:p>
+            <a:r>
+              <a:rPr b="0" lang="en-US" sz="900" spc="-1" strike="noStrike">
+                <a:solidFill>
+                  <a:srgbClr val="000000"/>
+                </a:solidFill>
+                <a:uFill>
+                  <a:solidFill>
+                    <a:srgbClr val="ffffff"/>
+                  </a:solidFill>
+                </a:uFill>
+                <a:latin typeface="Liberation Mono;Courier New;Nimbus Mono L;DejaVu Sans Mono"/>
+              </a:rPr>
+              <a:t>['yol108c', 0.5872825878579596, 0.10666975332412383, 36, 1]</a:t>
+            </a:r>
+            <a:endParaRPr b="0" lang="en-US" sz="900" spc="-1" strike="noStrike">
+              <a:solidFill>
+                <a:srgbClr val="000000"/>
+              </a:solidFill>
+              <a:uFill>
+                <a:solidFill>
+                  <a:srgbClr val="ffffff"/>
+                </a:solidFill>
+              </a:uFill>
+              <a:latin typeface="Arial"/>
+            </a:endParaRPr>
+          </a:p>
+          <a:p>
+            <a:r>
+              <a:rPr b="0" lang="en-US" sz="900" spc="-1" strike="noStrike">
+                <a:solidFill>
+                  <a:srgbClr val="000000"/>
+                </a:solidFill>
+                <a:uFill>
+                  <a:solidFill>
+                    <a:srgbClr val="ffffff"/>
+                  </a:solidFill>
+                </a:uFill>
+                <a:latin typeface="Liberation Mono;Courier New;Nimbus Mono L;DejaVu Sans Mono"/>
+              </a:rPr>
+              <a:t>['ydr213w', 0.5540916998421493, 0.08407240319974715, 6, 0]</a:t>
+            </a:r>
+            <a:endParaRPr b="0" lang="en-US" sz="900" spc="-1" strike="noStrike">
+              <a:solidFill>
+                <a:srgbClr val="000000"/>
+              </a:solidFill>
+              <a:uFill>
+                <a:solidFill>
+                  <a:srgbClr val="ffffff"/>
+                </a:solidFill>
+              </a:uFill>
+              <a:latin typeface="Arial"/>
+            </a:endParaRPr>
+          </a:p>
+          <a:p>
+            <a:r>
+              <a:rPr b="0" lang="en-US" sz="900" spc="-1" strike="noStrike">
+                <a:solidFill>
+                  <a:srgbClr val="000000"/>
+                </a:solidFill>
+                <a:uFill>
+                  <a:solidFill>
+                    <a:srgbClr val="ffffff"/>
+                  </a:solidFill>
+                </a:uFill>
+                <a:latin typeface="Liberation Mono;Courier New;Nimbus Mono L;DejaVu Sans Mono"/>
+              </a:rPr>
+              <a:t>['ydl106c', 0.5324198769534775, 0.024613097332021217, 3, 0]</a:t>
+            </a:r>
+            <a:endParaRPr b="0" lang="en-US" sz="900" spc="-1" strike="noStrike">
+              <a:solidFill>
+                <a:srgbClr val="000000"/>
+              </a:solidFill>
+              <a:uFill>
+                <a:solidFill>
+                  <a:srgbClr val="ffffff"/>
+                </a:solidFill>
+              </a:uFill>
+              <a:latin typeface="Arial"/>
+            </a:endParaRPr>
+          </a:p>
+          <a:p>
+            <a:r>
+              <a:rPr b="0" lang="en-US" sz="900" spc="-1" strike="noStrike">
+                <a:solidFill>
+                  <a:srgbClr val="000000"/>
+                </a:solidFill>
+                <a:uFill>
+                  <a:solidFill>
+                    <a:srgbClr val="ffffff"/>
+                  </a:solidFill>
+                </a:uFill>
+                <a:latin typeface="Liberation Mono;Courier New;Nimbus Mono L;DejaVu Sans Mono"/>
+              </a:rPr>
+              <a:t>['ylr176c', 0.5115553531009202, 0.03475702877493368, 27, 0]</a:t>
+            </a:r>
+            <a:endParaRPr b="0" lang="en-US" sz="900" spc="-1" strike="noStrike">
+              <a:solidFill>
+                <a:srgbClr val="000000"/>
+              </a:solidFill>
+              <a:uFill>
+                <a:solidFill>
+                  <a:srgbClr val="ffffff"/>
+                </a:solidFill>
+              </a:uFill>
+              <a:latin typeface="Arial"/>
+            </a:endParaRPr>
+          </a:p>
+          <a:p>
+            <a:r>
+              <a:rPr b="0" lang="en-US" sz="900" spc="-1" strike="noStrike">
+                <a:solidFill>
+                  <a:srgbClr val="000000"/>
+                </a:solidFill>
+                <a:uFill>
+                  <a:solidFill>
+                    <a:srgbClr val="ffffff"/>
+                  </a:solidFill>
+                </a:uFill>
+                <a:latin typeface="Liberation Mono;Courier New;Nimbus Mono L;DejaVu Sans Mono"/>
+              </a:rPr>
+              <a:t>['yhr084w', 0.48607781019966895, 0.01747771055728044, 13, 3]</a:t>
+            </a:r>
+            <a:endParaRPr b="0" lang="en-US" sz="900" spc="-1" strike="noStrike">
+              <a:solidFill>
+                <a:srgbClr val="000000"/>
+              </a:solidFill>
+              <a:uFill>
+                <a:solidFill>
+                  <a:srgbClr val="ffffff"/>
+                </a:solidFill>
+              </a:uFill>
+              <a:latin typeface="Arial"/>
+            </a:endParaRPr>
+          </a:p>
+          <a:p>
+            <a:r>
+              <a:rPr b="0" lang="en-US" sz="900" spc="-1" strike="noStrike">
+                <a:solidFill>
+                  <a:srgbClr val="000000"/>
+                </a:solidFill>
+                <a:uFill>
+                  <a:solidFill>
+                    <a:srgbClr val="ffffff"/>
+                  </a:solidFill>
+                </a:uFill>
+                <a:latin typeface="Liberation Mono;Courier New;Nimbus Mono L;DejaVu Sans Mono"/>
+              </a:rPr>
+              <a:t>['ydl020c', 0.4627015233677122, 0.013624028871723195, 2, 0]</a:t>
+            </a:r>
+            <a:endParaRPr b="0" lang="en-US" sz="900" spc="-1" strike="noStrike">
+              <a:solidFill>
+                <a:srgbClr val="000000"/>
+              </a:solidFill>
+              <a:uFill>
+                <a:solidFill>
+                  <a:srgbClr val="ffffff"/>
+                </a:solidFill>
+              </a:uFill>
+              <a:latin typeface="Arial"/>
+            </a:endParaRPr>
+          </a:p>
+          <a:p>
+            <a:r>
+              <a:rPr b="0" lang="en-US" sz="900" spc="-1" strike="noStrike">
+                <a:solidFill>
+                  <a:srgbClr val="000000"/>
+                </a:solidFill>
+                <a:uFill>
+                  <a:solidFill>
+                    <a:srgbClr val="ffffff"/>
+                  </a:solidFill>
+                </a:uFill>
+                <a:latin typeface="Liberation Mono;Courier New;Nimbus Mono L;DejaVu Sans Mono"/>
+              </a:rPr>
+              <a:t>['ycr065w', 0.45513302163312186, 0.026029940408703753, 1, 1]</a:t>
+            </a:r>
+            <a:endParaRPr b="0" lang="en-US" sz="900" spc="-1" strike="noStrike">
+              <a:solidFill>
+                <a:srgbClr val="000000"/>
+              </a:solidFill>
+              <a:uFill>
+                <a:solidFill>
+                  <a:srgbClr val="ffffff"/>
+                </a:solidFill>
+              </a:uFill>
+              <a:latin typeface="Arial"/>
+            </a:endParaRPr>
+          </a:p>
+          <a:p>
+            <a:r>
+              <a:rPr b="0" lang="en-US" sz="900" spc="-1" strike="noStrike">
+                <a:solidFill>
+                  <a:srgbClr val="000000"/>
+                </a:solidFill>
+                <a:uFill>
+                  <a:solidFill>
+                    <a:srgbClr val="ffffff"/>
+                  </a:solidFill>
+                </a:uFill>
+                <a:latin typeface="Liberation Mono;Courier New;Nimbus Mono L;DejaVu Sans Mono"/>
+              </a:rPr>
+              <a:t>['yil131c', 0.42612386293475685, 0.013787185451561552, 17, 2]</a:t>
+            </a:r>
+            <a:endParaRPr b="0" lang="en-US" sz="900" spc="-1" strike="noStrike">
+              <a:solidFill>
+                <a:srgbClr val="000000"/>
+              </a:solidFill>
+              <a:uFill>
+                <a:solidFill>
+                  <a:srgbClr val="ffffff"/>
+                </a:solidFill>
+              </a:uFill>
+              <a:latin typeface="Arial"/>
+            </a:endParaRPr>
+          </a:p>
+          <a:p>
+            <a:r>
+              <a:rPr b="0" lang="en-US" sz="900" spc="-1" strike="noStrike">
+                <a:solidFill>
+                  <a:srgbClr val="000000"/>
+                </a:solidFill>
+                <a:uFill>
+                  <a:solidFill>
+                    <a:srgbClr val="ffffff"/>
+                  </a:solidFill>
+                </a:uFill>
+                <a:latin typeface="Liberation Mono;Courier New;Nimbus Mono L;DejaVu Sans Mono"/>
+              </a:rPr>
+              <a:t>['ypr065w', 0.40371096756911584, 0.017247851461809394, 43, 1]</a:t>
+            </a:r>
+            <a:endParaRPr b="0" lang="en-US" sz="900" spc="-1" strike="noStrike">
+              <a:solidFill>
+                <a:srgbClr val="000000"/>
+              </a:solidFill>
+              <a:uFill>
+                <a:solidFill>
+                  <a:srgbClr val="ffffff"/>
+                </a:solidFill>
+              </a:uFill>
+              <a:latin typeface="Arial"/>
+            </a:endParaRPr>
+          </a:p>
+          <a:p>
+            <a:r>
+              <a:rPr b="0" lang="en-US" sz="900" spc="-1" strike="noStrike">
+                <a:solidFill>
+                  <a:srgbClr val="000000"/>
+                </a:solidFill>
+                <a:uFill>
+                  <a:solidFill>
+                    <a:srgbClr val="ffffff"/>
+                  </a:solidFill>
+                </a:uFill>
+                <a:latin typeface="Liberation Mono;Courier New;Nimbus Mono L;DejaVu Sans Mono"/>
+              </a:rPr>
+              <a:t>['ydr146c', 0.40247680522928403, 0.03885930091529732, 5, 1]</a:t>
+            </a:r>
+            <a:endParaRPr b="0" lang="en-US" sz="900" spc="-1" strike="noStrike">
+              <a:solidFill>
+                <a:srgbClr val="000000"/>
+              </a:solidFill>
+              <a:uFill>
+                <a:solidFill>
+                  <a:srgbClr val="ffffff"/>
+                </a:solidFill>
+              </a:uFill>
+              <a:latin typeface="Arial"/>
+            </a:endParaRPr>
+          </a:p>
+          <a:p>
+            <a:r>
+              <a:rPr b="0" lang="en-US" sz="900" spc="-1" strike="noStrike">
+                <a:solidFill>
+                  <a:srgbClr val="000000"/>
+                </a:solidFill>
+                <a:uFill>
+                  <a:solidFill>
+                    <a:srgbClr val="ffffff"/>
+                  </a:solidFill>
+                </a:uFill>
+                <a:latin typeface="Liberation Mono;Courier New;Nimbus Mono L;DejaVu Sans Mono"/>
+              </a:rPr>
+              <a:t>['ynl027w', 0.3967159233003578, 0.012982587958819597, 32, 9]</a:t>
+            </a:r>
+            <a:endParaRPr b="0" lang="en-US" sz="900" spc="-1" strike="noStrike">
+              <a:solidFill>
+                <a:srgbClr val="000000"/>
+              </a:solidFill>
+              <a:uFill>
+                <a:solidFill>
+                  <a:srgbClr val="ffffff"/>
+                </a:solidFill>
+              </a:uFill>
+              <a:latin typeface="Arial"/>
+            </a:endParaRPr>
+          </a:p>
+          <a:p>
+            <a:r>
+              <a:rPr b="0" lang="en-US" sz="900" spc="-1" strike="noStrike">
+                <a:solidFill>
+                  <a:srgbClr val="000000"/>
+                </a:solidFill>
+                <a:uFill>
+                  <a:solidFill>
+                    <a:srgbClr val="ffffff"/>
+                  </a:solidFill>
+                </a:uFill>
+                <a:latin typeface="Liberation Mono;Courier New;Nimbus Mono L;DejaVu Sans Mono"/>
+              </a:rPr>
+              <a:t>['ylr013w', 0.38996694701570106, 0.024130357086039535, 26, 0]</a:t>
+            </a:r>
+            <a:endParaRPr b="0" lang="en-US" sz="900" spc="-1" strike="noStrike">
+              <a:solidFill>
+                <a:srgbClr val="000000"/>
+              </a:solidFill>
+              <a:uFill>
+                <a:solidFill>
+                  <a:srgbClr val="ffffff"/>
+                </a:solidFill>
+              </a:uFill>
+              <a:latin typeface="Arial"/>
+            </a:endParaRPr>
+          </a:p>
+          <a:p>
+            <a:r>
+              <a:rPr b="0" lang="en-US" sz="900" spc="-1" strike="noStrike">
+                <a:solidFill>
+                  <a:srgbClr val="000000"/>
+                </a:solidFill>
+                <a:uFill>
+                  <a:solidFill>
+                    <a:srgbClr val="ffffff"/>
+                  </a:solidFill>
+                </a:uFill>
+                <a:latin typeface="Liberation Mono;Courier New;Nimbus Mono L;DejaVu Sans Mono"/>
+              </a:rPr>
+              <a:t>['ynl068c', 0.37556911573880936, 0.010512774293124584, 33, 2]</a:t>
+            </a:r>
+            <a:endParaRPr b="0" lang="en-US" sz="900" spc="-1" strike="noStrike">
+              <a:solidFill>
+                <a:srgbClr val="000000"/>
+              </a:solidFill>
+              <a:uFill>
+                <a:solidFill>
+                  <a:srgbClr val="ffffff"/>
+                </a:solidFill>
+              </a:uFill>
+              <a:latin typeface="Arial"/>
+            </a:endParaRPr>
+          </a:p>
+          <a:p>
+            <a:r>
+              <a:rPr b="0" lang="en-US" sz="900" spc="-1" strike="noStrike">
+                <a:solidFill>
+                  <a:srgbClr val="000000"/>
+                </a:solidFill>
+                <a:uFill>
+                  <a:solidFill>
+                    <a:srgbClr val="ffffff"/>
+                  </a:solidFill>
+                </a:uFill>
+                <a:latin typeface="Liberation Mono;Courier New;Nimbus Mono L;DejaVu Sans Mono"/>
+              </a:rPr>
+              <a:t>['yir017c', 0.27579385201111234, 0.0065089941357618164, 19, 0]</a:t>
+            </a:r>
+            <a:endParaRPr b="0" lang="en-US" sz="900" spc="-1" strike="noStrike">
+              <a:solidFill>
+                <a:srgbClr val="000000"/>
+              </a:solidFill>
+              <a:uFill>
+                <a:solidFill>
+                  <a:srgbClr val="ffffff"/>
+                </a:solidFill>
+              </a:uFill>
+              <a:latin typeface="Arial"/>
+            </a:endParaRPr>
+          </a:p>
+          <a:p>
+            <a:r>
+              <a:rPr b="0" lang="en-US" sz="900" spc="-1" strike="noStrike">
+                <a:solidFill>
+                  <a:srgbClr val="000000"/>
+                </a:solidFill>
+                <a:uFill>
+                  <a:solidFill>
+                    <a:srgbClr val="ffffff"/>
+                  </a:solidFill>
+                </a:uFill>
+                <a:latin typeface="Liberation Mono;Courier New;Nimbus Mono L;DejaVu Sans Mono"/>
+              </a:rPr>
+              <a:t>['yjr060w', 0.2699519447033254, 0.019750208775713683, 22, 1]</a:t>
+            </a:r>
+            <a:endParaRPr b="0" lang="en-US" sz="900" spc="-1" strike="noStrike">
+              <a:solidFill>
+                <a:srgbClr val="000000"/>
+              </a:solidFill>
+              <a:uFill>
+                <a:solidFill>
+                  <a:srgbClr val="ffffff"/>
+                </a:solidFill>
+              </a:uFill>
+              <a:latin typeface="Arial"/>
+            </a:endParaRPr>
+          </a:p>
+          <a:p>
+            <a:r>
+              <a:rPr b="0" lang="en-US" sz="900" spc="-1" strike="noStrike">
+                <a:solidFill>
+                  <a:srgbClr val="000000"/>
+                </a:solidFill>
+                <a:uFill>
+                  <a:solidFill>
+                    <a:srgbClr val="ffffff"/>
+                  </a:solidFill>
+                </a:uFill>
+                <a:latin typeface="Liberation Mono;Courier New;Nimbus Mono L;DejaVu Sans Mono"/>
+              </a:rPr>
+              <a:t>['ypl177c', 0.24609727355301364, 0.005679964323550791, 40, 2]</a:t>
+            </a:r>
+            <a:endParaRPr b="0" lang="en-US" sz="900" spc="-1" strike="noStrike">
+              <a:solidFill>
+                <a:srgbClr val="000000"/>
+              </a:solidFill>
+              <a:uFill>
+                <a:solidFill>
+                  <a:srgbClr val="ffffff"/>
+                </a:solidFill>
+              </a:uFill>
+              <a:latin typeface="Arial"/>
+            </a:endParaRPr>
+          </a:p>
+          <a:p>
+            <a:r>
+              <a:rPr b="0" lang="en-US" sz="900" spc="-1" strike="noStrike">
+                <a:solidFill>
+                  <a:srgbClr val="000000"/>
+                </a:solidFill>
+                <a:uFill>
+                  <a:solidFill>
+                    <a:srgbClr val="ffffff"/>
+                  </a:solidFill>
+                </a:uFill>
+                <a:latin typeface="Liberation Mono;Courier New;Nimbus Mono L;DejaVu Sans Mono"/>
+              </a:rPr>
+              <a:t>['ykl109w', 0.20045384364699165, 0.006171074710992962, 23, 0]</a:t>
+            </a:r>
+            <a:endParaRPr b="0" lang="en-US" sz="900" spc="-1" strike="noStrike">
+              <a:solidFill>
+                <a:srgbClr val="000000"/>
+              </a:solidFill>
+              <a:uFill>
+                <a:solidFill>
+                  <a:srgbClr val="ffffff"/>
+                </a:solidFill>
+              </a:uFill>
+              <a:latin typeface="Arial"/>
+            </a:endParaRPr>
+          </a:p>
+          <a:p>
+            <a:r>
+              <a:rPr b="0" lang="en-US" sz="900" spc="-1" strike="noStrike">
+                <a:solidFill>
+                  <a:srgbClr val="000000"/>
+                </a:solidFill>
+                <a:uFill>
+                  <a:solidFill>
+                    <a:srgbClr val="ffffff"/>
+                  </a:solidFill>
+                </a:uFill>
+                <a:latin typeface="Liberation Mono;Courier New;Nimbus Mono L;DejaVu Sans Mono"/>
+              </a:rPr>
+              <a:t>['yfl031w', 0.1803759674205352, 0.003614621028743238, 9, 3]</a:t>
+            </a:r>
+            <a:endParaRPr b="0" lang="en-US" sz="900" spc="-1" strike="noStrike">
+              <a:solidFill>
+                <a:srgbClr val="000000"/>
+              </a:solidFill>
+              <a:uFill>
+                <a:solidFill>
+                  <a:srgbClr val="ffffff"/>
+                </a:solidFill>
+              </a:uFill>
+              <a:latin typeface="Arial"/>
+            </a:endParaRPr>
+          </a:p>
+          <a:p>
+            <a:r>
+              <a:rPr b="0" lang="en-US" sz="900" spc="-1" strike="noStrike">
+                <a:solidFill>
+                  <a:srgbClr val="000000"/>
+                </a:solidFill>
+                <a:uFill>
+                  <a:solidFill>
+                    <a:srgbClr val="ffffff"/>
+                  </a:solidFill>
+                </a:uFill>
+                <a:latin typeface="Liberation Mono;Courier New;Nimbus Mono L;DejaVu Sans Mono"/>
+              </a:rPr>
+              <a:t>['ykr034w', 0.16218480523526171, 0.002890985431240053, 25, 0]</a:t>
+            </a:r>
+            <a:endParaRPr b="0" lang="en-US" sz="900" spc="-1" strike="noStrike">
+              <a:solidFill>
+                <a:srgbClr val="000000"/>
+              </a:solidFill>
+              <a:uFill>
+                <a:solidFill>
+                  <a:srgbClr val="ffffff"/>
+                </a:solidFill>
+              </a:uFill>
+              <a:latin typeface="Arial"/>
+            </a:endParaRPr>
+          </a:p>
+          <a:p>
+            <a:r>
+              <a:rPr b="0" lang="en-US" sz="900" spc="-1" strike="noStrike">
+                <a:solidFill>
+                  <a:srgbClr val="000000"/>
+                </a:solidFill>
+                <a:uFill>
+                  <a:solidFill>
+                    <a:srgbClr val="ffffff"/>
+                  </a:solidFill>
+                </a:uFill>
+                <a:latin typeface="Liberation Mono;Courier New;Nimbus Mono L;DejaVu Sans Mono"/>
+              </a:rPr>
+              <a:t>['ydr310c', 0.1570597527693169, 0.003924778935197901, 7, 0]</a:t>
+            </a:r>
+            <a:endParaRPr b="0" lang="en-US" sz="900" spc="-1" strike="noStrike">
+              <a:solidFill>
+                <a:srgbClr val="000000"/>
+              </a:solidFill>
+              <a:uFill>
+                <a:solidFill>
+                  <a:srgbClr val="ffffff"/>
+                </a:solidFill>
+              </a:uFill>
+              <a:latin typeface="Arial"/>
+            </a:endParaRPr>
+          </a:p>
+          <a:p>
+            <a:r>
+              <a:rPr b="0" lang="en-US" sz="900" spc="-1" strike="noStrike">
+                <a:solidFill>
+                  <a:srgbClr val="000000"/>
+                </a:solidFill>
+                <a:uFill>
+                  <a:solidFill>
+                    <a:srgbClr val="ffffff"/>
+                  </a:solidFill>
+                </a:uFill>
+                <a:latin typeface="Liberation Mono;Courier New;Nimbus Mono L;DejaVu Sans Mono"/>
+              </a:rPr>
+              <a:t>['ypl139c', 0.14590585460666988, 0.005347333286021054, 39, 3]</a:t>
+            </a:r>
+            <a:endParaRPr b="0" lang="en-US" sz="900" spc="-1" strike="noStrike">
+              <a:solidFill>
+                <a:srgbClr val="000000"/>
+              </a:solidFill>
+              <a:uFill>
+                <a:solidFill>
+                  <a:srgbClr val="ffffff"/>
+                </a:solidFill>
+              </a:uFill>
+              <a:latin typeface="Arial"/>
+            </a:endParaRPr>
+          </a:p>
+          <a:p>
+            <a:r>
+              <a:rPr b="0" lang="en-US" sz="900" spc="-1" strike="noStrike">
+                <a:solidFill>
+                  <a:srgbClr val="000000"/>
+                </a:solidFill>
+                <a:uFill>
+                  <a:solidFill>
+                    <a:srgbClr val="ffffff"/>
+                  </a:solidFill>
+                </a:uFill>
+                <a:latin typeface="Liberation Mono;Courier New;Nimbus Mono L;DejaVu Sans Mono"/>
+              </a:rPr>
+              <a:t>['ylr228c', 0.13761144722706817, 0.0014726833655712003, 28, 0]</a:t>
+            </a:r>
+            <a:endParaRPr b="0" lang="en-US" sz="900" spc="-1" strike="noStrike">
+              <a:solidFill>
+                <a:srgbClr val="000000"/>
+              </a:solidFill>
+              <a:uFill>
+                <a:solidFill>
+                  <a:srgbClr val="ffffff"/>
+                </a:solidFill>
+              </a:uFill>
+              <a:latin typeface="Arial"/>
+            </a:endParaRPr>
+          </a:p>
+          <a:p>
+            <a:r>
+              <a:rPr b="0" lang="en-US" sz="900" spc="-1" strike="noStrike">
+                <a:solidFill>
+                  <a:srgbClr val="000000"/>
+                </a:solidFill>
+                <a:uFill>
+                  <a:solidFill>
+                    <a:srgbClr val="ffffff"/>
+                  </a:solidFill>
+                </a:uFill>
+                <a:latin typeface="Liberation Mono;Courier New;Nimbus Mono L;DejaVu Sans Mono"/>
+              </a:rPr>
+              <a:t>['ynl199c', 0.12869698251750902, 0.0016196941152934543, 35, 1]</a:t>
+            </a:r>
+            <a:endParaRPr b="0" lang="en-US" sz="900" spc="-1" strike="noStrike">
+              <a:solidFill>
+                <a:srgbClr val="000000"/>
+              </a:solidFill>
+              <a:uFill>
+                <a:solidFill>
+                  <a:srgbClr val="ffffff"/>
+                </a:solidFill>
+              </a:uFill>
+              <a:latin typeface="Arial"/>
+            </a:endParaRPr>
+          </a:p>
+          <a:p>
+            <a:r>
+              <a:rPr b="0" lang="en-US" sz="900" spc="-1" strike="noStrike">
+                <a:solidFill>
+                  <a:srgbClr val="000000"/>
+                </a:solidFill>
+                <a:uFill>
+                  <a:solidFill>
+                    <a:srgbClr val="ffffff"/>
+                  </a:solidFill>
+                </a:uFill>
+                <a:latin typeface="Liberation Mono;Courier New;Nimbus Mono L;DejaVu Sans Mono"/>
+              </a:rPr>
+              <a:t>['yal051w', 0.11546644580435533, 0.00471215483149232, 0, 0]</a:t>
+            </a:r>
+            <a:endParaRPr b="0" lang="en-US" sz="900" spc="-1" strike="noStrike">
+              <a:solidFill>
+                <a:srgbClr val="000000"/>
+              </a:solidFill>
+              <a:uFill>
+                <a:solidFill>
+                  <a:srgbClr val="ffffff"/>
+                </a:solidFill>
+              </a:uFill>
+              <a:latin typeface="Arial"/>
+            </a:endParaRPr>
+          </a:p>
+          <a:p>
+            <a:r>
+              <a:rPr b="0" lang="en-US" sz="900" spc="-1" strike="noStrike">
+                <a:solidFill>
+                  <a:srgbClr val="000000"/>
+                </a:solidFill>
+                <a:uFill>
+                  <a:solidFill>
+                    <a:srgbClr val="ffffff"/>
+                  </a:solidFill>
+                </a:uFill>
+                <a:latin typeface="Liberation Mono;Courier New;Nimbus Mono L;DejaVu Sans Mono"/>
+              </a:rPr>
+              <a:t>['yjl110c', 0.110705043741801, 0.0011027004772424238, 21, 2]</a:t>
+            </a:r>
+            <a:endParaRPr b="0" lang="en-US" sz="900" spc="-1" strike="noStrike">
+              <a:solidFill>
+                <a:srgbClr val="000000"/>
+              </a:solidFill>
+              <a:uFill>
+                <a:solidFill>
+                  <a:srgbClr val="ffffff"/>
+                </a:solidFill>
+              </a:uFill>
+              <a:latin typeface="Arial"/>
+            </a:endParaRPr>
+          </a:p>
+          <a:p>
+            <a:r>
+              <a:rPr b="0" lang="en-US" sz="900" spc="-1" strike="noStrike">
+                <a:solidFill>
+                  <a:srgbClr val="000000"/>
+                </a:solidFill>
+                <a:uFill>
+                  <a:solidFill>
+                    <a:srgbClr val="ffffff"/>
+                  </a:solidFill>
+                </a:uFill>
+                <a:latin typeface="Liberation Mono;Courier New;Nimbus Mono L;DejaVu Sans Mono"/>
+              </a:rPr>
+              <a:t>['yhl020c', 0.10185759837858205, 0.0011101397298856877, 12, 4]</a:t>
+            </a:r>
+            <a:endParaRPr b="0" lang="en-US" sz="900" spc="-1" strike="noStrike">
+              <a:solidFill>
+                <a:srgbClr val="000000"/>
+              </a:solidFill>
+              <a:uFill>
+                <a:solidFill>
+                  <a:srgbClr val="ffffff"/>
+                </a:solidFill>
+              </a:uFill>
+              <a:latin typeface="Arial"/>
+            </a:endParaRPr>
+          </a:p>
+          <a:p>
+            <a:r>
+              <a:rPr b="0" lang="en-US" sz="900" spc="-1" strike="noStrike">
+                <a:solidFill>
+                  <a:srgbClr val="000000"/>
+                </a:solidFill>
+                <a:uFill>
+                  <a:solidFill>
+                    <a:srgbClr val="ffffff"/>
+                  </a:solidFill>
+                </a:uFill>
+                <a:latin typeface="Liberation Mono;Courier New;Nimbus Mono L;DejaVu Sans Mono"/>
+              </a:rPr>
+              <a:t>['yml007w', 0.09101849482119403, 0.0005491757836918053, 31, 0]</a:t>
+            </a:r>
+            <a:endParaRPr b="0" lang="en-US" sz="900" spc="-1" strike="noStrike">
+              <a:solidFill>
+                <a:srgbClr val="000000"/>
+              </a:solidFill>
+              <a:uFill>
+                <a:solidFill>
+                  <a:srgbClr val="ffffff"/>
+                </a:solidFill>
+              </a:uFill>
+              <a:latin typeface="Arial"/>
+            </a:endParaRPr>
+          </a:p>
+          <a:p>
+            <a:r>
+              <a:rPr b="0" lang="en-US" sz="900" spc="-1" strike="noStrike">
+                <a:solidFill>
+                  <a:srgbClr val="000000"/>
+                </a:solidFill>
+                <a:uFill>
+                  <a:solidFill>
+                    <a:srgbClr val="ffffff"/>
+                  </a:solidFill>
+                </a:uFill>
+                <a:latin typeface="Liberation Mono;Courier New;Nimbus Mono L;DejaVu Sans Mono"/>
+              </a:rPr>
+              <a:t>['ynl167c', 0.08267303869443923, 0.000511696645959092, 34, 3]</a:t>
+            </a:r>
+            <a:endParaRPr b="0" lang="en-US" sz="900" spc="-1" strike="noStrike">
+              <a:solidFill>
+                <a:srgbClr val="000000"/>
+              </a:solidFill>
+              <a:uFill>
+                <a:solidFill>
+                  <a:srgbClr val="ffffff"/>
+                </a:solidFill>
+              </a:uFill>
+              <a:latin typeface="Arial"/>
+            </a:endParaRPr>
+          </a:p>
+          <a:p>
+            <a:r>
+              <a:rPr b="0" lang="en-US" sz="900" spc="-1" strike="noStrike">
+                <a:solidFill>
+                  <a:srgbClr val="000000"/>
+                </a:solidFill>
+                <a:uFill>
+                  <a:solidFill>
+                    <a:srgbClr val="ffffff"/>
+                  </a:solidFill>
+                </a:uFill>
+                <a:latin typeface="Liberation Mono;Courier New;Nimbus Mono L;DejaVu Sans Mono"/>
+              </a:rPr>
+              <a:t>['yor337w', 0.07411589880278457, 0.000535753274597334, 37, 0]</a:t>
+            </a:r>
+            <a:endParaRPr b="0" lang="en-US" sz="900" spc="-1" strike="noStrike">
+              <a:solidFill>
+                <a:srgbClr val="000000"/>
+              </a:solidFill>
+              <a:uFill>
+                <a:solidFill>
+                  <a:srgbClr val="ffffff"/>
+                </a:solidFill>
+              </a:uFill>
+              <a:latin typeface="Arial"/>
+            </a:endParaRPr>
+          </a:p>
+          <a:p>
+            <a:endParaRPr b="0" lang="en-US" sz="900" spc="-1" strike="noStrike">
+              <a:solidFill>
+                <a:srgbClr val="000000"/>
+              </a:solidFill>
+              <a:uFill>
+                <a:solidFill>
+                  <a:srgbClr val="ffffff"/>
+                </a:solidFill>
+              </a:uFill>
+              <a:latin typeface="Arial"/>
+            </a:endParaRPr>
+          </a:p>
+        </p:txBody>
+      </p:sp>
       <p:pic>
         <p:nvPicPr>
-          <p:cNvPr id="134" name="" descr=""/>
+          <p:cNvPr id="146" name="" descr=""/>
           <p:cNvPicPr/>
           <p:nvPr/>
         </p:nvPicPr>
         <p:blipFill>
           <a:blip r:embed="rId2"/>
+          <a:srcRect l="0" t="1890" r="0" b="805"/>
           <a:stretch/>
         </p:blipFill>
         <p:spPr>
           <a:xfrm>
-            <a:off x="274680" y="1081440"/>
-            <a:ext cx="5120280" cy="4862160"/>
+            <a:off x="5533920" y="164520"/>
+            <a:ext cx="592560" cy="3840120"/>
           </a:xfrm>
           <a:prstGeom prst="rect">
             <a:avLst/>
@@ -4509,16 +5714,62 @@
           </a:ln>
         </p:spPr>
       </p:pic>
+      <p:pic>
+        <p:nvPicPr>
+          <p:cNvPr id="147" name="" descr=""/>
+          <p:cNvPicPr/>
+          <p:nvPr/>
+        </p:nvPicPr>
+        <p:blipFill>
+          <a:blip r:embed="rId3"/>
+          <a:stretch/>
+        </p:blipFill>
+        <p:spPr>
+          <a:xfrm>
+            <a:off x="6126840" y="183240"/>
+            <a:ext cx="456840" cy="914040"/>
+          </a:xfrm>
+          <a:prstGeom prst="rect">
+            <a:avLst/>
+          </a:prstGeom>
+          <a:ln>
+            <a:noFill/>
+          </a:ln>
+        </p:spPr>
+      </p:pic>
+      <p:pic>
+        <p:nvPicPr>
+          <p:cNvPr id="148" name="" descr=""/>
+          <p:cNvPicPr/>
+          <p:nvPr/>
+        </p:nvPicPr>
+        <p:blipFill>
+          <a:blip r:embed="rId4"/>
+          <a:stretch/>
+        </p:blipFill>
+        <p:spPr>
+          <a:xfrm>
+            <a:off x="512640" y="249840"/>
+            <a:ext cx="676080" cy="847440"/>
+          </a:xfrm>
+          <a:prstGeom prst="rect">
+            <a:avLst/>
+          </a:prstGeom>
+          <a:ln>
+            <a:noFill/>
+          </a:ln>
+        </p:spPr>
+      </p:pic>
       <p:sp>
         <p:nvSpPr>
-          <p:cNvPr id="135" name="TextShape 1"/>
+          <p:cNvPr id="149" name="TextShape 3"/>
           <p:cNvSpPr txBox="1"/>
           <p:nvPr/>
         </p:nvSpPr>
         <p:spPr>
           <a:xfrm>
-            <a:off x="2194560" y="274320"/>
-            <a:ext cx="3657600" cy="602280"/>
+            <a:off x="5943600" y="1097280"/>
+            <a:ext cx="1463040" cy="943560"/>
           </a:xfrm>
           <a:prstGeom prst="rect">
             <a:avLst/>
@@ -4532,7 +5783,7 @@
           <a:bodyPr lIns="90000" rIns="90000" tIns="45000" bIns="45000"/>
           <a:p>
             <a:r>
-              <a:rPr b="0" lang="en-US" sz="1800" spc="-1" strike="noStrike">
+              <a:rPr b="0" lang="en-US" sz="1200" spc="-1" strike="noStrike">
                 <a:solidFill>
                   <a:srgbClr val="000000"/>
                 </a:solidFill>
@@ -4543,9 +5794,9 @@
                 </a:uFill>
                 <a:latin typeface="Arial"/>
               </a:rPr>
-              <a:t>Remove rows were the mean (range of TFA/TFA) &gt; 1.0: 11 rows</a:t>
-            </a:r>
-            <a:endParaRPr b="0" lang="en-US" sz="1800" spc="-1" strike="noStrike">
+              <a:t># of Interactions TF participates in </a:t>
+            </a:r>
+            <a:endParaRPr b="0" lang="en-US" sz="1200" spc="-1" strike="noStrike">
               <a:solidFill>
                 <a:srgbClr val="000000"/>
               </a:solidFill>
@@ -4561,14 +5812,14 @@
       </p:sp>
       <p:sp>
         <p:nvSpPr>
-          <p:cNvPr id="136" name="TextShape 2"/>
+          <p:cNvPr id="150" name="TextShape 4"/>
           <p:cNvSpPr txBox="1"/>
           <p:nvPr/>
         </p:nvSpPr>
         <p:spPr>
           <a:xfrm>
-            <a:off x="9100440" y="4063680"/>
-            <a:ext cx="2238120" cy="234000"/>
+            <a:off x="234000" y="1097280"/>
+            <a:ext cx="1503360" cy="943560"/>
           </a:xfrm>
           <a:prstGeom prst="rect">
             <a:avLst/>
@@ -4582,6 +5833,106 @@
           <a:bodyPr lIns="90000" rIns="90000" tIns="45000" bIns="45000"/>
           <a:p>
             <a:r>
+              <a:rPr b="0" lang="en-US" sz="1200" spc="-1" strike="noStrike">
+                <a:solidFill>
+                  <a:srgbClr val="000000"/>
+                </a:solidFill>
+                <a:uFill>
+                  <a:solidFill>
+                    <a:srgbClr val="ffffff"/>
+                  </a:solidFill>
+                </a:uFill>
+                <a:latin typeface="Arial"/>
+              </a:rPr>
+              <a:t>Range[TFA]/</a:t>
+            </a:r>
+            <a:endParaRPr b="0" lang="en-US" sz="1200" spc="-1" strike="noStrike">
+              <a:solidFill>
+                <a:srgbClr val="000000"/>
+              </a:solidFill>
+              <a:uFill>
+                <a:solidFill>
+                  <a:srgbClr val="ffffff"/>
+                </a:solidFill>
+              </a:uFill>
+              <a:latin typeface="Arial"/>
+            </a:endParaRPr>
+          </a:p>
+          <a:p>
+            <a:r>
+              <a:rPr b="0" lang="en-US" sz="1200" spc="-1" strike="noStrike">
+                <a:solidFill>
+                  <a:srgbClr val="000000"/>
+                </a:solidFill>
+                <a:uFill>
+                  <a:solidFill>
+                    <a:srgbClr val="ffffff"/>
+                  </a:solidFill>
+                </a:uFill>
+                <a:latin typeface="Arial"/>
+              </a:rPr>
+              <a:t>Mean[TFA]</a:t>
+            </a:r>
+            <a:endParaRPr b="0" lang="en-US" sz="1200" spc="-1" strike="noStrike">
+              <a:solidFill>
+                <a:srgbClr val="000000"/>
+              </a:solidFill>
+              <a:uFill>
+                <a:solidFill>
+                  <a:srgbClr val="ffffff"/>
+                </a:solidFill>
+              </a:uFill>
+              <a:latin typeface="Arial"/>
+            </a:endParaRPr>
+          </a:p>
+        </p:txBody>
+      </p:sp>
+      <p:pic>
+        <p:nvPicPr>
+          <p:cNvPr id="151" name="" descr=""/>
+          <p:cNvPicPr/>
+          <p:nvPr/>
+        </p:nvPicPr>
+        <p:blipFill>
+          <a:blip r:embed="rId5"/>
+          <a:stretch/>
+        </p:blipFill>
+        <p:spPr>
+          <a:xfrm>
+            <a:off x="3200400" y="4051440"/>
+            <a:ext cx="3922200" cy="2668320"/>
+          </a:xfrm>
+          <a:prstGeom prst="rect">
+            <a:avLst/>
+          </a:prstGeom>
+          <a:ln>
+            <a:noFill/>
+          </a:ln>
+        </p:spPr>
+      </p:pic>
+      <p:sp>
+        <p:nvSpPr>
+          <p:cNvPr id="152" name="TextShape 5"/>
+          <p:cNvSpPr txBox="1"/>
+          <p:nvPr/>
+        </p:nvSpPr>
+        <p:spPr>
+          <a:xfrm>
+            <a:off x="4955040" y="5852160"/>
+            <a:ext cx="1628640" cy="234000"/>
+          </a:xfrm>
+          <a:prstGeom prst="rect">
+            <a:avLst/>
+          </a:prstGeom>
+          <a:noFill/>
+          <a:ln>
+            <a:noFill/>
+          </a:ln>
+        </p:spPr>
+        <p:txBody>
+          <a:bodyPr lIns="90000" rIns="90000" tIns="45000" bIns="45000"/>
+          <a:p>
+            <a:r>
               <a:rPr b="0" lang="en-US" sz="1000" spc="-1" strike="noStrike">
                 <a:solidFill>
                   <a:srgbClr val="000000"/>
@@ -4593,21 +5944,7 @@
                 </a:uFill>
                 <a:latin typeface="Liberation Mono;Courier New;Nimbus Mono L;DejaVu Sans Mono"/>
               </a:rPr>
-              <a:t> </a:t>
-            </a:r>
-            <a:r>
-              <a:rPr b="0" lang="en-US" sz="1000" spc="-1" strike="noStrike">
-                <a:solidFill>
-                  <a:srgbClr val="000000"/>
-                </a:solidFill>
-                <a:uFill>
-                  <a:solidFill>
-                    <a:srgbClr val="ffffff"/>
-                  </a:solidFill>
-                </a:uFill>
-                <a:latin typeface="Liberation Mono;Courier New;Nimbus Mono L;DejaVu Sans Mono"/>
-              </a:rPr>
-              <a:t>AUC = 0.564  (95.5%)</a:t>
+              <a:t>AUC = 0.647 (99.8%) </a:t>
             </a:r>
             <a:endParaRPr b="0" lang="en-US" sz="1000" spc="-1" strike="noStrike">
               <a:solidFill>
@@ -4620,6 +5957,56 @@
               </a:uFill>
               <a:latin typeface="Liberation Mono;Courier New;Nimbus Mono L;DejaVu Sans Mono"/>
               <a:ea typeface="Liberation Mono;Courier New;Nimbus Mono L;DejaVu Sans Mono"/>
+            </a:endParaRPr>
+          </a:p>
+        </p:txBody>
+      </p:sp>
+      <p:sp>
+        <p:nvSpPr>
+          <p:cNvPr id="153" name="TextShape 6"/>
+          <p:cNvSpPr txBox="1"/>
+          <p:nvPr/>
+        </p:nvSpPr>
+        <p:spPr>
+          <a:xfrm>
+            <a:off x="7558920" y="274320"/>
+            <a:ext cx="5334120" cy="602280"/>
+          </a:xfrm>
+          <a:prstGeom prst="rect">
+            <a:avLst/>
+          </a:prstGeom>
+          <a:noFill/>
+          <a:ln>
+            <a:noFill/>
+          </a:ln>
+        </p:spPr>
+        <p:txBody>
+          <a:bodyPr lIns="90000" rIns="90000" tIns="45000" bIns="45000"/>
+          <a:p>
+            <a:r>
+              <a:rPr b="0" lang="en-US" sz="1200" spc="-1" strike="noStrike">
+                <a:solidFill>
+                  <a:srgbClr val="000000"/>
+                </a:solidFill>
+                <a:uFill>
+                  <a:solidFill>
+                    <a:srgbClr val="ffffff"/>
+                  </a:solidFill>
+                </a:uFill>
+                <a:latin typeface="Arial"/>
+              </a:rPr>
+              <a:t>TF, Row Mean, Row Std, Row #, # of Interactions</a:t>
+            </a:r>
+            <a:endParaRPr b="0" lang="en-US" sz="1200" spc="-1" strike="noStrike">
+              <a:solidFill>
+                <a:srgbClr val="000000"/>
+              </a:solidFill>
+              <a:uFill>
+                <a:solidFill>
+                  <a:srgbClr val="ffffff"/>
+                </a:solidFill>
+              </a:uFill>
+              <a:latin typeface="Arial"/>
             </a:endParaRPr>
           </a:p>
         </p:txBody>
@@ -4686,7 +6073,7 @@
         <p:spPr>
           <a:xfrm>
             <a:off x="938520" y="820080"/>
-            <a:ext cx="3771000" cy="2532600"/>
+            <a:ext cx="3770280" cy="2531880"/>
           </a:xfrm>
           <a:prstGeom prst="rect">
             <a:avLst/>
@@ -4709,7 +6096,7 @@
         <p:spPr>
           <a:xfrm>
             <a:off x="986040" y="3621960"/>
-            <a:ext cx="3723120" cy="2532600"/>
+            <a:ext cx="3722400" cy="2531880"/>
           </a:xfrm>
           <a:prstGeom prst="rect">
             <a:avLst/>
@@ -4732,7 +6119,7 @@
         <p:spPr>
           <a:xfrm>
             <a:off x="6483600" y="895320"/>
-            <a:ext cx="3771000" cy="2532600"/>
+            <a:ext cx="3770280" cy="2531880"/>
           </a:xfrm>
           <a:prstGeom prst="rect">
             <a:avLst/>
@@ -4755,7 +6142,7 @@
         <p:spPr>
           <a:xfrm>
             <a:off x="6554880" y="3621960"/>
-            <a:ext cx="3628080" cy="2532600"/>
+            <a:ext cx="3627360" cy="2531880"/>
           </a:xfrm>
           <a:prstGeom prst="rect">
             <a:avLst/>
@@ -4774,7 +6161,7 @@
         <p:spPr>
           <a:xfrm>
             <a:off x="2729160" y="202680"/>
-            <a:ext cx="5917680" cy="638280"/>
+            <a:ext cx="5916960" cy="637560"/>
           </a:xfrm>
           <a:prstGeom prst="rect">
             <a:avLst/>
@@ -4884,7 +6271,7 @@
         <p:spPr>
           <a:xfrm>
             <a:off x="1716840" y="6239160"/>
-            <a:ext cx="2023560" cy="637560"/>
+            <a:ext cx="2022840" cy="636840"/>
           </a:xfrm>
           <a:prstGeom prst="rect">
             <a:avLst/>
@@ -4946,7 +6333,7 @@
         <p:spPr>
           <a:xfrm>
             <a:off x="7790040" y="6155640"/>
-            <a:ext cx="2023560" cy="637560"/>
+            <a:ext cx="2022840" cy="636840"/>
           </a:xfrm>
           <a:prstGeom prst="rect">
             <a:avLst/>
@@ -5008,7 +6395,7 @@
         <p:spPr>
           <a:xfrm>
             <a:off x="3546360" y="4704120"/>
-            <a:ext cx="1162800" cy="637560"/>
+            <a:ext cx="1162080" cy="636840"/>
           </a:xfrm>
           <a:prstGeom prst="rect">
             <a:avLst/>
@@ -5070,7 +6457,7 @@
         <p:spPr>
           <a:xfrm>
             <a:off x="9161280" y="4437720"/>
-            <a:ext cx="930960" cy="637560"/>
+            <a:ext cx="930240" cy="636840"/>
           </a:xfrm>
           <a:prstGeom prst="rect">
             <a:avLst/>
@@ -5181,7 +6568,7 @@
         <p:spPr>
           <a:xfrm>
             <a:off x="3216960" y="249480"/>
-            <a:ext cx="4776120" cy="363960"/>
+            <a:ext cx="4775400" cy="363240"/>
           </a:xfrm>
           <a:prstGeom prst="rect">
             <a:avLst/>
@@ -5243,7 +6630,7 @@
         <p:spPr>
           <a:xfrm>
             <a:off x="1716840" y="6239160"/>
-            <a:ext cx="2023560" cy="637560"/>
+            <a:ext cx="2022840" cy="636840"/>
           </a:xfrm>
           <a:prstGeom prst="rect">
             <a:avLst/>
@@ -5305,7 +6692,7 @@
         <p:spPr>
           <a:xfrm>
             <a:off x="7790040" y="6155640"/>
-            <a:ext cx="2023560" cy="637560"/>
+            <a:ext cx="2022840" cy="636840"/>
           </a:xfrm>
           <a:prstGeom prst="rect">
             <a:avLst/>
@@ -5371,7 +6758,7 @@
         <p:spPr>
           <a:xfrm>
             <a:off x="848520" y="1371600"/>
-            <a:ext cx="4546440" cy="3108960"/>
+            <a:ext cx="4545720" cy="3108240"/>
           </a:xfrm>
           <a:prstGeom prst="rect">
             <a:avLst/>
@@ -5390,7 +6777,7 @@
         <p:spPr>
           <a:xfrm>
             <a:off x="3931920" y="2562840"/>
-            <a:ext cx="1097280" cy="1186200"/>
+            <a:ext cx="1096560" cy="1185480"/>
           </a:xfrm>
           <a:prstGeom prst="rect">
             <a:avLst/>
@@ -5456,7 +6843,7 @@
         <p:spPr>
           <a:xfrm>
             <a:off x="6312600" y="1280160"/>
-            <a:ext cx="4751640" cy="3249000"/>
+            <a:ext cx="4750920" cy="3248280"/>
           </a:xfrm>
           <a:prstGeom prst="rect">
             <a:avLst/>
@@ -5475,7 +6862,7 @@
         <p:spPr>
           <a:xfrm>
             <a:off x="9601200" y="2834640"/>
-            <a:ext cx="1188720" cy="1186200"/>
+            <a:ext cx="1188000" cy="1185480"/>
           </a:xfrm>
           <a:prstGeom prst="rect">
             <a:avLst/>
@@ -5586,7 +6973,7 @@
         <p:spPr>
           <a:xfrm>
             <a:off x="838080" y="365040"/>
-            <a:ext cx="10514520" cy="1324440"/>
+            <a:ext cx="10513800" cy="1323720"/>
           </a:xfrm>
           <a:prstGeom prst="rect">
             <a:avLst/>
@@ -5623,1043 +7010,6 @@
                 <a:latin typeface="Calibri Light"/>
                 <a:ea typeface="DejaVu Sans"/>
               </a:rPr>
-              <a:t>Identifying TFA Extrema </a:t>
-            </a:r>
-            <a:endParaRPr b="0" lang="en-US" sz="1800" spc="-1" strike="noStrike">
-              <a:solidFill>
-                <a:srgbClr val="000000"/>
-              </a:solidFill>
-              <a:uFill>
-                <a:solidFill>
-                  <a:srgbClr val="ffffff"/>
-                </a:solidFill>
-              </a:uFill>
-              <a:latin typeface="Arial"/>
-            </a:endParaRPr>
-          </a:p>
-        </p:txBody>
-      </p:sp>
-      <p:sp>
-        <p:nvSpPr>
-          <p:cNvPr id="98" name="CustomShape 2"/>
-          <p:cNvSpPr/>
-          <p:nvPr/>
-        </p:nvSpPr>
-        <p:spPr>
-          <a:xfrm>
-            <a:off x="-226440" y="1825560"/>
-            <a:ext cx="12490200" cy="4350240"/>
-          </a:xfrm>
-          <a:prstGeom prst="rect">
-            <a:avLst/>
-          </a:prstGeom>
-          <a:noFill/>
-          <a:ln>
-            <a:noFill/>
-          </a:ln>
-        </p:spPr>
-        <p:style>
-          <a:lnRef idx="0"/>
-          <a:fillRef idx="0"/>
-          <a:effectRef idx="0"/>
-          <a:fontRef idx="minor"/>
-        </p:style>
-        <p:txBody>
-          <a:bodyPr lIns="90000" rIns="90000" tIns="45000" bIns="45000"/>
-          <a:p>
-            <a:pPr>
-              <a:lnSpc>
-                <a:spcPct val="90000"/>
-              </a:lnSpc>
-            </a:pPr>
-            <a:endParaRPr b="0" lang="en-US" sz="1800" spc="-1" strike="noStrike">
-              <a:solidFill>
-                <a:srgbClr val="000000"/>
-              </a:solidFill>
-              <a:uFill>
-                <a:solidFill>
-                  <a:srgbClr val="ffffff"/>
-                </a:solidFill>
-              </a:uFill>
-              <a:latin typeface="Arial"/>
-            </a:endParaRPr>
-          </a:p>
-          <a:p>
-            <a:pPr algn="ctr">
-              <a:lnSpc>
-                <a:spcPct val="100000"/>
-              </a:lnSpc>
-            </a:pPr>
-            <a:endParaRPr b="0" lang="en-US" sz="1800" spc="-1" strike="noStrike">
-              <a:solidFill>
-                <a:srgbClr val="000000"/>
-              </a:solidFill>
-              <a:uFill>
-                <a:solidFill>
-                  <a:srgbClr val="ffffff"/>
-                </a:solidFill>
-              </a:uFill>
-              <a:latin typeface="Arial"/>
-            </a:endParaRPr>
-          </a:p>
-          <a:p>
-            <a:pPr algn="ctr">
-              <a:lnSpc>
-                <a:spcPct val="100000"/>
-              </a:lnSpc>
-            </a:pPr>
-            <a:endParaRPr b="0" lang="en-US" sz="1800" spc="-1" strike="noStrike">
-              <a:solidFill>
-                <a:srgbClr val="000000"/>
-              </a:solidFill>
-              <a:uFill>
-                <a:solidFill>
-                  <a:srgbClr val="ffffff"/>
-                </a:solidFill>
-              </a:uFill>
-              <a:latin typeface="Arial"/>
-            </a:endParaRPr>
-          </a:p>
-          <a:p>
-            <a:pPr algn="ctr">
-              <a:lnSpc>
-                <a:spcPct val="100000"/>
-              </a:lnSpc>
-            </a:pPr>
-            <a:endParaRPr b="0" lang="en-US" sz="1800" spc="-1" strike="noStrike">
-              <a:solidFill>
-                <a:srgbClr val="000000"/>
-              </a:solidFill>
-              <a:uFill>
-                <a:solidFill>
-                  <a:srgbClr val="ffffff"/>
-                </a:solidFill>
-              </a:uFill>
-              <a:latin typeface="Arial"/>
-            </a:endParaRPr>
-          </a:p>
-          <a:p>
-            <a:pPr algn="ctr">
-              <a:lnSpc>
-                <a:spcPct val="100000"/>
-              </a:lnSpc>
-            </a:pPr>
-            <a:endParaRPr b="0" lang="en-US" sz="1800" spc="-1" strike="noStrike">
-              <a:solidFill>
-                <a:srgbClr val="000000"/>
-              </a:solidFill>
-              <a:uFill>
-                <a:solidFill>
-                  <a:srgbClr val="ffffff"/>
-                </a:solidFill>
-              </a:uFill>
-              <a:latin typeface="Arial"/>
-            </a:endParaRPr>
-          </a:p>
-          <a:p>
-            <a:pPr>
-              <a:lnSpc>
-                <a:spcPct val="100000"/>
-              </a:lnSpc>
-            </a:pPr>
-            <a:endParaRPr b="0" lang="en-US" sz="1800" spc="-1" strike="noStrike">
-              <a:solidFill>
-                <a:srgbClr val="000000"/>
-              </a:solidFill>
-              <a:uFill>
-                <a:solidFill>
-                  <a:srgbClr val="ffffff"/>
-                </a:solidFill>
-              </a:uFill>
-              <a:latin typeface="Arial"/>
-            </a:endParaRPr>
-          </a:p>
-          <a:p>
-            <a:pPr>
-              <a:lnSpc>
-                <a:spcPct val="100000"/>
-              </a:lnSpc>
-            </a:pPr>
-            <a:endParaRPr b="0" lang="en-US" sz="1800" spc="-1" strike="noStrike">
-              <a:solidFill>
-                <a:srgbClr val="000000"/>
-              </a:solidFill>
-              <a:uFill>
-                <a:solidFill>
-                  <a:srgbClr val="ffffff"/>
-                </a:solidFill>
-              </a:uFill>
-              <a:latin typeface="Arial"/>
-            </a:endParaRPr>
-          </a:p>
-          <a:p>
-            <a:pPr>
-              <a:lnSpc>
-                <a:spcPct val="100000"/>
-              </a:lnSpc>
-            </a:pPr>
-            <a:endParaRPr b="0" lang="en-US" sz="1800" spc="-1" strike="noStrike">
-              <a:solidFill>
-                <a:srgbClr val="000000"/>
-              </a:solidFill>
-              <a:uFill>
-                <a:solidFill>
-                  <a:srgbClr val="ffffff"/>
-                </a:solidFill>
-              </a:uFill>
-              <a:latin typeface="Arial"/>
-            </a:endParaRPr>
-          </a:p>
-          <a:p>
-            <a:pPr>
-              <a:lnSpc>
-                <a:spcPct val="100000"/>
-              </a:lnSpc>
-            </a:pPr>
-            <a:endParaRPr b="0" lang="en-US" sz="1800" spc="-1" strike="noStrike">
-              <a:solidFill>
-                <a:srgbClr val="000000"/>
-              </a:solidFill>
-              <a:uFill>
-                <a:solidFill>
-                  <a:srgbClr val="ffffff"/>
-                </a:solidFill>
-              </a:uFill>
-              <a:latin typeface="Arial"/>
-            </a:endParaRPr>
-          </a:p>
-        </p:txBody>
-      </p:sp>
-      <p:sp>
-        <p:nvSpPr>
-          <p:cNvPr id="99" name="CustomShape 3"/>
-          <p:cNvSpPr/>
-          <p:nvPr/>
-        </p:nvSpPr>
-        <p:spPr>
-          <a:xfrm>
-            <a:off x="-226440" y="1825560"/>
-            <a:ext cx="12490200" cy="4350240"/>
-          </a:xfrm>
-          <a:prstGeom prst="rect">
-            <a:avLst/>
-          </a:prstGeom>
-          <a:blipFill>
-            <a:blip r:embed="rId1"/>
-            <a:stretch>
-              <a:fillRect/>
-            </a:stretch>
-          </a:blipFill>
-          <a:ln>
-            <a:noFill/>
-          </a:ln>
-        </p:spPr>
-        <p:style>
-          <a:lnRef idx="0"/>
-          <a:fillRef idx="0"/>
-          <a:effectRef idx="0"/>
-          <a:fontRef idx="minor"/>
-        </p:style>
-        <p:txBody>
-          <a:bodyPr lIns="90000" rIns="90000" tIns="45000" bIns="45000"/>
-          <a:p>
-            <a:pPr marL="228600" indent="-227520">
-              <a:lnSpc>
-                <a:spcPct val="90000"/>
-              </a:lnSpc>
-              <a:buClr>
-                <a:srgbClr val="000000"/>
-              </a:buClr>
-              <a:buFont typeface="Arial"/>
-              <a:buChar char="•"/>
-            </a:pPr>
-            <a:r>
-              <a:rPr b="0" lang="en-US" sz="2800" spc="-1" strike="noStrike">
-                <a:solidFill>
-                  <a:srgbClr val="000000"/>
-                </a:solidFill>
-                <a:uFill>
-                  <a:solidFill>
-                    <a:srgbClr val="ffffff"/>
-                  </a:solidFill>
-                </a:uFill>
-                <a:latin typeface="Calibri"/>
-                <a:ea typeface="DejaVu Sans"/>
-              </a:rPr>
-              <a:t> </a:t>
-            </a:r>
-            <a:endParaRPr b="0" lang="en-US" sz="1800" spc="-1" strike="noStrike">
-              <a:solidFill>
-                <a:srgbClr val="000000"/>
-              </a:solidFill>
-              <a:uFill>
-                <a:solidFill>
-                  <a:srgbClr val="ffffff"/>
-                </a:solidFill>
-              </a:uFill>
-              <a:latin typeface="Arial"/>
-            </a:endParaRPr>
-          </a:p>
-        </p:txBody>
-      </p:sp>
-      <p:sp>
-        <p:nvSpPr>
-          <p:cNvPr id="100" name="CustomShape 4"/>
-          <p:cNvSpPr/>
-          <p:nvPr/>
-        </p:nvSpPr>
-        <p:spPr>
-          <a:xfrm>
-            <a:off x="2575440" y="4496400"/>
-            <a:ext cx="8018640" cy="1735560"/>
-          </a:xfrm>
-          <a:prstGeom prst="rect">
-            <a:avLst/>
-          </a:prstGeom>
-          <a:noFill/>
-          <a:ln>
-            <a:noFill/>
-          </a:ln>
-        </p:spPr>
-        <p:style>
-          <a:lnRef idx="0"/>
-          <a:fillRef idx="0"/>
-          <a:effectRef idx="0"/>
-          <a:fontRef idx="minor"/>
-        </p:style>
-        <p:txBody>
-          <a:bodyPr lIns="90000" rIns="90000" tIns="45000" bIns="45000"/>
-          <a:p>
-            <a:r>
-              <a:rPr b="0" lang="en-US" sz="1800" spc="-1" strike="noStrike">
-                <a:solidFill>
-                  <a:srgbClr val="000000"/>
-                </a:solidFill>
-                <a:uFill>
-                  <a:solidFill>
-                    <a:srgbClr val="ffffff"/>
-                  </a:solidFill>
-                </a:uFill>
-                <a:latin typeface="Calibri"/>
-                <a:ea typeface="DejaVu Sans"/>
-              </a:rPr>
-              <a:t>Outputs:</a:t>
-            </a:r>
-            <a:endParaRPr b="0" lang="en-US" sz="1800" spc="-1" strike="noStrike">
-              <a:solidFill>
-                <a:srgbClr val="000000"/>
-              </a:solidFill>
-              <a:uFill>
-                <a:solidFill>
-                  <a:srgbClr val="ffffff"/>
-                </a:solidFill>
-              </a:uFill>
-              <a:latin typeface="Arial"/>
-            </a:endParaRPr>
-          </a:p>
-          <a:p>
-            <a:pPr>
-              <a:lnSpc>
-                <a:spcPct val="100000"/>
-              </a:lnSpc>
-            </a:pPr>
-            <a:endParaRPr b="0" lang="en-US" sz="1800" spc="-1" strike="noStrike">
-              <a:solidFill>
-                <a:srgbClr val="000000"/>
-              </a:solidFill>
-              <a:uFill>
-                <a:solidFill>
-                  <a:srgbClr val="ffffff"/>
-                </a:solidFill>
-              </a:uFill>
-              <a:latin typeface="Arial"/>
-            </a:endParaRPr>
-          </a:p>
-          <a:p>
-            <a:pPr marL="343080" indent="-342000">
-              <a:lnSpc>
-                <a:spcPct val="100000"/>
-              </a:lnSpc>
-              <a:buClr>
-                <a:srgbClr val="000000"/>
-              </a:buClr>
-              <a:buFont typeface="Calibri Light"/>
-              <a:buAutoNum type="arabicPeriod"/>
-            </a:pPr>
-            <a:r>
-              <a:rPr b="0" lang="en-US" sz="1800" spc="-1" strike="noStrike">
-                <a:solidFill>
-                  <a:srgbClr val="000000"/>
-                </a:solidFill>
-                <a:uFill>
-                  <a:solidFill>
-                    <a:srgbClr val="ffffff"/>
-                  </a:solidFill>
-                </a:uFill>
-                <a:latin typeface="Calibri"/>
-                <a:ea typeface="DejaVu Sans"/>
-              </a:rPr>
-              <a:t>Closed Interval of TFA for all TFs in all conditions</a:t>
-            </a:r>
-            <a:endParaRPr b="0" lang="en-US" sz="1800" spc="-1" strike="noStrike">
-              <a:solidFill>
-                <a:srgbClr val="000000"/>
-              </a:solidFill>
-              <a:uFill>
-                <a:solidFill>
-                  <a:srgbClr val="ffffff"/>
-                </a:solidFill>
-              </a:uFill>
-              <a:latin typeface="Arial"/>
-            </a:endParaRPr>
-          </a:p>
-          <a:p>
-            <a:pPr marL="343080" indent="-342000">
-              <a:lnSpc>
-                <a:spcPct val="100000"/>
-              </a:lnSpc>
-              <a:buClr>
-                <a:srgbClr val="000000"/>
-              </a:buClr>
-              <a:buFont typeface="Calibri Light"/>
-              <a:buAutoNum type="arabicPeriod"/>
-            </a:pPr>
-            <a:r>
-              <a:rPr b="0" lang="en-US" sz="1800" spc="-1" strike="noStrike">
-                <a:solidFill>
-                  <a:srgbClr val="000000"/>
-                </a:solidFill>
-                <a:uFill>
-                  <a:solidFill>
-                    <a:srgbClr val="ffffff"/>
-                  </a:solidFill>
-                </a:uFill>
-                <a:latin typeface="Calibri"/>
-                <a:ea typeface="DejaVu Sans"/>
-              </a:rPr>
-              <a:t>Mean value of the closed interval</a:t>
-            </a:r>
-            <a:endParaRPr b="0" lang="en-US" sz="1800" spc="-1" strike="noStrike">
-              <a:solidFill>
-                <a:srgbClr val="000000"/>
-              </a:solidFill>
-              <a:uFill>
-                <a:solidFill>
-                  <a:srgbClr val="ffffff"/>
-                </a:solidFill>
-              </a:uFill>
-              <a:latin typeface="Arial"/>
-            </a:endParaRPr>
-          </a:p>
-          <a:p>
-            <a:pPr marL="343080" indent="-342000">
-              <a:lnSpc>
-                <a:spcPct val="100000"/>
-              </a:lnSpc>
-              <a:buClr>
-                <a:srgbClr val="000000"/>
-              </a:buClr>
-              <a:buFont typeface="Calibri Light"/>
-              <a:buAutoNum type="arabicPeriod"/>
-            </a:pPr>
-            <a:r>
-              <a:rPr b="0" lang="en-US" sz="1800" spc="-1" strike="noStrike">
-                <a:solidFill>
-                  <a:srgbClr val="000000"/>
-                </a:solidFill>
-                <a:uFill>
-                  <a:solidFill>
-                    <a:srgbClr val="ffffff"/>
-                  </a:solidFill>
-                </a:uFill>
-                <a:latin typeface="Calibri"/>
-                <a:ea typeface="DejaVu Sans"/>
-              </a:rPr>
-              <a:t>The difference between the residual of the original TFA and the TFA extrema for each found solution</a:t>
-            </a:r>
-            <a:endParaRPr b="0" lang="en-US" sz="1800" spc="-1" strike="noStrike">
-              <a:solidFill>
-                <a:srgbClr val="000000"/>
-              </a:solidFill>
-              <a:uFill>
-                <a:solidFill>
-                  <a:srgbClr val="ffffff"/>
-                </a:solidFill>
-              </a:uFill>
-              <a:latin typeface="Arial"/>
-            </a:endParaRPr>
-          </a:p>
-        </p:txBody>
-      </p:sp>
-    </p:spTree>
-  </p:cSld>
-  <p:timing>
-    <p:tnLst>
-      <p:par>
-        <p:cTn id="7" dur="indefinite" restart="never" nodeType="tmRoot">
-          <p:childTnLst>
-            <p:seq>
-              <p:cTn id="8" nodeType="mainSeq"/>
-              <p:prevCondLst>
-                <p:cond delay="0" evt="onPrev">
-                  <p:tgtEl>
-                    <p:sldTgt/>
-                  </p:tgtEl>
-                </p:cond>
-              </p:prevCondLst>
-              <p:nextCondLst>
-                <p:cond delay="0" evt="onNext">
-                  <p:tgtEl>
-                    <p:sldTgt/>
-                  </p:tgtEl>
-                </p:cond>
-              </p:nextCondLst>
-            </p:seq>
-          </p:childTnLst>
-        </p:cTn>
-      </p:par>
-    </p:tnLst>
-  </p:timing>
-</p:sld>
-</file>
-
-<file path=ppt/slides/slide5.xml><?xml version="1.0" encoding="utf-8"?>
-<p:sld xmlns:a="http://schemas.openxmlformats.org/drawingml/2006/main" xmlns:p="http://schemas.openxmlformats.org/presentationml/2006/main" xmlns:r="http://schemas.openxmlformats.org/officeDocument/2006/relationships" xmlns:p14="http://schemas.microsoft.com/office/powerpoint/2010/main" xmlns:p15="http://schemas.microsoft.com/office/powerpoint/2012/main" xmlns:mc="http://schemas.openxmlformats.org/markup-compatibility/2006">
-  <p:cSld>
-    <p:spTree>
-      <p:nvGrpSpPr>
-        <p:cNvPr id="1" name=""/>
-        <p:cNvGrpSpPr/>
-        <p:nvPr/>
-      </p:nvGrpSpPr>
-      <p:grpSpPr>
-        <a:xfrm>
-          <a:off x="0" y="0"/>
-          <a:ext cx="0" cy="0"/>
-          <a:chOff x="0" y="0"/>
-          <a:chExt cx="0" cy="0"/>
-        </a:xfrm>
-      </p:grpSpPr>
-      <p:pic>
-        <p:nvPicPr>
-          <p:cNvPr id="101" name="Picture 4" descr=""/>
-          <p:cNvPicPr/>
-          <p:nvPr/>
-        </p:nvPicPr>
-        <p:blipFill>
-          <a:blip r:embed="rId1"/>
-          <a:stretch/>
-        </p:blipFill>
-        <p:spPr>
-          <a:xfrm>
-            <a:off x="174960" y="811440"/>
-            <a:ext cx="3771000" cy="2532600"/>
-          </a:xfrm>
-          <a:prstGeom prst="rect">
-            <a:avLst/>
-          </a:prstGeom>
-          <a:ln>
-            <a:noFill/>
-          </a:ln>
-        </p:spPr>
-      </p:pic>
-      <p:pic>
-        <p:nvPicPr>
-          <p:cNvPr id="102" name="Picture 6" descr=""/>
-          <p:cNvPicPr/>
-          <p:nvPr/>
-        </p:nvPicPr>
-        <p:blipFill>
-          <a:blip r:embed="rId2"/>
-          <a:stretch/>
-        </p:blipFill>
-        <p:spPr>
-          <a:xfrm>
-            <a:off x="91080" y="3512880"/>
-            <a:ext cx="3854880" cy="2532600"/>
-          </a:xfrm>
-          <a:prstGeom prst="rect">
-            <a:avLst/>
-          </a:prstGeom>
-          <a:ln>
-            <a:noFill/>
-          </a:ln>
-        </p:spPr>
-      </p:pic>
-      <p:pic>
-        <p:nvPicPr>
-          <p:cNvPr id="103" name="Picture 8" descr=""/>
-          <p:cNvPicPr/>
-          <p:nvPr/>
-        </p:nvPicPr>
-        <p:blipFill>
-          <a:blip r:embed="rId3"/>
-          <a:stretch/>
-        </p:blipFill>
-        <p:spPr>
-          <a:xfrm>
-            <a:off x="4147920" y="468360"/>
-            <a:ext cx="3983040" cy="2959560"/>
-          </a:xfrm>
-          <a:prstGeom prst="rect">
-            <a:avLst/>
-          </a:prstGeom>
-          <a:ln>
-            <a:noFill/>
-          </a:ln>
-        </p:spPr>
-      </p:pic>
-      <p:pic>
-        <p:nvPicPr>
-          <p:cNvPr id="104" name="Picture 10" descr=""/>
-          <p:cNvPicPr/>
-          <p:nvPr/>
-        </p:nvPicPr>
-        <p:blipFill>
-          <a:blip r:embed="rId4"/>
-          <a:stretch/>
-        </p:blipFill>
-        <p:spPr>
-          <a:xfrm>
-            <a:off x="4205160" y="3482640"/>
-            <a:ext cx="3854880" cy="2595600"/>
-          </a:xfrm>
-          <a:prstGeom prst="rect">
-            <a:avLst/>
-          </a:prstGeom>
-          <a:ln>
-            <a:noFill/>
-          </a:ln>
-        </p:spPr>
-      </p:pic>
-      <p:sp>
-        <p:nvSpPr>
-          <p:cNvPr id="105" name="CustomShape 1"/>
-          <p:cNvSpPr/>
-          <p:nvPr/>
-        </p:nvSpPr>
-        <p:spPr>
-          <a:xfrm>
-            <a:off x="1501560" y="251640"/>
-            <a:ext cx="2331000" cy="363960"/>
-          </a:xfrm>
-          <a:prstGeom prst="rect">
-            <a:avLst/>
-          </a:prstGeom>
-          <a:noFill/>
-          <a:ln>
-            <a:noFill/>
-          </a:ln>
-        </p:spPr>
-        <p:style>
-          <a:lnRef idx="0"/>
-          <a:fillRef idx="0"/>
-          <a:effectRef idx="0"/>
-          <a:fontRef idx="minor"/>
-        </p:style>
-        <p:txBody>
-          <a:bodyPr lIns="90000" rIns="90000" tIns="45000" bIns="45000"/>
-          <a:p>
-            <a:pPr>
-              <a:lnSpc>
-                <a:spcPct val="100000"/>
-              </a:lnSpc>
-            </a:pPr>
-            <a:r>
-              <a:rPr b="0" lang="en-US" sz="1800" spc="-1" strike="noStrike">
-                <a:solidFill>
-                  <a:srgbClr val="000000"/>
-                </a:solidFill>
-                <a:uFill>
-                  <a:solidFill>
-                    <a:srgbClr val="ffffff"/>
-                  </a:solidFill>
-                </a:uFill>
-                <a:latin typeface="Calibri"/>
-                <a:ea typeface="DejaVu Sans"/>
-              </a:rPr>
-              <a:t>Standard Score</a:t>
-            </a:r>
-            <a:endParaRPr b="0" lang="en-US" sz="1800" spc="-1" strike="noStrike">
-              <a:solidFill>
-                <a:srgbClr val="000000"/>
-              </a:solidFill>
-              <a:uFill>
-                <a:solidFill>
-                  <a:srgbClr val="ffffff"/>
-                </a:solidFill>
-              </a:uFill>
-              <a:latin typeface="Arial"/>
-            </a:endParaRPr>
-          </a:p>
-        </p:txBody>
-      </p:sp>
-      <p:sp>
-        <p:nvSpPr>
-          <p:cNvPr id="106" name="CustomShape 2"/>
-          <p:cNvSpPr/>
-          <p:nvPr/>
-        </p:nvSpPr>
-        <p:spPr>
-          <a:xfrm>
-            <a:off x="5522040" y="299520"/>
-            <a:ext cx="2331000" cy="363960"/>
-          </a:xfrm>
-          <a:prstGeom prst="rect">
-            <a:avLst/>
-          </a:prstGeom>
-          <a:noFill/>
-          <a:ln>
-            <a:noFill/>
-          </a:ln>
-        </p:spPr>
-        <p:style>
-          <a:lnRef idx="0"/>
-          <a:fillRef idx="0"/>
-          <a:effectRef idx="0"/>
-          <a:fontRef idx="minor"/>
-        </p:style>
-        <p:txBody>
-          <a:bodyPr lIns="90000" rIns="90000" tIns="45000" bIns="45000"/>
-          <a:p>
-            <a:pPr>
-              <a:lnSpc>
-                <a:spcPct val="100000"/>
-              </a:lnSpc>
-            </a:pPr>
-            <a:r>
-              <a:rPr b="0" lang="en-US" sz="1800" spc="-1" strike="noStrike">
-                <a:solidFill>
-                  <a:srgbClr val="000000"/>
-                </a:solidFill>
-                <a:uFill>
-                  <a:solidFill>
-                    <a:srgbClr val="ffffff"/>
-                  </a:solidFill>
-                </a:uFill>
-                <a:latin typeface="Calibri"/>
-                <a:ea typeface="DejaVu Sans"/>
-              </a:rPr>
-              <a:t>|Log2(FC)|</a:t>
-            </a:r>
-            <a:endParaRPr b="0" lang="en-US" sz="1800" spc="-1" strike="noStrike">
-              <a:solidFill>
-                <a:srgbClr val="000000"/>
-              </a:solidFill>
-              <a:uFill>
-                <a:solidFill>
-                  <a:srgbClr val="ffffff"/>
-                </a:solidFill>
-              </a:uFill>
-              <a:latin typeface="Arial"/>
-            </a:endParaRPr>
-          </a:p>
-        </p:txBody>
-      </p:sp>
-      <p:sp>
-        <p:nvSpPr>
-          <p:cNvPr id="107" name="CustomShape 3"/>
-          <p:cNvSpPr/>
-          <p:nvPr/>
-        </p:nvSpPr>
-        <p:spPr>
-          <a:xfrm>
-            <a:off x="6858000" y="4206240"/>
-            <a:ext cx="930960" cy="637560"/>
-          </a:xfrm>
-          <a:prstGeom prst="rect">
-            <a:avLst/>
-          </a:prstGeom>
-          <a:noFill/>
-          <a:ln>
-            <a:noFill/>
-          </a:ln>
-        </p:spPr>
-        <p:style>
-          <a:lnRef idx="0"/>
-          <a:fillRef idx="0"/>
-          <a:effectRef idx="0"/>
-          <a:fontRef idx="minor"/>
-        </p:style>
-        <p:txBody>
-          <a:bodyPr lIns="90000" rIns="90000" tIns="45000" bIns="45000"/>
-          <a:p>
-            <a:pPr>
-              <a:lnSpc>
-                <a:spcPct val="100000"/>
-              </a:lnSpc>
-            </a:pPr>
-            <a:r>
-              <a:rPr b="0" lang="en-US" sz="1800" spc="-1" strike="noStrike">
-                <a:solidFill>
-                  <a:srgbClr val="000000"/>
-                </a:solidFill>
-                <a:uFill>
-                  <a:solidFill>
-                    <a:srgbClr val="ffffff"/>
-                  </a:solidFill>
-                </a:uFill>
-                <a:latin typeface="Calibri"/>
-                <a:ea typeface="DejaVu Sans"/>
-              </a:rPr>
-              <a:t>p = 0.19</a:t>
-            </a:r>
-            <a:endParaRPr b="0" lang="en-US" sz="1800" spc="-1" strike="noStrike">
-              <a:solidFill>
-                <a:srgbClr val="000000"/>
-              </a:solidFill>
-              <a:uFill>
-                <a:solidFill>
-                  <a:srgbClr val="ffffff"/>
-                </a:solidFill>
-              </a:uFill>
-              <a:latin typeface="Arial"/>
-            </a:endParaRPr>
-          </a:p>
-        </p:txBody>
-      </p:sp>
-      <p:sp>
-        <p:nvSpPr>
-          <p:cNvPr id="108" name="CustomShape 4"/>
-          <p:cNvSpPr/>
-          <p:nvPr/>
-        </p:nvSpPr>
-        <p:spPr>
-          <a:xfrm>
-            <a:off x="2782800" y="4225680"/>
-            <a:ext cx="1162800" cy="637560"/>
-          </a:xfrm>
-          <a:prstGeom prst="rect">
-            <a:avLst/>
-          </a:prstGeom>
-          <a:noFill/>
-          <a:ln>
-            <a:noFill/>
-          </a:ln>
-        </p:spPr>
-        <p:style>
-          <a:lnRef idx="0"/>
-          <a:fillRef idx="0"/>
-          <a:effectRef idx="0"/>
-          <a:fontRef idx="minor"/>
-        </p:style>
-        <p:txBody>
-          <a:bodyPr lIns="90000" rIns="90000" tIns="45000" bIns="45000"/>
-          <a:p>
-            <a:pPr>
-              <a:lnSpc>
-                <a:spcPct val="100000"/>
-              </a:lnSpc>
-            </a:pPr>
-            <a:r>
-              <a:rPr b="0" lang="en-US" sz="1800" spc="-1" strike="noStrike">
-                <a:solidFill>
-                  <a:srgbClr val="000000"/>
-                </a:solidFill>
-                <a:uFill>
-                  <a:solidFill>
-                    <a:srgbClr val="ffffff"/>
-                  </a:solidFill>
-                </a:uFill>
-                <a:latin typeface="Calibri"/>
-                <a:ea typeface="DejaVu Sans"/>
-              </a:rPr>
-              <a:t>p = 0.72</a:t>
-            </a:r>
-            <a:endParaRPr b="0" lang="en-US" sz="1800" spc="-1" strike="noStrike">
-              <a:solidFill>
-                <a:srgbClr val="000000"/>
-              </a:solidFill>
-              <a:uFill>
-                <a:solidFill>
-                  <a:srgbClr val="ffffff"/>
-                </a:solidFill>
-              </a:uFill>
-              <a:latin typeface="Arial"/>
-            </a:endParaRPr>
-          </a:p>
-        </p:txBody>
-      </p:sp>
-      <p:pic>
-        <p:nvPicPr>
-          <p:cNvPr id="109" name="Picture 2" descr=""/>
-          <p:cNvPicPr/>
-          <p:nvPr/>
-        </p:nvPicPr>
-        <p:blipFill>
-          <a:blip r:embed="rId5"/>
-          <a:stretch/>
-        </p:blipFill>
-        <p:spPr>
-          <a:xfrm>
-            <a:off x="8245080" y="1841760"/>
-            <a:ext cx="3704040" cy="2532600"/>
-          </a:xfrm>
-          <a:prstGeom prst="rect">
-            <a:avLst/>
-          </a:prstGeom>
-          <a:ln>
-            <a:noFill/>
-          </a:ln>
-        </p:spPr>
-      </p:pic>
-      <p:sp>
-        <p:nvSpPr>
-          <p:cNvPr id="110" name="CustomShape 5"/>
-          <p:cNvSpPr/>
-          <p:nvPr/>
-        </p:nvSpPr>
-        <p:spPr>
-          <a:xfrm>
-            <a:off x="9571680" y="4779720"/>
-            <a:ext cx="1953720" cy="638280"/>
-          </a:xfrm>
-          <a:prstGeom prst="rect">
-            <a:avLst/>
-          </a:prstGeom>
-          <a:noFill/>
-          <a:ln>
-            <a:noFill/>
-          </a:ln>
-        </p:spPr>
-        <p:style>
-          <a:lnRef idx="0"/>
-          <a:fillRef idx="0"/>
-          <a:effectRef idx="0"/>
-          <a:fontRef idx="minor"/>
-        </p:style>
-        <p:txBody>
-          <a:bodyPr lIns="90000" rIns="90000" tIns="45000" bIns="45000"/>
-          <a:p>
-            <a:pPr>
-              <a:lnSpc>
-                <a:spcPct val="100000"/>
-              </a:lnSpc>
-            </a:pPr>
-            <a:r>
-              <a:rPr b="0" lang="en-US" sz="1800" spc="-1" strike="noStrike">
-                <a:solidFill>
-                  <a:srgbClr val="000000"/>
-                </a:solidFill>
-                <a:uFill>
-                  <a:solidFill>
-                    <a:srgbClr val="ffffff"/>
-                  </a:solidFill>
-                </a:uFill>
-                <a:latin typeface="Calibri"/>
-                <a:ea typeface="DejaVu Sans"/>
-              </a:rPr>
-              <a:t>AUC = 0.554 (92.92%)</a:t>
-            </a:r>
-            <a:endParaRPr b="0" lang="en-US" sz="1800" spc="-1" strike="noStrike">
-              <a:solidFill>
-                <a:srgbClr val="000000"/>
-              </a:solidFill>
-              <a:uFill>
-                <a:solidFill>
-                  <a:srgbClr val="ffffff"/>
-                </a:solidFill>
-              </a:uFill>
-              <a:latin typeface="Arial"/>
-            </a:endParaRPr>
-          </a:p>
-        </p:txBody>
-      </p:sp>
-    </p:spTree>
-  </p:cSld>
-  <p:timing>
-    <p:tnLst>
-      <p:par>
-        <p:cTn id="9" dur="indefinite" restart="never" nodeType="tmRoot">
-          <p:childTnLst>
-            <p:seq>
-              <p:cTn id="10" nodeType="mainSeq"/>
-              <p:prevCondLst>
-                <p:cond delay="0" evt="onPrev">
-                  <p:tgtEl>
-                    <p:sldTgt/>
-                  </p:tgtEl>
-                </p:cond>
-              </p:prevCondLst>
-              <p:nextCondLst>
-                <p:cond delay="0" evt="onNext">
-                  <p:tgtEl>
-                    <p:sldTgt/>
-                  </p:tgtEl>
-                </p:cond>
-              </p:nextCondLst>
-            </p:seq>
-          </p:childTnLst>
-        </p:cTn>
-      </p:par>
-    </p:tnLst>
-  </p:timing>
-</p:sld>
-</file>
-
-<file path=ppt/slides/slide6.xml><?xml version="1.0" encoding="utf-8"?>
-<p:sld xmlns:a="http://schemas.openxmlformats.org/drawingml/2006/main" xmlns:p="http://schemas.openxmlformats.org/presentationml/2006/main" xmlns:r="http://schemas.openxmlformats.org/officeDocument/2006/relationships" xmlns:p14="http://schemas.microsoft.com/office/powerpoint/2010/main" xmlns:p15="http://schemas.microsoft.com/office/powerpoint/2012/main" xmlns:mc="http://schemas.openxmlformats.org/markup-compatibility/2006">
-  <p:cSld>
-    <p:spTree>
-      <p:nvGrpSpPr>
-        <p:cNvPr id="1" name=""/>
-        <p:cNvGrpSpPr/>
-        <p:nvPr/>
-      </p:nvGrpSpPr>
-      <p:grpSpPr>
-        <a:xfrm>
-          <a:off x="0" y="0"/>
-          <a:ext cx="0" cy="0"/>
-          <a:chOff x="0" y="0"/>
-          <a:chExt cx="0" cy="0"/>
-        </a:xfrm>
-      </p:grpSpPr>
-      <p:sp>
-        <p:nvSpPr>
-          <p:cNvPr id="111" name="CustomShape 1"/>
-          <p:cNvSpPr/>
-          <p:nvPr/>
-        </p:nvSpPr>
-        <p:spPr>
-          <a:xfrm>
-            <a:off x="838080" y="365040"/>
-            <a:ext cx="10514520" cy="1324440"/>
-          </a:xfrm>
-          <a:prstGeom prst="rect">
-            <a:avLst/>
-          </a:prstGeom>
-          <a:noFill/>
-          <a:ln>
-            <a:noFill/>
-          </a:ln>
-        </p:spPr>
-        <p:style>
-          <a:lnRef idx="0"/>
-          <a:fillRef idx="0"/>
-          <a:effectRef idx="0"/>
-          <a:fontRef idx="minor"/>
-        </p:style>
-        <p:txBody>
-          <a:bodyPr lIns="90000" rIns="90000" tIns="45000" bIns="45000" anchor="ctr"/>
-          <a:p>
-            <a:pPr>
-              <a:lnSpc>
-                <a:spcPct val="90000"/>
-              </a:lnSpc>
-            </a:pPr>
-            <a:r>
-              <a:rPr b="0" lang="en-US" sz="4400" spc="-1" strike="noStrike">
-                <a:solidFill>
-                  <a:srgbClr val="000000"/>
-                </a:solidFill>
-                <a:uFill>
-                  <a:solidFill>
-                    <a:srgbClr val="ffffff"/>
-                  </a:solidFill>
-                </a:uFill>
-                <a:latin typeface="Calibri Light"/>
-                <a:ea typeface="DejaVu Sans"/>
-              </a:rPr>
               <a:t>Found Validated TF-Kinase/Phosphatase Interactions</a:t>
             </a:r>
             <a:endParaRPr b="0" lang="en-US" sz="1800" spc="-1" strike="noStrike">
@@ -6678,7 +7028,7 @@
       </p:sp>
       <p:graphicFrame>
         <p:nvGraphicFramePr>
-          <p:cNvPr id="112" name="Table 2"/>
+          <p:cNvPr id="98" name="Table 2"/>
           <p:cNvGraphicFramePr/>
           <p:nvPr/>
         </p:nvGraphicFramePr>
@@ -9202,6 +9552,1043 @@
   <p:timing>
     <p:tnLst>
       <p:par>
+        <p:cTn id="7" dur="indefinite" restart="never" nodeType="tmRoot">
+          <p:childTnLst>
+            <p:seq>
+              <p:cTn id="8" nodeType="mainSeq"/>
+              <p:prevCondLst>
+                <p:cond delay="0" evt="onPrev">
+                  <p:tgtEl>
+                    <p:sldTgt/>
+                  </p:tgtEl>
+                </p:cond>
+              </p:prevCondLst>
+              <p:nextCondLst>
+                <p:cond delay="0" evt="onNext">
+                  <p:tgtEl>
+                    <p:sldTgt/>
+                  </p:tgtEl>
+                </p:cond>
+              </p:nextCondLst>
+            </p:seq>
+          </p:childTnLst>
+        </p:cTn>
+      </p:par>
+    </p:tnLst>
+  </p:timing>
+</p:sld>
+</file>
+
+<file path=ppt/slides/slide5.xml><?xml version="1.0" encoding="utf-8"?>
+<p:sld xmlns:a="http://schemas.openxmlformats.org/drawingml/2006/main" xmlns:p="http://schemas.openxmlformats.org/presentationml/2006/main" xmlns:r="http://schemas.openxmlformats.org/officeDocument/2006/relationships" xmlns:p14="http://schemas.microsoft.com/office/powerpoint/2010/main" xmlns:p15="http://schemas.microsoft.com/office/powerpoint/2012/main" xmlns:mc="http://schemas.openxmlformats.org/markup-compatibility/2006">
+  <p:cSld>
+    <p:spTree>
+      <p:nvGrpSpPr>
+        <p:cNvPr id="1" name=""/>
+        <p:cNvGrpSpPr/>
+        <p:nvPr/>
+      </p:nvGrpSpPr>
+      <p:grpSpPr>
+        <a:xfrm>
+          <a:off x="0" y="0"/>
+          <a:ext cx="0" cy="0"/>
+          <a:chOff x="0" y="0"/>
+          <a:chExt cx="0" cy="0"/>
+        </a:xfrm>
+      </p:grpSpPr>
+      <p:sp>
+        <p:nvSpPr>
+          <p:cNvPr id="99" name="CustomShape 1"/>
+          <p:cNvSpPr/>
+          <p:nvPr/>
+        </p:nvSpPr>
+        <p:spPr>
+          <a:xfrm>
+            <a:off x="838080" y="365040"/>
+            <a:ext cx="10513800" cy="1323720"/>
+          </a:xfrm>
+          <a:prstGeom prst="rect">
+            <a:avLst/>
+          </a:prstGeom>
+          <a:noFill/>
+          <a:ln>
+            <a:noFill/>
+          </a:ln>
+        </p:spPr>
+        <p:style>
+          <a:lnRef idx="0"/>
+          <a:fillRef idx="0"/>
+          <a:effectRef idx="0"/>
+          <a:fontRef idx="minor"/>
+        </p:style>
+        <p:txBody>
+          <a:bodyPr lIns="90000" rIns="90000" tIns="45000" bIns="45000" anchor="ctr"/>
+          <a:p>
+            <a:pPr>
+              <a:lnSpc>
+                <a:spcPct val="90000"/>
+              </a:lnSpc>
+            </a:pPr>
+            <a:r>
+              <a:rPr b="0" lang="en-US" sz="4400" spc="-1" strike="noStrike">
+                <a:solidFill>
+                  <a:srgbClr val="000000"/>
+                </a:solidFill>
+                <a:uFill>
+                  <a:solidFill>
+                    <a:srgbClr val="ffffff"/>
+                  </a:solidFill>
+                </a:uFill>
+                <a:latin typeface="Calibri Light"/>
+                <a:ea typeface="DejaVu Sans"/>
+              </a:rPr>
+              <a:t>Identifying TFA Extrema </a:t>
+            </a:r>
+            <a:endParaRPr b="0" lang="en-US" sz="1800" spc="-1" strike="noStrike">
+              <a:solidFill>
+                <a:srgbClr val="000000"/>
+              </a:solidFill>
+              <a:uFill>
+                <a:solidFill>
+                  <a:srgbClr val="ffffff"/>
+                </a:solidFill>
+              </a:uFill>
+              <a:latin typeface="Arial"/>
+            </a:endParaRPr>
+          </a:p>
+        </p:txBody>
+      </p:sp>
+      <p:sp>
+        <p:nvSpPr>
+          <p:cNvPr id="100" name="CustomShape 2"/>
+          <p:cNvSpPr/>
+          <p:nvPr/>
+        </p:nvSpPr>
+        <p:spPr>
+          <a:xfrm>
+            <a:off x="-226440" y="1825560"/>
+            <a:ext cx="12489480" cy="4349520"/>
+          </a:xfrm>
+          <a:prstGeom prst="rect">
+            <a:avLst/>
+          </a:prstGeom>
+          <a:noFill/>
+          <a:ln>
+            <a:noFill/>
+          </a:ln>
+        </p:spPr>
+        <p:style>
+          <a:lnRef idx="0"/>
+          <a:fillRef idx="0"/>
+          <a:effectRef idx="0"/>
+          <a:fontRef idx="minor"/>
+        </p:style>
+        <p:txBody>
+          <a:bodyPr lIns="90000" rIns="90000" tIns="45000" bIns="45000"/>
+          <a:p>
+            <a:pPr>
+              <a:lnSpc>
+                <a:spcPct val="90000"/>
+              </a:lnSpc>
+            </a:pPr>
+            <a:endParaRPr b="0" lang="en-US" sz="1800" spc="-1" strike="noStrike">
+              <a:solidFill>
+                <a:srgbClr val="000000"/>
+              </a:solidFill>
+              <a:uFill>
+                <a:solidFill>
+                  <a:srgbClr val="ffffff"/>
+                </a:solidFill>
+              </a:uFill>
+              <a:latin typeface="Arial"/>
+            </a:endParaRPr>
+          </a:p>
+          <a:p>
+            <a:pPr algn="ctr">
+              <a:lnSpc>
+                <a:spcPct val="100000"/>
+              </a:lnSpc>
+            </a:pPr>
+            <a:endParaRPr b="0" lang="en-US" sz="1800" spc="-1" strike="noStrike">
+              <a:solidFill>
+                <a:srgbClr val="000000"/>
+              </a:solidFill>
+              <a:uFill>
+                <a:solidFill>
+                  <a:srgbClr val="ffffff"/>
+                </a:solidFill>
+              </a:uFill>
+              <a:latin typeface="Arial"/>
+            </a:endParaRPr>
+          </a:p>
+          <a:p>
+            <a:pPr algn="ctr">
+              <a:lnSpc>
+                <a:spcPct val="100000"/>
+              </a:lnSpc>
+            </a:pPr>
+            <a:endParaRPr b="0" lang="en-US" sz="1800" spc="-1" strike="noStrike">
+              <a:solidFill>
+                <a:srgbClr val="000000"/>
+              </a:solidFill>
+              <a:uFill>
+                <a:solidFill>
+                  <a:srgbClr val="ffffff"/>
+                </a:solidFill>
+              </a:uFill>
+              <a:latin typeface="Arial"/>
+            </a:endParaRPr>
+          </a:p>
+          <a:p>
+            <a:pPr algn="ctr">
+              <a:lnSpc>
+                <a:spcPct val="100000"/>
+              </a:lnSpc>
+            </a:pPr>
+            <a:endParaRPr b="0" lang="en-US" sz="1800" spc="-1" strike="noStrike">
+              <a:solidFill>
+                <a:srgbClr val="000000"/>
+              </a:solidFill>
+              <a:uFill>
+                <a:solidFill>
+                  <a:srgbClr val="ffffff"/>
+                </a:solidFill>
+              </a:uFill>
+              <a:latin typeface="Arial"/>
+            </a:endParaRPr>
+          </a:p>
+          <a:p>
+            <a:pPr algn="ctr">
+              <a:lnSpc>
+                <a:spcPct val="100000"/>
+              </a:lnSpc>
+            </a:pPr>
+            <a:endParaRPr b="0" lang="en-US" sz="1800" spc="-1" strike="noStrike">
+              <a:solidFill>
+                <a:srgbClr val="000000"/>
+              </a:solidFill>
+              <a:uFill>
+                <a:solidFill>
+                  <a:srgbClr val="ffffff"/>
+                </a:solidFill>
+              </a:uFill>
+              <a:latin typeface="Arial"/>
+            </a:endParaRPr>
+          </a:p>
+          <a:p>
+            <a:pPr>
+              <a:lnSpc>
+                <a:spcPct val="100000"/>
+              </a:lnSpc>
+            </a:pPr>
+            <a:endParaRPr b="0" lang="en-US" sz="1800" spc="-1" strike="noStrike">
+              <a:solidFill>
+                <a:srgbClr val="000000"/>
+              </a:solidFill>
+              <a:uFill>
+                <a:solidFill>
+                  <a:srgbClr val="ffffff"/>
+                </a:solidFill>
+              </a:uFill>
+              <a:latin typeface="Arial"/>
+            </a:endParaRPr>
+          </a:p>
+          <a:p>
+            <a:pPr>
+              <a:lnSpc>
+                <a:spcPct val="100000"/>
+              </a:lnSpc>
+            </a:pPr>
+            <a:endParaRPr b="0" lang="en-US" sz="1800" spc="-1" strike="noStrike">
+              <a:solidFill>
+                <a:srgbClr val="000000"/>
+              </a:solidFill>
+              <a:uFill>
+                <a:solidFill>
+                  <a:srgbClr val="ffffff"/>
+                </a:solidFill>
+              </a:uFill>
+              <a:latin typeface="Arial"/>
+            </a:endParaRPr>
+          </a:p>
+          <a:p>
+            <a:pPr>
+              <a:lnSpc>
+                <a:spcPct val="100000"/>
+              </a:lnSpc>
+            </a:pPr>
+            <a:endParaRPr b="0" lang="en-US" sz="1800" spc="-1" strike="noStrike">
+              <a:solidFill>
+                <a:srgbClr val="000000"/>
+              </a:solidFill>
+              <a:uFill>
+                <a:solidFill>
+                  <a:srgbClr val="ffffff"/>
+                </a:solidFill>
+              </a:uFill>
+              <a:latin typeface="Arial"/>
+            </a:endParaRPr>
+          </a:p>
+          <a:p>
+            <a:pPr>
+              <a:lnSpc>
+                <a:spcPct val="100000"/>
+              </a:lnSpc>
+            </a:pPr>
+            <a:endParaRPr b="0" lang="en-US" sz="1800" spc="-1" strike="noStrike">
+              <a:solidFill>
+                <a:srgbClr val="000000"/>
+              </a:solidFill>
+              <a:uFill>
+                <a:solidFill>
+                  <a:srgbClr val="ffffff"/>
+                </a:solidFill>
+              </a:uFill>
+              <a:latin typeface="Arial"/>
+            </a:endParaRPr>
+          </a:p>
+        </p:txBody>
+      </p:sp>
+      <p:sp>
+        <p:nvSpPr>
+          <p:cNvPr id="101" name="CustomShape 3"/>
+          <p:cNvSpPr/>
+          <p:nvPr/>
+        </p:nvSpPr>
+        <p:spPr>
+          <a:xfrm>
+            <a:off x="-226440" y="1825560"/>
+            <a:ext cx="12489480" cy="4349520"/>
+          </a:xfrm>
+          <a:prstGeom prst="rect">
+            <a:avLst/>
+          </a:prstGeom>
+          <a:blipFill>
+            <a:blip r:embed="rId1"/>
+            <a:stretch>
+              <a:fillRect/>
+            </a:stretch>
+          </a:blipFill>
+          <a:ln>
+            <a:noFill/>
+          </a:ln>
+        </p:spPr>
+        <p:style>
+          <a:lnRef idx="0"/>
+          <a:fillRef idx="0"/>
+          <a:effectRef idx="0"/>
+          <a:fontRef idx="minor"/>
+        </p:style>
+        <p:txBody>
+          <a:bodyPr lIns="90000" rIns="90000" tIns="45000" bIns="45000"/>
+          <a:p>
+            <a:pPr marL="228600" indent="-226800">
+              <a:lnSpc>
+                <a:spcPct val="90000"/>
+              </a:lnSpc>
+              <a:buClr>
+                <a:srgbClr val="000000"/>
+              </a:buClr>
+              <a:buFont typeface="Arial"/>
+              <a:buChar char="•"/>
+            </a:pPr>
+            <a:r>
+              <a:rPr b="0" lang="en-US" sz="2800" spc="-1" strike="noStrike">
+                <a:solidFill>
+                  <a:srgbClr val="000000"/>
+                </a:solidFill>
+                <a:uFill>
+                  <a:solidFill>
+                    <a:srgbClr val="ffffff"/>
+                  </a:solidFill>
+                </a:uFill>
+                <a:latin typeface="Calibri"/>
+                <a:ea typeface="DejaVu Sans"/>
+              </a:rPr>
+              <a:t> </a:t>
+            </a:r>
+            <a:endParaRPr b="0" lang="en-US" sz="1800" spc="-1" strike="noStrike">
+              <a:solidFill>
+                <a:srgbClr val="000000"/>
+              </a:solidFill>
+              <a:uFill>
+                <a:solidFill>
+                  <a:srgbClr val="ffffff"/>
+                </a:solidFill>
+              </a:uFill>
+              <a:latin typeface="Arial"/>
+            </a:endParaRPr>
+          </a:p>
+        </p:txBody>
+      </p:sp>
+      <p:sp>
+        <p:nvSpPr>
+          <p:cNvPr id="102" name="CustomShape 4"/>
+          <p:cNvSpPr/>
+          <p:nvPr/>
+        </p:nvSpPr>
+        <p:spPr>
+          <a:xfrm>
+            <a:off x="2575440" y="4496400"/>
+            <a:ext cx="8017920" cy="1734840"/>
+          </a:xfrm>
+          <a:prstGeom prst="rect">
+            <a:avLst/>
+          </a:prstGeom>
+          <a:noFill/>
+          <a:ln>
+            <a:noFill/>
+          </a:ln>
+        </p:spPr>
+        <p:style>
+          <a:lnRef idx="0"/>
+          <a:fillRef idx="0"/>
+          <a:effectRef idx="0"/>
+          <a:fontRef idx="minor"/>
+        </p:style>
+        <p:txBody>
+          <a:bodyPr lIns="90000" rIns="90000" tIns="45000" bIns="45000"/>
+          <a:p>
+            <a:r>
+              <a:rPr b="0" lang="en-US" sz="1800" spc="-1" strike="noStrike">
+                <a:solidFill>
+                  <a:srgbClr val="000000"/>
+                </a:solidFill>
+                <a:uFill>
+                  <a:solidFill>
+                    <a:srgbClr val="ffffff"/>
+                  </a:solidFill>
+                </a:uFill>
+                <a:latin typeface="Calibri"/>
+                <a:ea typeface="DejaVu Sans"/>
+              </a:rPr>
+              <a:t>Outputs:</a:t>
+            </a:r>
+            <a:endParaRPr b="0" lang="en-US" sz="1800" spc="-1" strike="noStrike">
+              <a:solidFill>
+                <a:srgbClr val="000000"/>
+              </a:solidFill>
+              <a:uFill>
+                <a:solidFill>
+                  <a:srgbClr val="ffffff"/>
+                </a:solidFill>
+              </a:uFill>
+              <a:latin typeface="Arial"/>
+            </a:endParaRPr>
+          </a:p>
+          <a:p>
+            <a:pPr>
+              <a:lnSpc>
+                <a:spcPct val="100000"/>
+              </a:lnSpc>
+            </a:pPr>
+            <a:endParaRPr b="0" lang="en-US" sz="1800" spc="-1" strike="noStrike">
+              <a:solidFill>
+                <a:srgbClr val="000000"/>
+              </a:solidFill>
+              <a:uFill>
+                <a:solidFill>
+                  <a:srgbClr val="ffffff"/>
+                </a:solidFill>
+              </a:uFill>
+              <a:latin typeface="Arial"/>
+            </a:endParaRPr>
+          </a:p>
+          <a:p>
+            <a:pPr marL="343080" indent="-341280">
+              <a:lnSpc>
+                <a:spcPct val="100000"/>
+              </a:lnSpc>
+              <a:buClr>
+                <a:srgbClr val="000000"/>
+              </a:buClr>
+              <a:buFont typeface="Calibri Light"/>
+              <a:buAutoNum type="arabicPeriod"/>
+            </a:pPr>
+            <a:r>
+              <a:rPr b="0" lang="en-US" sz="1800" spc="-1" strike="noStrike">
+                <a:solidFill>
+                  <a:srgbClr val="000000"/>
+                </a:solidFill>
+                <a:uFill>
+                  <a:solidFill>
+                    <a:srgbClr val="ffffff"/>
+                  </a:solidFill>
+                </a:uFill>
+                <a:latin typeface="Calibri"/>
+                <a:ea typeface="DejaVu Sans"/>
+              </a:rPr>
+              <a:t>Closed Interval of TFA for all TFs in all conditions</a:t>
+            </a:r>
+            <a:endParaRPr b="0" lang="en-US" sz="1800" spc="-1" strike="noStrike">
+              <a:solidFill>
+                <a:srgbClr val="000000"/>
+              </a:solidFill>
+              <a:uFill>
+                <a:solidFill>
+                  <a:srgbClr val="ffffff"/>
+                </a:solidFill>
+              </a:uFill>
+              <a:latin typeface="Arial"/>
+            </a:endParaRPr>
+          </a:p>
+          <a:p>
+            <a:pPr marL="343080" indent="-341280">
+              <a:lnSpc>
+                <a:spcPct val="100000"/>
+              </a:lnSpc>
+              <a:buClr>
+                <a:srgbClr val="000000"/>
+              </a:buClr>
+              <a:buFont typeface="Calibri Light"/>
+              <a:buAutoNum type="arabicPeriod"/>
+            </a:pPr>
+            <a:r>
+              <a:rPr b="0" lang="en-US" sz="1800" spc="-1" strike="noStrike">
+                <a:solidFill>
+                  <a:srgbClr val="000000"/>
+                </a:solidFill>
+                <a:uFill>
+                  <a:solidFill>
+                    <a:srgbClr val="ffffff"/>
+                  </a:solidFill>
+                </a:uFill>
+                <a:latin typeface="Calibri"/>
+                <a:ea typeface="DejaVu Sans"/>
+              </a:rPr>
+              <a:t>Mean value of the closed interval</a:t>
+            </a:r>
+            <a:endParaRPr b="0" lang="en-US" sz="1800" spc="-1" strike="noStrike">
+              <a:solidFill>
+                <a:srgbClr val="000000"/>
+              </a:solidFill>
+              <a:uFill>
+                <a:solidFill>
+                  <a:srgbClr val="ffffff"/>
+                </a:solidFill>
+              </a:uFill>
+              <a:latin typeface="Arial"/>
+            </a:endParaRPr>
+          </a:p>
+          <a:p>
+            <a:pPr marL="343080" indent="-341280">
+              <a:lnSpc>
+                <a:spcPct val="100000"/>
+              </a:lnSpc>
+              <a:buClr>
+                <a:srgbClr val="000000"/>
+              </a:buClr>
+              <a:buFont typeface="Calibri Light"/>
+              <a:buAutoNum type="arabicPeriod"/>
+            </a:pPr>
+            <a:r>
+              <a:rPr b="0" lang="en-US" sz="1800" spc="-1" strike="noStrike">
+                <a:solidFill>
+                  <a:srgbClr val="000000"/>
+                </a:solidFill>
+                <a:uFill>
+                  <a:solidFill>
+                    <a:srgbClr val="ffffff"/>
+                  </a:solidFill>
+                </a:uFill>
+                <a:latin typeface="Calibri"/>
+                <a:ea typeface="DejaVu Sans"/>
+              </a:rPr>
+              <a:t>The difference between the residual of the original TFA and the TFA extrema for each found solution</a:t>
+            </a:r>
+            <a:endParaRPr b="0" lang="en-US" sz="1800" spc="-1" strike="noStrike">
+              <a:solidFill>
+                <a:srgbClr val="000000"/>
+              </a:solidFill>
+              <a:uFill>
+                <a:solidFill>
+                  <a:srgbClr val="ffffff"/>
+                </a:solidFill>
+              </a:uFill>
+              <a:latin typeface="Arial"/>
+            </a:endParaRPr>
+          </a:p>
+        </p:txBody>
+      </p:sp>
+    </p:spTree>
+  </p:cSld>
+  <p:timing>
+    <p:tnLst>
+      <p:par>
+        <p:cTn id="9" dur="indefinite" restart="never" nodeType="tmRoot">
+          <p:childTnLst>
+            <p:seq>
+              <p:cTn id="10" nodeType="mainSeq"/>
+              <p:prevCondLst>
+                <p:cond delay="0" evt="onPrev">
+                  <p:tgtEl>
+                    <p:sldTgt/>
+                  </p:tgtEl>
+                </p:cond>
+              </p:prevCondLst>
+              <p:nextCondLst>
+                <p:cond delay="0" evt="onNext">
+                  <p:tgtEl>
+                    <p:sldTgt/>
+                  </p:tgtEl>
+                </p:cond>
+              </p:nextCondLst>
+            </p:seq>
+          </p:childTnLst>
+        </p:cTn>
+      </p:par>
+    </p:tnLst>
+  </p:timing>
+</p:sld>
+</file>
+
+<file path=ppt/slides/slide6.xml><?xml version="1.0" encoding="utf-8"?>
+<p:sld xmlns:a="http://schemas.openxmlformats.org/drawingml/2006/main" xmlns:p="http://schemas.openxmlformats.org/presentationml/2006/main" xmlns:r="http://schemas.openxmlformats.org/officeDocument/2006/relationships" xmlns:p14="http://schemas.microsoft.com/office/powerpoint/2010/main" xmlns:p15="http://schemas.microsoft.com/office/powerpoint/2012/main" xmlns:mc="http://schemas.openxmlformats.org/markup-compatibility/2006">
+  <p:cSld>
+    <p:spTree>
+      <p:nvGrpSpPr>
+        <p:cNvPr id="1" name=""/>
+        <p:cNvGrpSpPr/>
+        <p:nvPr/>
+      </p:nvGrpSpPr>
+      <p:grpSpPr>
+        <a:xfrm>
+          <a:off x="0" y="0"/>
+          <a:ext cx="0" cy="0"/>
+          <a:chOff x="0" y="0"/>
+          <a:chExt cx="0" cy="0"/>
+        </a:xfrm>
+      </p:grpSpPr>
+      <p:pic>
+        <p:nvPicPr>
+          <p:cNvPr id="103" name="Picture 4" descr=""/>
+          <p:cNvPicPr/>
+          <p:nvPr/>
+        </p:nvPicPr>
+        <p:blipFill>
+          <a:blip r:embed="rId1"/>
+          <a:stretch/>
+        </p:blipFill>
+        <p:spPr>
+          <a:xfrm>
+            <a:off x="174960" y="811440"/>
+            <a:ext cx="3770280" cy="2531880"/>
+          </a:xfrm>
+          <a:prstGeom prst="rect">
+            <a:avLst/>
+          </a:prstGeom>
+          <a:ln>
+            <a:noFill/>
+          </a:ln>
+        </p:spPr>
+      </p:pic>
+      <p:pic>
+        <p:nvPicPr>
+          <p:cNvPr id="104" name="Picture 6" descr=""/>
+          <p:cNvPicPr/>
+          <p:nvPr/>
+        </p:nvPicPr>
+        <p:blipFill>
+          <a:blip r:embed="rId2"/>
+          <a:stretch/>
+        </p:blipFill>
+        <p:spPr>
+          <a:xfrm>
+            <a:off x="91080" y="3512880"/>
+            <a:ext cx="3854160" cy="2531880"/>
+          </a:xfrm>
+          <a:prstGeom prst="rect">
+            <a:avLst/>
+          </a:prstGeom>
+          <a:ln>
+            <a:noFill/>
+          </a:ln>
+        </p:spPr>
+      </p:pic>
+      <p:pic>
+        <p:nvPicPr>
+          <p:cNvPr id="105" name="Picture 8" descr=""/>
+          <p:cNvPicPr/>
+          <p:nvPr/>
+        </p:nvPicPr>
+        <p:blipFill>
+          <a:blip r:embed="rId3"/>
+          <a:stretch/>
+        </p:blipFill>
+        <p:spPr>
+          <a:xfrm>
+            <a:off x="4147920" y="468360"/>
+            <a:ext cx="3982320" cy="2958840"/>
+          </a:xfrm>
+          <a:prstGeom prst="rect">
+            <a:avLst/>
+          </a:prstGeom>
+          <a:ln>
+            <a:noFill/>
+          </a:ln>
+        </p:spPr>
+      </p:pic>
+      <p:pic>
+        <p:nvPicPr>
+          <p:cNvPr id="106" name="Picture 10" descr=""/>
+          <p:cNvPicPr/>
+          <p:nvPr/>
+        </p:nvPicPr>
+        <p:blipFill>
+          <a:blip r:embed="rId4"/>
+          <a:stretch/>
+        </p:blipFill>
+        <p:spPr>
+          <a:xfrm>
+            <a:off x="4205160" y="3482640"/>
+            <a:ext cx="3854160" cy="2594880"/>
+          </a:xfrm>
+          <a:prstGeom prst="rect">
+            <a:avLst/>
+          </a:prstGeom>
+          <a:ln>
+            <a:noFill/>
+          </a:ln>
+        </p:spPr>
+      </p:pic>
+      <p:sp>
+        <p:nvSpPr>
+          <p:cNvPr id="107" name="CustomShape 1"/>
+          <p:cNvSpPr/>
+          <p:nvPr/>
+        </p:nvSpPr>
+        <p:spPr>
+          <a:xfrm>
+            <a:off x="1501560" y="251640"/>
+            <a:ext cx="2330280" cy="363240"/>
+          </a:xfrm>
+          <a:prstGeom prst="rect">
+            <a:avLst/>
+          </a:prstGeom>
+          <a:noFill/>
+          <a:ln>
+            <a:noFill/>
+          </a:ln>
+        </p:spPr>
+        <p:style>
+          <a:lnRef idx="0"/>
+          <a:fillRef idx="0"/>
+          <a:effectRef idx="0"/>
+          <a:fontRef idx="minor"/>
+        </p:style>
+        <p:txBody>
+          <a:bodyPr lIns="90000" rIns="90000" tIns="45000" bIns="45000"/>
+          <a:p>
+            <a:pPr>
+              <a:lnSpc>
+                <a:spcPct val="100000"/>
+              </a:lnSpc>
+            </a:pPr>
+            <a:r>
+              <a:rPr b="0" lang="en-US" sz="1800" spc="-1" strike="noStrike">
+                <a:solidFill>
+                  <a:srgbClr val="000000"/>
+                </a:solidFill>
+                <a:uFill>
+                  <a:solidFill>
+                    <a:srgbClr val="ffffff"/>
+                  </a:solidFill>
+                </a:uFill>
+                <a:latin typeface="Calibri"/>
+                <a:ea typeface="DejaVu Sans"/>
+              </a:rPr>
+              <a:t>Standard Score</a:t>
+            </a:r>
+            <a:endParaRPr b="0" lang="en-US" sz="1800" spc="-1" strike="noStrike">
+              <a:solidFill>
+                <a:srgbClr val="000000"/>
+              </a:solidFill>
+              <a:uFill>
+                <a:solidFill>
+                  <a:srgbClr val="ffffff"/>
+                </a:solidFill>
+              </a:uFill>
+              <a:latin typeface="Arial"/>
+            </a:endParaRPr>
+          </a:p>
+        </p:txBody>
+      </p:sp>
+      <p:sp>
+        <p:nvSpPr>
+          <p:cNvPr id="108" name="CustomShape 2"/>
+          <p:cNvSpPr/>
+          <p:nvPr/>
+        </p:nvSpPr>
+        <p:spPr>
+          <a:xfrm>
+            <a:off x="5522040" y="299520"/>
+            <a:ext cx="2330280" cy="363240"/>
+          </a:xfrm>
+          <a:prstGeom prst="rect">
+            <a:avLst/>
+          </a:prstGeom>
+          <a:noFill/>
+          <a:ln>
+            <a:noFill/>
+          </a:ln>
+        </p:spPr>
+        <p:style>
+          <a:lnRef idx="0"/>
+          <a:fillRef idx="0"/>
+          <a:effectRef idx="0"/>
+          <a:fontRef idx="minor"/>
+        </p:style>
+        <p:txBody>
+          <a:bodyPr lIns="90000" rIns="90000" tIns="45000" bIns="45000"/>
+          <a:p>
+            <a:pPr>
+              <a:lnSpc>
+                <a:spcPct val="100000"/>
+              </a:lnSpc>
+            </a:pPr>
+            <a:r>
+              <a:rPr b="0" lang="en-US" sz="1800" spc="-1" strike="noStrike">
+                <a:solidFill>
+                  <a:srgbClr val="000000"/>
+                </a:solidFill>
+                <a:uFill>
+                  <a:solidFill>
+                    <a:srgbClr val="ffffff"/>
+                  </a:solidFill>
+                </a:uFill>
+                <a:latin typeface="Calibri"/>
+                <a:ea typeface="DejaVu Sans"/>
+              </a:rPr>
+              <a:t>|Log2(FC)|</a:t>
+            </a:r>
+            <a:endParaRPr b="0" lang="en-US" sz="1800" spc="-1" strike="noStrike">
+              <a:solidFill>
+                <a:srgbClr val="000000"/>
+              </a:solidFill>
+              <a:uFill>
+                <a:solidFill>
+                  <a:srgbClr val="ffffff"/>
+                </a:solidFill>
+              </a:uFill>
+              <a:latin typeface="Arial"/>
+            </a:endParaRPr>
+          </a:p>
+        </p:txBody>
+      </p:sp>
+      <p:sp>
+        <p:nvSpPr>
+          <p:cNvPr id="109" name="CustomShape 3"/>
+          <p:cNvSpPr/>
+          <p:nvPr/>
+        </p:nvSpPr>
+        <p:spPr>
+          <a:xfrm>
+            <a:off x="6858000" y="4206240"/>
+            <a:ext cx="930240" cy="636840"/>
+          </a:xfrm>
+          <a:prstGeom prst="rect">
+            <a:avLst/>
+          </a:prstGeom>
+          <a:noFill/>
+          <a:ln>
+            <a:noFill/>
+          </a:ln>
+        </p:spPr>
+        <p:style>
+          <a:lnRef idx="0"/>
+          <a:fillRef idx="0"/>
+          <a:effectRef idx="0"/>
+          <a:fontRef idx="minor"/>
+        </p:style>
+        <p:txBody>
+          <a:bodyPr lIns="90000" rIns="90000" tIns="45000" bIns="45000"/>
+          <a:p>
+            <a:pPr>
+              <a:lnSpc>
+                <a:spcPct val="100000"/>
+              </a:lnSpc>
+            </a:pPr>
+            <a:r>
+              <a:rPr b="0" lang="en-US" sz="1800" spc="-1" strike="noStrike">
+                <a:solidFill>
+                  <a:srgbClr val="000000"/>
+                </a:solidFill>
+                <a:uFill>
+                  <a:solidFill>
+                    <a:srgbClr val="ffffff"/>
+                  </a:solidFill>
+                </a:uFill>
+                <a:latin typeface="Calibri"/>
+                <a:ea typeface="DejaVu Sans"/>
+              </a:rPr>
+              <a:t>p = 0.19</a:t>
+            </a:r>
+            <a:endParaRPr b="0" lang="en-US" sz="1800" spc="-1" strike="noStrike">
+              <a:solidFill>
+                <a:srgbClr val="000000"/>
+              </a:solidFill>
+              <a:uFill>
+                <a:solidFill>
+                  <a:srgbClr val="ffffff"/>
+                </a:solidFill>
+              </a:uFill>
+              <a:latin typeface="Arial"/>
+            </a:endParaRPr>
+          </a:p>
+        </p:txBody>
+      </p:sp>
+      <p:sp>
+        <p:nvSpPr>
+          <p:cNvPr id="110" name="CustomShape 4"/>
+          <p:cNvSpPr/>
+          <p:nvPr/>
+        </p:nvSpPr>
+        <p:spPr>
+          <a:xfrm>
+            <a:off x="2782800" y="4225680"/>
+            <a:ext cx="1162080" cy="636840"/>
+          </a:xfrm>
+          <a:prstGeom prst="rect">
+            <a:avLst/>
+          </a:prstGeom>
+          <a:noFill/>
+          <a:ln>
+            <a:noFill/>
+          </a:ln>
+        </p:spPr>
+        <p:style>
+          <a:lnRef idx="0"/>
+          <a:fillRef idx="0"/>
+          <a:effectRef idx="0"/>
+          <a:fontRef idx="minor"/>
+        </p:style>
+        <p:txBody>
+          <a:bodyPr lIns="90000" rIns="90000" tIns="45000" bIns="45000"/>
+          <a:p>
+            <a:pPr>
+              <a:lnSpc>
+                <a:spcPct val="100000"/>
+              </a:lnSpc>
+            </a:pPr>
+            <a:r>
+              <a:rPr b="0" lang="en-US" sz="1800" spc="-1" strike="noStrike">
+                <a:solidFill>
+                  <a:srgbClr val="000000"/>
+                </a:solidFill>
+                <a:uFill>
+                  <a:solidFill>
+                    <a:srgbClr val="ffffff"/>
+                  </a:solidFill>
+                </a:uFill>
+                <a:latin typeface="Calibri"/>
+                <a:ea typeface="DejaVu Sans"/>
+              </a:rPr>
+              <a:t>p = 0.72</a:t>
+            </a:r>
+            <a:endParaRPr b="0" lang="en-US" sz="1800" spc="-1" strike="noStrike">
+              <a:solidFill>
+                <a:srgbClr val="000000"/>
+              </a:solidFill>
+              <a:uFill>
+                <a:solidFill>
+                  <a:srgbClr val="ffffff"/>
+                </a:solidFill>
+              </a:uFill>
+              <a:latin typeface="Arial"/>
+            </a:endParaRPr>
+          </a:p>
+        </p:txBody>
+      </p:sp>
+      <p:pic>
+        <p:nvPicPr>
+          <p:cNvPr id="111" name="Picture 2" descr=""/>
+          <p:cNvPicPr/>
+          <p:nvPr/>
+        </p:nvPicPr>
+        <p:blipFill>
+          <a:blip r:embed="rId5"/>
+          <a:stretch/>
+        </p:blipFill>
+        <p:spPr>
+          <a:xfrm>
+            <a:off x="8245080" y="1841760"/>
+            <a:ext cx="3703320" cy="2531880"/>
+          </a:xfrm>
+          <a:prstGeom prst="rect">
+            <a:avLst/>
+          </a:prstGeom>
+          <a:ln>
+            <a:noFill/>
+          </a:ln>
+        </p:spPr>
+      </p:pic>
+      <p:sp>
+        <p:nvSpPr>
+          <p:cNvPr id="112" name="CustomShape 5"/>
+          <p:cNvSpPr/>
+          <p:nvPr/>
+        </p:nvSpPr>
+        <p:spPr>
+          <a:xfrm>
+            <a:off x="9571680" y="4779720"/>
+            <a:ext cx="1953000" cy="637560"/>
+          </a:xfrm>
+          <a:prstGeom prst="rect">
+            <a:avLst/>
+          </a:prstGeom>
+          <a:noFill/>
+          <a:ln>
+            <a:noFill/>
+          </a:ln>
+        </p:spPr>
+        <p:style>
+          <a:lnRef idx="0"/>
+          <a:fillRef idx="0"/>
+          <a:effectRef idx="0"/>
+          <a:fontRef idx="minor"/>
+        </p:style>
+        <p:txBody>
+          <a:bodyPr lIns="90000" rIns="90000" tIns="45000" bIns="45000"/>
+          <a:p>
+            <a:pPr>
+              <a:lnSpc>
+                <a:spcPct val="100000"/>
+              </a:lnSpc>
+            </a:pPr>
+            <a:r>
+              <a:rPr b="0" lang="en-US" sz="1800" spc="-1" strike="noStrike">
+                <a:solidFill>
+                  <a:srgbClr val="000000"/>
+                </a:solidFill>
+                <a:uFill>
+                  <a:solidFill>
+                    <a:srgbClr val="ffffff"/>
+                  </a:solidFill>
+                </a:uFill>
+                <a:latin typeface="Calibri"/>
+                <a:ea typeface="DejaVu Sans"/>
+              </a:rPr>
+              <a:t>AUC = 0.554 (92.92%)</a:t>
+            </a:r>
+            <a:endParaRPr b="0" lang="en-US" sz="1800" spc="-1" strike="noStrike">
+              <a:solidFill>
+                <a:srgbClr val="000000"/>
+              </a:solidFill>
+              <a:uFill>
+                <a:solidFill>
+                  <a:srgbClr val="ffffff"/>
+                </a:solidFill>
+              </a:uFill>
+              <a:latin typeface="Arial"/>
+            </a:endParaRPr>
+          </a:p>
+        </p:txBody>
+      </p:sp>
+    </p:spTree>
+  </p:cSld>
+  <p:timing>
+    <p:tnLst>
+      <p:par>
         <p:cTn id="11" dur="indefinite" restart="never" nodeType="tmRoot">
           <p:childTnLst>
             <p:seq>
@@ -9246,40 +10633,16 @@
           <a:chExt cx="0" cy="0"/>
         </a:xfrm>
       </p:grpSpPr>
-      <p:pic>
-        <p:nvPicPr>
-          <p:cNvPr id="113" name="Picture 3" descr=""/>
-          <p:cNvPicPr/>
-          <p:nvPr/>
-        </p:nvPicPr>
-        <p:blipFill>
-          <a:blip r:embed="rId1"/>
-          <a:srcRect l="0" t="0" r="0" b="2124"/>
-          <a:stretch/>
-        </p:blipFill>
-        <p:spPr>
-          <a:xfrm>
-            <a:off x="190440" y="922680"/>
-            <a:ext cx="6653880" cy="4830840"/>
-          </a:xfrm>
-          <a:prstGeom prst="rect">
-            <a:avLst/>
-          </a:prstGeom>
-          <a:ln>
-            <a:noFill/>
-          </a:ln>
-        </p:spPr>
-      </p:pic>
       <p:sp>
         <p:nvSpPr>
-          <p:cNvPr id="114" name="CustomShape 1"/>
+          <p:cNvPr id="113" name="CustomShape 1"/>
           <p:cNvSpPr/>
           <p:nvPr/>
         </p:nvSpPr>
         <p:spPr>
           <a:xfrm>
-            <a:off x="76680" y="6253920"/>
-            <a:ext cx="2086920" cy="363960"/>
+            <a:off x="838080" y="365040"/>
+            <a:ext cx="10513800" cy="1323720"/>
           </a:xfrm>
           <a:prstGeom prst="rect">
             <a:avLst/>
@@ -9296,27 +10659,27 @@
           <a:fontRef idx="minor"/>
         </p:style>
         <p:txBody>
-          <a:bodyPr wrap="none" lIns="90000" rIns="90000" tIns="45000" bIns="45000"/>
+          <a:bodyPr lIns="90000" rIns="90000" tIns="45000" bIns="45000" anchor="ctr"/>
           <a:p>
             <a:pPr>
               <a:lnSpc>
-                <a:spcPct val="100000"/>
+                <a:spcPct val="90000"/>
               </a:lnSpc>
             </a:pPr>
             <a:r>
-              <a:rPr b="0" lang="en-US" sz="1800" spc="-1" strike="noStrike">
-                <a:solidFill>
-                  <a:srgbClr val="000000"/>
-                </a:solidFill>
-                <a:uFill>
-                  <a:solidFill>
-                    <a:srgbClr val="ffffff"/>
-                  </a:solidFill>
-                </a:uFill>
-                <a:latin typeface="Calibri"/>
+              <a:rPr b="0" lang="en-US" sz="3200" spc="-1" strike="noStrike">
+                <a:solidFill>
+                  <a:srgbClr val="000000"/>
+                </a:solidFill>
+                <a:uFill>
+                  <a:solidFill>
+                    <a:srgbClr val="ffffff"/>
+                  </a:solidFill>
+                </a:uFill>
+                <a:latin typeface="Calibri Light"/>
                 <a:ea typeface="DejaVu Sans"/>
               </a:rPr>
-              <a:t>(ALOLYAN, 2011)</a:t>
+              <a:t>Comparing TFA Variability in Sign Constrained Model</a:t>
             </a:r>
             <a:endParaRPr b="0" lang="en-US" sz="1800" spc="-1" strike="noStrike">
               <a:solidFill>
@@ -9332,6 +10695,29 @@
           </a:p>
         </p:txBody>
       </p:sp>
+      <p:pic>
+        <p:nvPicPr>
+          <p:cNvPr id="114" name="Picture 2" descr=""/>
+          <p:cNvPicPr/>
+          <p:nvPr/>
+        </p:nvPicPr>
+        <p:blipFill>
+          <a:blip r:embed="rId1"/>
+          <a:stretch/>
+        </p:blipFill>
+        <p:spPr>
+          <a:xfrm>
+            <a:off x="326520" y="2038680"/>
+            <a:ext cx="3643200" cy="3429360"/>
+          </a:xfrm>
+          <a:prstGeom prst="rect">
+            <a:avLst/>
+          </a:prstGeom>
+          <a:ln>
+            <a:noFill/>
+          </a:ln>
+        </p:spPr>
+      </p:pic>
       <p:pic>
         <p:nvPicPr>
           <p:cNvPr id="115" name="Picture 4" descr=""/>
@@ -9340,13 +10726,12 @@
         </p:nvPicPr>
         <p:blipFill>
           <a:blip r:embed="rId2"/>
-          <a:srcRect l="3842" t="0" r="1755" b="0"/>
           <a:stretch/>
         </p:blipFill>
         <p:spPr>
           <a:xfrm>
-            <a:off x="7634160" y="491400"/>
-            <a:ext cx="3613680" cy="3256560"/>
+            <a:off x="3772800" y="2038680"/>
+            <a:ext cx="3774240" cy="3429360"/>
           </a:xfrm>
           <a:prstGeom prst="rect">
             <a:avLst/>
@@ -9356,16 +10741,39 @@
           </a:ln>
         </p:spPr>
       </p:pic>
+      <p:pic>
+        <p:nvPicPr>
+          <p:cNvPr id="116" name="Picture 6" descr=""/>
+          <p:cNvPicPr/>
+          <p:nvPr/>
+        </p:nvPicPr>
+        <p:blipFill>
+          <a:blip r:embed="rId3"/>
+          <a:stretch/>
+        </p:blipFill>
+        <p:spPr>
+          <a:xfrm>
+            <a:off x="7548480" y="2038680"/>
+            <a:ext cx="3966120" cy="3400200"/>
+          </a:xfrm>
+          <a:prstGeom prst="rect">
+            <a:avLst/>
+          </a:prstGeom>
+          <a:ln>
+            <a:noFill/>
+          </a:ln>
+        </p:spPr>
+      </p:pic>
       <p:sp>
         <p:nvSpPr>
-          <p:cNvPr id="116" name="CustomShape 2"/>
+          <p:cNvPr id="117" name="CustomShape 2"/>
           <p:cNvSpPr/>
           <p:nvPr/>
         </p:nvSpPr>
         <p:spPr>
-          <a:xfrm rot="16200000">
-            <a:off x="6814080" y="1776600"/>
-            <a:ext cx="1366200" cy="249480"/>
+          <a:xfrm>
+            <a:off x="4195800" y="3993120"/>
+            <a:ext cx="321840" cy="363240"/>
           </a:xfrm>
           <a:prstGeom prst="rect">
             <a:avLst/>
@@ -9390,7 +10798,7 @@
               </a:lnSpc>
             </a:pPr>
             <a:r>
-              <a:rPr b="0" lang="en-US" sz="1050" spc="-1" strike="noStrike">
+              <a:rPr b="0" lang="en-US" sz="1800" spc="-1" strike="noStrike">
                 <a:solidFill>
                   <a:srgbClr val="000000"/>
                 </a:solidFill>
@@ -9402,7 +10810,7 @@
                 <a:latin typeface="Calibri"/>
                 <a:ea typeface="DejaVu Sans"/>
               </a:rPr>
-              <a:t>|µ(M,WT)|</a:t>
+              <a:t>-</a:t>
             </a:r>
             <a:endParaRPr b="0" lang="en-US" sz="1800" spc="-1" strike="noStrike">
               <a:solidFill>
@@ -9418,29 +10826,6 @@
           </a:p>
         </p:txBody>
       </p:sp>
-      <p:pic>
-        <p:nvPicPr>
-          <p:cNvPr id="117" name="Picture 6" descr=""/>
-          <p:cNvPicPr/>
-          <p:nvPr/>
-        </p:nvPicPr>
-        <p:blipFill>
-          <a:blip r:embed="rId3"/>
-          <a:stretch/>
-        </p:blipFill>
-        <p:spPr>
-          <a:xfrm>
-            <a:off x="7464600" y="3904920"/>
-            <a:ext cx="3704040" cy="2532600"/>
-          </a:xfrm>
-          <a:prstGeom prst="rect">
-            <a:avLst/>
-          </a:prstGeom>
-          <a:ln>
-            <a:noFill/>
-          </a:ln>
-        </p:spPr>
-      </p:pic>
       <p:sp>
         <p:nvSpPr>
           <p:cNvPr id="118" name="CustomShape 3"/>
@@ -9449,8 +10834,8 @@
         </p:nvSpPr>
         <p:spPr>
           <a:xfrm>
-            <a:off x="11169720" y="2399760"/>
-            <a:ext cx="930960" cy="637560"/>
+            <a:off x="7840440" y="3925800"/>
+            <a:ext cx="321840" cy="363240"/>
           </a:xfrm>
           <a:prstGeom prst="rect">
             <a:avLst/>
@@ -9487,7 +10872,7 @@
                 <a:latin typeface="Calibri"/>
                 <a:ea typeface="DejaVu Sans"/>
               </a:rPr>
-              <a:t>p = 0.18</a:t>
+              <a:t>=</a:t>
             </a:r>
             <a:endParaRPr b="0" lang="en-US" sz="1800" spc="-1" strike="noStrike">
               <a:solidFill>
@@ -9505,14 +10890,14 @@
       </p:sp>
       <p:sp>
         <p:nvSpPr>
-          <p:cNvPr id="119" name="CustomShape 4"/>
-          <p:cNvSpPr/>
+          <p:cNvPr id="119" name="TextShape 4"/>
+          <p:cNvSpPr txBox="1"/>
           <p:nvPr/>
         </p:nvSpPr>
         <p:spPr>
           <a:xfrm>
-            <a:off x="9588600" y="5011200"/>
-            <a:ext cx="1953720" cy="638280"/>
+            <a:off x="1828800" y="5414400"/>
+            <a:ext cx="2286000" cy="346320"/>
           </a:xfrm>
           <a:prstGeom prst="rect">
             <a:avLst/>
@@ -9522,20 +10907,9 @@
             <a:noFill/>
           </a:ln>
         </p:spPr>
-        <p:style>
-          <a:lnRef idx="0"/>
-          <a:fillRef idx="0"/>
-          <a:effectRef idx="0"/>
-          <a:fontRef idx="minor"/>
-        </p:style>
         <p:txBody>
           <a:bodyPr lIns="90000" rIns="90000" tIns="45000" bIns="45000"/>
           <a:p>
-            <a:pPr>
-              <a:lnSpc>
-                <a:spcPct val="100000"/>
-              </a:lnSpc>
-            </a:pPr>
             <a:r>
               <a:rPr b="0" lang="en-US" sz="1800" spc="-1" strike="noStrike">
                 <a:solidFill>
@@ -9546,10 +10920,259 @@
                     <a:srgbClr val="ffffff"/>
                   </a:solidFill>
                 </a:uFill>
-                <a:latin typeface="Calibri"/>
-                <a:ea typeface="DejaVu Sans"/>
-              </a:rPr>
-              <a:t>AUC = 0.501 (56.3%)</a:t>
+                <a:latin typeface="Arial"/>
+              </a:rPr>
+              <a:t>Conditions</a:t>
+            </a:r>
+            <a:endParaRPr b="0" lang="en-US" sz="1800" spc="-1" strike="noStrike">
+              <a:solidFill>
+                <a:srgbClr val="000000"/>
+              </a:solidFill>
+              <a:uFill>
+                <a:solidFill>
+                  <a:srgbClr val="ffffff"/>
+                </a:solidFill>
+              </a:uFill>
+              <a:latin typeface="Arial"/>
+            </a:endParaRPr>
+          </a:p>
+        </p:txBody>
+      </p:sp>
+      <p:sp>
+        <p:nvSpPr>
+          <p:cNvPr id="120" name="TextShape 5"/>
+          <p:cNvSpPr txBox="1"/>
+          <p:nvPr/>
+        </p:nvSpPr>
+        <p:spPr>
+          <a:xfrm rot="16173000">
+            <a:off x="511560" y="3804120"/>
+            <a:ext cx="636840" cy="346320"/>
+          </a:xfrm>
+          <a:prstGeom prst="rect">
+            <a:avLst/>
+          </a:prstGeom>
+          <a:noFill/>
+          <a:ln>
+            <a:noFill/>
+          </a:ln>
+        </p:spPr>
+        <p:txBody>
+          <a:bodyPr lIns="90000" rIns="90000" tIns="45000" bIns="45000"/>
+          <a:p>
+            <a:r>
+              <a:rPr b="0" lang="en-US" sz="1800" spc="-1" strike="noStrike">
+                <a:solidFill>
+                  <a:srgbClr val="000000"/>
+                </a:solidFill>
+                <a:uFill>
+                  <a:solidFill>
+                    <a:srgbClr val="ffffff"/>
+                  </a:solidFill>
+                </a:uFill>
+                <a:latin typeface="Arial"/>
+              </a:rPr>
+              <a:t>TFs</a:t>
+            </a:r>
+            <a:endParaRPr b="0" lang="en-US" sz="1800" spc="-1" strike="noStrike">
+              <a:solidFill>
+                <a:srgbClr val="000000"/>
+              </a:solidFill>
+              <a:uFill>
+                <a:solidFill>
+                  <a:srgbClr val="ffffff"/>
+                </a:solidFill>
+              </a:uFill>
+              <a:latin typeface="Arial"/>
+            </a:endParaRPr>
+          </a:p>
+        </p:txBody>
+      </p:sp>
+      <p:sp>
+        <p:nvSpPr>
+          <p:cNvPr id="121" name="TextShape 6"/>
+          <p:cNvSpPr txBox="1"/>
+          <p:nvPr/>
+        </p:nvSpPr>
+        <p:spPr>
+          <a:xfrm>
+            <a:off x="5212080" y="5414400"/>
+            <a:ext cx="2286000" cy="346320"/>
+          </a:xfrm>
+          <a:prstGeom prst="rect">
+            <a:avLst/>
+          </a:prstGeom>
+          <a:noFill/>
+          <a:ln>
+            <a:noFill/>
+          </a:ln>
+        </p:spPr>
+        <p:txBody>
+          <a:bodyPr lIns="90000" rIns="90000" tIns="45000" bIns="45000"/>
+          <a:p>
+            <a:r>
+              <a:rPr b="0" lang="en-US" sz="1800" spc="-1" strike="noStrike">
+                <a:solidFill>
+                  <a:srgbClr val="000000"/>
+                </a:solidFill>
+                <a:uFill>
+                  <a:solidFill>
+                    <a:srgbClr val="ffffff"/>
+                  </a:solidFill>
+                </a:uFill>
+                <a:latin typeface="Arial"/>
+              </a:rPr>
+              <a:t>Conditions</a:t>
+            </a:r>
+            <a:endParaRPr b="0" lang="en-US" sz="1800" spc="-1" strike="noStrike">
+              <a:solidFill>
+                <a:srgbClr val="000000"/>
+              </a:solidFill>
+              <a:uFill>
+                <a:solidFill>
+                  <a:srgbClr val="ffffff"/>
+                </a:solidFill>
+              </a:uFill>
+              <a:latin typeface="Arial"/>
+            </a:endParaRPr>
+          </a:p>
+        </p:txBody>
+      </p:sp>
+      <p:sp>
+        <p:nvSpPr>
+          <p:cNvPr id="122" name="TextShape 7"/>
+          <p:cNvSpPr txBox="1"/>
+          <p:nvPr/>
+        </p:nvSpPr>
+        <p:spPr>
+          <a:xfrm>
+            <a:off x="9144000" y="5414400"/>
+            <a:ext cx="2286000" cy="346320"/>
+          </a:xfrm>
+          <a:prstGeom prst="rect">
+            <a:avLst/>
+          </a:prstGeom>
+          <a:noFill/>
+          <a:ln>
+            <a:noFill/>
+          </a:ln>
+        </p:spPr>
+        <p:txBody>
+          <a:bodyPr lIns="90000" rIns="90000" tIns="45000" bIns="45000"/>
+          <a:p>
+            <a:r>
+              <a:rPr b="0" lang="en-US" sz="1800" spc="-1" strike="noStrike">
+                <a:solidFill>
+                  <a:srgbClr val="000000"/>
+                </a:solidFill>
+                <a:uFill>
+                  <a:solidFill>
+                    <a:srgbClr val="ffffff"/>
+                  </a:solidFill>
+                </a:uFill>
+                <a:latin typeface="Arial"/>
+              </a:rPr>
+              <a:t>Conditions</a:t>
+            </a:r>
+            <a:endParaRPr b="0" lang="en-US" sz="1800" spc="-1" strike="noStrike">
+              <a:solidFill>
+                <a:srgbClr val="000000"/>
+              </a:solidFill>
+              <a:uFill>
+                <a:solidFill>
+                  <a:srgbClr val="ffffff"/>
+                </a:solidFill>
+              </a:uFill>
+              <a:latin typeface="Arial"/>
+            </a:endParaRPr>
+          </a:p>
+        </p:txBody>
+      </p:sp>
+      <p:sp>
+        <p:nvSpPr>
+          <p:cNvPr id="123" name="TextShape 8"/>
+          <p:cNvSpPr txBox="1"/>
+          <p:nvPr/>
+        </p:nvSpPr>
+        <p:spPr>
+          <a:xfrm rot="16173000">
+            <a:off x="4246200" y="3804480"/>
+            <a:ext cx="636840" cy="346320"/>
+          </a:xfrm>
+          <a:prstGeom prst="rect">
+            <a:avLst/>
+          </a:prstGeom>
+          <a:noFill/>
+          <a:ln>
+            <a:noFill/>
+          </a:ln>
+        </p:spPr>
+        <p:txBody>
+          <a:bodyPr lIns="90000" rIns="90000" tIns="45000" bIns="45000"/>
+          <a:p>
+            <a:r>
+              <a:rPr b="0" lang="en-US" sz="1800" spc="-1" strike="noStrike">
+                <a:solidFill>
+                  <a:srgbClr val="000000"/>
+                </a:solidFill>
+                <a:uFill>
+                  <a:solidFill>
+                    <a:srgbClr val="ffffff"/>
+                  </a:solidFill>
+                </a:uFill>
+                <a:latin typeface="Arial"/>
+              </a:rPr>
+              <a:t>TFs</a:t>
+            </a:r>
+            <a:endParaRPr b="0" lang="en-US" sz="1800" spc="-1" strike="noStrike">
+              <a:solidFill>
+                <a:srgbClr val="000000"/>
+              </a:solidFill>
+              <a:uFill>
+                <a:solidFill>
+                  <a:srgbClr val="ffffff"/>
+                </a:solidFill>
+              </a:uFill>
+              <a:latin typeface="Arial"/>
+            </a:endParaRPr>
+          </a:p>
+        </p:txBody>
+      </p:sp>
+      <p:sp>
+        <p:nvSpPr>
+          <p:cNvPr id="124" name="TextShape 9"/>
+          <p:cNvSpPr txBox="1"/>
+          <p:nvPr/>
+        </p:nvSpPr>
+        <p:spPr>
+          <a:xfrm rot="16173000">
+            <a:off x="8192520" y="3804480"/>
+            <a:ext cx="636840" cy="346320"/>
+          </a:xfrm>
+          <a:prstGeom prst="rect">
+            <a:avLst/>
+          </a:prstGeom>
+          <a:noFill/>
+          <a:ln>
+            <a:noFill/>
+          </a:ln>
+        </p:spPr>
+        <p:txBody>
+          <a:bodyPr lIns="90000" rIns="90000" tIns="45000" bIns="45000"/>
+          <a:p>
+            <a:r>
+              <a:rPr b="0" lang="en-US" sz="1800" spc="-1" strike="noStrike">
+                <a:solidFill>
+                  <a:srgbClr val="000000"/>
+                </a:solidFill>
+                <a:uFill>
+                  <a:solidFill>
+                    <a:srgbClr val="ffffff"/>
+                  </a:solidFill>
+                </a:uFill>
+                <a:latin typeface="Arial"/>
+              </a:rPr>
+              <a:t>TFs</a:t>
             </a:r>
             <a:endParaRPr b="0" lang="en-US" sz="1800" spc="-1" strike="noStrike">
               <a:solidFill>
@@ -9616,14 +11239,14 @@
       </p:grpSpPr>
       <p:sp>
         <p:nvSpPr>
-          <p:cNvPr id="120" name="CustomShape 1"/>
+          <p:cNvPr id="125" name="CustomShape 1"/>
           <p:cNvSpPr/>
           <p:nvPr/>
         </p:nvSpPr>
         <p:spPr>
           <a:xfrm>
             <a:off x="838080" y="365040"/>
-            <a:ext cx="10514520" cy="1324440"/>
+            <a:ext cx="10513800" cy="1323720"/>
           </a:xfrm>
           <a:prstGeom prst="rect">
             <a:avLst/>
@@ -9678,7 +11301,7 @@
       </p:sp>
       <p:pic>
         <p:nvPicPr>
-          <p:cNvPr id="121" name="Picture 2" descr=""/>
+          <p:cNvPr id="126" name="Picture 2" descr=""/>
           <p:cNvPicPr/>
           <p:nvPr/>
         </p:nvPicPr>
@@ -9688,8 +11311,8 @@
         </p:blipFill>
         <p:spPr>
           <a:xfrm>
-            <a:off x="326520" y="2038680"/>
-            <a:ext cx="3643920" cy="3430080"/>
+            <a:off x="379800" y="1920240"/>
+            <a:ext cx="3460320" cy="3257280"/>
           </a:xfrm>
           <a:prstGeom prst="rect">
             <a:avLst/>
@@ -9701,7 +11324,7 @@
       </p:pic>
       <p:pic>
         <p:nvPicPr>
-          <p:cNvPr id="122" name="Picture 4" descr=""/>
+          <p:cNvPr id="127" name="Picture 4" descr=""/>
           <p:cNvPicPr/>
           <p:nvPr/>
         </p:nvPicPr>
@@ -9711,8 +11334,8 @@
         </p:blipFill>
         <p:spPr>
           <a:xfrm>
-            <a:off x="3772800" y="2038680"/>
-            <a:ext cx="3774960" cy="3430080"/>
+            <a:off x="3840480" y="1920240"/>
+            <a:ext cx="3657240" cy="3323160"/>
           </a:xfrm>
           <a:prstGeom prst="rect">
             <a:avLst/>
@@ -9722,39 +11345,42 @@
           </a:ln>
         </p:spPr>
       </p:pic>
-      <p:pic>
-        <p:nvPicPr>
-          <p:cNvPr id="123" name="Picture 6" descr=""/>
-          <p:cNvPicPr/>
+      <p:sp>
+        <p:nvSpPr>
+          <p:cNvPr id="128" name="CustomShape 2"/>
+          <p:cNvSpPr/>
           <p:nvPr/>
-        </p:nvPicPr>
-        <p:blipFill>
-          <a:blip r:embed="rId3"/>
-          <a:stretch/>
-        </p:blipFill>
-        <p:spPr>
-          <a:xfrm>
-            <a:off x="7548480" y="2038680"/>
-            <a:ext cx="3966840" cy="3400920"/>
-          </a:xfrm>
-          <a:prstGeom prst="rect">
-            <a:avLst/>
-          </a:prstGeom>
+        </p:nvSpPr>
+        <p:spPr>
+          <a:xfrm>
+            <a:off x="7840440" y="3925800"/>
+            <a:ext cx="321840" cy="363240"/>
+          </a:xfrm>
+          <a:prstGeom prst="rect">
+            <a:avLst/>
+          </a:prstGeom>
+          <a:noFill/>
           <a:ln>
             <a:noFill/>
           </a:ln>
         </p:spPr>
-      </p:pic>
+        <p:style>
+          <a:lnRef idx="0"/>
+          <a:fillRef idx="0"/>
+          <a:effectRef idx="0"/>
+          <a:fontRef idx="minor"/>
+        </p:style>
+      </p:sp>
       <p:sp>
         <p:nvSpPr>
-          <p:cNvPr id="124" name="CustomShape 2"/>
+          <p:cNvPr id="129" name="CustomShape 3"/>
           <p:cNvSpPr/>
           <p:nvPr/>
         </p:nvSpPr>
         <p:spPr>
           <a:xfrm>
-            <a:off x="4195800" y="3993120"/>
-            <a:ext cx="322560" cy="363960"/>
+            <a:off x="7589520" y="1554480"/>
+            <a:ext cx="5057280" cy="6394680"/>
           </a:xfrm>
           <a:prstGeom prst="rect">
             <a:avLst/>
@@ -9773,25 +11399,1180 @@
         <p:txBody>
           <a:bodyPr lIns="90000" rIns="90000" tIns="45000" bIns="45000"/>
           <a:p>
-            <a:pPr>
-              <a:lnSpc>
-                <a:spcPct val="100000"/>
-              </a:lnSpc>
-            </a:pPr>
-            <a:r>
-              <a:rPr b="0" lang="en-US" sz="1800" spc="-1" strike="noStrike">
-                <a:solidFill>
-                  <a:srgbClr val="000000"/>
-                </a:solidFill>
-                <a:uFill>
-                  <a:solidFill>
-                    <a:srgbClr val="ffffff"/>
-                  </a:solidFill>
-                </a:uFill>
-                <a:latin typeface="Calibri"/>
-                <a:ea typeface="DejaVu Sans"/>
-              </a:rPr>
-              <a:t>-</a:t>
+            <a:r>
+              <a:rPr b="0" lang="en-US" sz="800" spc="-1" strike="noStrike">
+                <a:solidFill>
+                  <a:srgbClr val="000000"/>
+                </a:solidFill>
+                <a:uFill>
+                  <a:solidFill>
+                    <a:srgbClr val="ffffff"/>
+                  </a:solidFill>
+                </a:uFill>
+                <a:latin typeface="Liberation Mono;Courier New;Nimbus Mono L;DejaVu Sans Mono"/>
+              </a:rPr>
+              <a:t>['ygl071w', -0.2827893586264173, 0.1184170770537337, 11]</a:t>
+            </a:r>
+            <a:endParaRPr b="0" lang="en-US" sz="1800" spc="-1" strike="noStrike">
+              <a:solidFill>
+                <a:srgbClr val="000000"/>
+              </a:solidFill>
+              <a:uFill>
+                <a:solidFill>
+                  <a:srgbClr val="ffffff"/>
+                </a:solidFill>
+              </a:uFill>
+              <a:latin typeface="Arial"/>
+            </a:endParaRPr>
+          </a:p>
+          <a:p>
+            <a:r>
+              <a:rPr b="0" lang="en-US" sz="800" spc="-1" strike="noStrike">
+                <a:solidFill>
+                  <a:srgbClr val="000000"/>
+                </a:solidFill>
+                <a:uFill>
+                  <a:solidFill>
+                    <a:srgbClr val="ffffff"/>
+                  </a:solidFill>
+                </a:uFill>
+                <a:latin typeface="Liberation Mono;Courier New;Nimbus Mono L;DejaVu Sans Mono"/>
+              </a:rPr>
+              <a:t>['ylr256w', -0.1359459523864028, 0.08288902908418283, 29]</a:t>
+            </a:r>
+            <a:endParaRPr b="0" lang="en-US" sz="1800" spc="-1" strike="noStrike">
+              <a:solidFill>
+                <a:srgbClr val="000000"/>
+              </a:solidFill>
+              <a:uFill>
+                <a:solidFill>
+                  <a:srgbClr val="ffffff"/>
+                </a:solidFill>
+              </a:uFill>
+              <a:latin typeface="Arial"/>
+            </a:endParaRPr>
+          </a:p>
+          <a:p>
+            <a:r>
+              <a:rPr b="0" lang="en-US" sz="800" spc="-1" strike="noStrike">
+                <a:solidFill>
+                  <a:srgbClr val="000000"/>
+                </a:solidFill>
+                <a:uFill>
+                  <a:solidFill>
+                    <a:srgbClr val="ffffff"/>
+                  </a:solidFill>
+                </a:uFill>
+                <a:latin typeface="Liberation Mono;Courier New;Nimbus Mono L;DejaVu Sans Mono"/>
+              </a:rPr>
+              <a:t>['yhr124w', 0.09527626320911971, 0.05585866504561443, 14]</a:t>
+            </a:r>
+            <a:endParaRPr b="0" lang="en-US" sz="1800" spc="-1" strike="noStrike">
+              <a:solidFill>
+                <a:srgbClr val="000000"/>
+              </a:solidFill>
+              <a:uFill>
+                <a:solidFill>
+                  <a:srgbClr val="ffffff"/>
+                </a:solidFill>
+              </a:uFill>
+              <a:latin typeface="Arial"/>
+            </a:endParaRPr>
+          </a:p>
+          <a:p>
+            <a:r>
+              <a:rPr b="0" lang="en-US" sz="800" spc="-1" strike="noStrike">
+                <a:solidFill>
+                  <a:srgbClr val="000000"/>
+                </a:solidFill>
+                <a:uFill>
+                  <a:solidFill>
+                    <a:srgbClr val="ffffff"/>
+                  </a:solidFill>
+                </a:uFill>
+                <a:latin typeface="Liberation Mono;Courier New;Nimbus Mono L;DejaVu Sans Mono"/>
+              </a:rPr>
+              <a:t>['ylr403w', -0.08077035594625824, 0.043522619849904104, 30]</a:t>
+            </a:r>
+            <a:endParaRPr b="0" lang="en-US" sz="1800" spc="-1" strike="noStrike">
+              <a:solidFill>
+                <a:srgbClr val="000000"/>
+              </a:solidFill>
+              <a:uFill>
+                <a:solidFill>
+                  <a:srgbClr val="ffffff"/>
+                </a:solidFill>
+              </a:uFill>
+              <a:latin typeface="Arial"/>
+            </a:endParaRPr>
+          </a:p>
+          <a:p>
+            <a:r>
+              <a:rPr b="0" lang="en-US" sz="800" spc="-1" strike="noStrike">
+                <a:solidFill>
+                  <a:srgbClr val="000000"/>
+                </a:solidFill>
+                <a:uFill>
+                  <a:solidFill>
+                    <a:srgbClr val="ffffff"/>
+                  </a:solidFill>
+                </a:uFill>
+                <a:latin typeface="Liberation Mono;Courier New;Nimbus Mono L;DejaVu Sans Mono"/>
+              </a:rPr>
+              <a:t>['ydr034c', -0.07920698797748152, 0.09285870721160316, 4]</a:t>
+            </a:r>
+            <a:endParaRPr b="0" lang="en-US" sz="1800" spc="-1" strike="noStrike">
+              <a:solidFill>
+                <a:srgbClr val="000000"/>
+              </a:solidFill>
+              <a:uFill>
+                <a:solidFill>
+                  <a:srgbClr val="ffffff"/>
+                </a:solidFill>
+              </a:uFill>
+              <a:latin typeface="Arial"/>
+            </a:endParaRPr>
+          </a:p>
+          <a:p>
+            <a:r>
+              <a:rPr b="0" lang="en-US" sz="800" spc="-1" strike="noStrike">
+                <a:solidFill>
+                  <a:srgbClr val="000000"/>
+                </a:solidFill>
+                <a:uFill>
+                  <a:solidFill>
+                    <a:srgbClr val="ffffff"/>
+                  </a:solidFill>
+                </a:uFill>
+                <a:latin typeface="Liberation Mono;Courier New;Nimbus Mono L;DejaVu Sans Mono"/>
+              </a:rPr>
+              <a:t>['yel009c', 0.07046773823331606, 0.039910683931022664, 8]</a:t>
+            </a:r>
+            <a:endParaRPr b="0" lang="en-US" sz="1800" spc="-1" strike="noStrike">
+              <a:solidFill>
+                <a:srgbClr val="000000"/>
+              </a:solidFill>
+              <a:uFill>
+                <a:solidFill>
+                  <a:srgbClr val="ffffff"/>
+                </a:solidFill>
+              </a:uFill>
+              <a:latin typeface="Arial"/>
+            </a:endParaRPr>
+          </a:p>
+          <a:p>
+            <a:r>
+              <a:rPr b="0" lang="en-US" sz="800" spc="-1" strike="noStrike">
+                <a:solidFill>
+                  <a:srgbClr val="000000"/>
+                </a:solidFill>
+                <a:uFill>
+                  <a:solidFill>
+                    <a:srgbClr val="ffffff"/>
+                  </a:solidFill>
+                </a:uFill>
+                <a:latin typeface="Liberation Mono;Courier New;Nimbus Mono L;DejaVu Sans Mono"/>
+              </a:rPr>
+              <a:t>['yfr034c', 0.06530254089605043, 0.036972626768900514, 10]</a:t>
+            </a:r>
+            <a:endParaRPr b="0" lang="en-US" sz="1800" spc="-1" strike="noStrike">
+              <a:solidFill>
+                <a:srgbClr val="000000"/>
+              </a:solidFill>
+              <a:uFill>
+                <a:solidFill>
+                  <a:srgbClr val="ffffff"/>
+                </a:solidFill>
+              </a:uFill>
+              <a:latin typeface="Arial"/>
+            </a:endParaRPr>
+          </a:p>
+          <a:p>
+            <a:r>
+              <a:rPr b="0" lang="en-US" sz="800" spc="-1" strike="noStrike">
+                <a:solidFill>
+                  <a:srgbClr val="000000"/>
+                </a:solidFill>
+                <a:uFill>
+                  <a:solidFill>
+                    <a:srgbClr val="ffffff"/>
+                  </a:solidFill>
+                </a:uFill>
+                <a:latin typeface="Liberation Mono;Courier New;Nimbus Mono L;DejaVu Sans Mono"/>
+              </a:rPr>
+              <a:t>['ypl202c', 0.059568981351043715, 0.05420276645706867, 41]</a:t>
+            </a:r>
+            <a:endParaRPr b="0" lang="en-US" sz="1800" spc="-1" strike="noStrike">
+              <a:solidFill>
+                <a:srgbClr val="000000"/>
+              </a:solidFill>
+              <a:uFill>
+                <a:solidFill>
+                  <a:srgbClr val="ffffff"/>
+                </a:solidFill>
+              </a:uFill>
+              <a:latin typeface="Arial"/>
+            </a:endParaRPr>
+          </a:p>
+          <a:p>
+            <a:r>
+              <a:rPr b="0" lang="en-US" sz="800" spc="-1" strike="noStrike">
+                <a:solidFill>
+                  <a:srgbClr val="000000"/>
+                </a:solidFill>
+                <a:uFill>
+                  <a:solidFill>
+                    <a:srgbClr val="ffffff"/>
+                  </a:solidFill>
+                </a:uFill>
+                <a:latin typeface="Liberation Mono;Courier New;Nimbus Mono L;DejaVu Sans Mono"/>
+              </a:rPr>
+              <a:t>['yil101c', -0.04884971987256557, 0.027020303646247596, 16]</a:t>
+            </a:r>
+            <a:endParaRPr b="0" lang="en-US" sz="1800" spc="-1" strike="noStrike">
+              <a:solidFill>
+                <a:srgbClr val="000000"/>
+              </a:solidFill>
+              <a:uFill>
+                <a:solidFill>
+                  <a:srgbClr val="ffffff"/>
+                </a:solidFill>
+              </a:uFill>
+              <a:latin typeface="Arial"/>
+            </a:endParaRPr>
+          </a:p>
+          <a:p>
+            <a:r>
+              <a:rPr b="0" lang="en-US" sz="800" spc="-1" strike="noStrike">
+                <a:solidFill>
+                  <a:srgbClr val="000000"/>
+                </a:solidFill>
+                <a:uFill>
+                  <a:solidFill>
+                    <a:srgbClr val="ffffff"/>
+                  </a:solidFill>
+                </a:uFill>
+                <a:latin typeface="Liberation Mono;Courier New;Nimbus Mono L;DejaVu Sans Mono"/>
+              </a:rPr>
+              <a:t>['yhr178w', 0.047050220760802786, 0.09381679120249302, 15]</a:t>
+            </a:r>
+            <a:endParaRPr b="0" lang="en-US" sz="1800" spc="-1" strike="noStrike">
+              <a:solidFill>
+                <a:srgbClr val="000000"/>
+              </a:solidFill>
+              <a:uFill>
+                <a:solidFill>
+                  <a:srgbClr val="ffffff"/>
+                </a:solidFill>
+              </a:uFill>
+              <a:latin typeface="Arial"/>
+            </a:endParaRPr>
+          </a:p>
+          <a:p>
+            <a:r>
+              <a:rPr b="0" lang="en-US" sz="800" spc="-1" strike="noStrike">
+                <a:solidFill>
+                  <a:srgbClr val="000000"/>
+                </a:solidFill>
+                <a:uFill>
+                  <a:solidFill>
+                    <a:srgbClr val="ffffff"/>
+                  </a:solidFill>
+                </a:uFill>
+                <a:latin typeface="Liberation Mono;Courier New;Nimbus Mono L;DejaVu Sans Mono"/>
+              </a:rPr>
+              <a:t>['yor358w', 0.03376452729576598, 0.030722828002511946, 38]</a:t>
+            </a:r>
+            <a:endParaRPr b="0" lang="en-US" sz="1800" spc="-1" strike="noStrike">
+              <a:solidFill>
+                <a:srgbClr val="000000"/>
+              </a:solidFill>
+              <a:uFill>
+                <a:solidFill>
+                  <a:srgbClr val="ffffff"/>
+                </a:solidFill>
+              </a:uFill>
+              <a:latin typeface="Arial"/>
+            </a:endParaRPr>
+          </a:p>
+          <a:p>
+            <a:r>
+              <a:rPr b="0" lang="en-US" sz="800" spc="-1" strike="noStrike">
+                <a:solidFill>
+                  <a:srgbClr val="000000"/>
+                </a:solidFill>
+                <a:uFill>
+                  <a:solidFill>
+                    <a:srgbClr val="ffffff"/>
+                  </a:solidFill>
+                </a:uFill>
+                <a:latin typeface="Liberation Mono;Courier New;Nimbus Mono L;DejaVu Sans Mono"/>
+              </a:rPr>
+              <a:t>['ylr176c', 0.025424591524509085, 0.014905978453337809, 27]</a:t>
+            </a:r>
+            <a:endParaRPr b="0" lang="en-US" sz="1800" spc="-1" strike="noStrike">
+              <a:solidFill>
+                <a:srgbClr val="000000"/>
+              </a:solidFill>
+              <a:uFill>
+                <a:solidFill>
+                  <a:srgbClr val="ffffff"/>
+                </a:solidFill>
+              </a:uFill>
+              <a:latin typeface="Arial"/>
+            </a:endParaRPr>
+          </a:p>
+          <a:p>
+            <a:r>
+              <a:rPr b="0" lang="en-US" sz="800" spc="-1" strike="noStrike">
+                <a:solidFill>
+                  <a:srgbClr val="000000"/>
+                </a:solidFill>
+                <a:uFill>
+                  <a:solidFill>
+                    <a:srgbClr val="ffffff"/>
+                  </a:solidFill>
+                </a:uFill>
+                <a:latin typeface="Liberation Mono;Courier New;Nimbus Mono L;DejaVu Sans Mono"/>
+              </a:rPr>
+              <a:t>['ycr065w', 0.018764168095993947, 0.01142989388135822, 1]</a:t>
+            </a:r>
+            <a:endParaRPr b="0" lang="en-US" sz="1800" spc="-1" strike="noStrike">
+              <a:solidFill>
+                <a:srgbClr val="000000"/>
+              </a:solidFill>
+              <a:uFill>
+                <a:solidFill>
+                  <a:srgbClr val="ffffff"/>
+                </a:solidFill>
+              </a:uFill>
+              <a:latin typeface="Arial"/>
+            </a:endParaRPr>
+          </a:p>
+          <a:p>
+            <a:r>
+              <a:rPr b="0" lang="en-US" sz="800" spc="-1" strike="noStrike">
+                <a:solidFill>
+                  <a:srgbClr val="000000"/>
+                </a:solidFill>
+                <a:uFill>
+                  <a:solidFill>
+                    <a:srgbClr val="ffffff"/>
+                  </a:solidFill>
+                </a:uFill>
+                <a:latin typeface="Liberation Mono;Courier New;Nimbus Mono L;DejaVu Sans Mono"/>
+              </a:rPr>
+              <a:t>['ypr065w', 0.01314558081364963, 0.007598515804323389, 43]</a:t>
+            </a:r>
+            <a:endParaRPr b="0" lang="en-US" sz="1800" spc="-1" strike="noStrike">
+              <a:solidFill>
+                <a:srgbClr val="000000"/>
+              </a:solidFill>
+              <a:uFill>
+                <a:solidFill>
+                  <a:srgbClr val="ffffff"/>
+                </a:solidFill>
+              </a:uFill>
+              <a:latin typeface="Arial"/>
+            </a:endParaRPr>
+          </a:p>
+          <a:p>
+            <a:r>
+              <a:rPr b="0" lang="en-US" sz="800" spc="-1" strike="noStrike">
+                <a:solidFill>
+                  <a:srgbClr val="000000"/>
+                </a:solidFill>
+                <a:uFill>
+                  <a:solidFill>
+                    <a:srgbClr val="ffffff"/>
+                  </a:solidFill>
+                </a:uFill>
+                <a:latin typeface="Liberation Mono;Courier New;Nimbus Mono L;DejaVu Sans Mono"/>
+              </a:rPr>
+              <a:t>['yhr084w', -0.00930799608785878, 0.005148540104978729, 13]</a:t>
+            </a:r>
+            <a:endParaRPr b="0" lang="en-US" sz="1800" spc="-1" strike="noStrike">
+              <a:solidFill>
+                <a:srgbClr val="000000"/>
+              </a:solidFill>
+              <a:uFill>
+                <a:solidFill>
+                  <a:srgbClr val="ffffff"/>
+                </a:solidFill>
+              </a:uFill>
+              <a:latin typeface="Arial"/>
+            </a:endParaRPr>
+          </a:p>
+          <a:p>
+            <a:r>
+              <a:rPr b="0" lang="en-US" sz="800" spc="-1" strike="noStrike">
+                <a:solidFill>
+                  <a:srgbClr val="000000"/>
+                </a:solidFill>
+                <a:uFill>
+                  <a:solidFill>
+                    <a:srgbClr val="ffffff"/>
+                  </a:solidFill>
+                </a:uFill>
+                <a:latin typeface="Liberation Mono;Courier New;Nimbus Mono L;DejaVu Sans Mono"/>
+              </a:rPr>
+              <a:t>['ykl185w', -0.0038723194088667455, 0.030327510033780074, 24]</a:t>
+            </a:r>
+            <a:endParaRPr b="0" lang="en-US" sz="1800" spc="-1" strike="noStrike">
+              <a:solidFill>
+                <a:srgbClr val="000000"/>
+              </a:solidFill>
+              <a:uFill>
+                <a:solidFill>
+                  <a:srgbClr val="ffffff"/>
+                </a:solidFill>
+              </a:uFill>
+              <a:latin typeface="Arial"/>
+            </a:endParaRPr>
+          </a:p>
+          <a:p>
+            <a:r>
+              <a:rPr b="0" lang="en-US" sz="800" spc="-1" strike="noStrike">
+                <a:solidFill>
+                  <a:srgbClr val="000000"/>
+                </a:solidFill>
+                <a:uFill>
+                  <a:solidFill>
+                    <a:srgbClr val="ffffff"/>
+                  </a:solidFill>
+                </a:uFill>
+                <a:latin typeface="Liberation Mono;Courier New;Nimbus Mono L;DejaVu Sans Mono"/>
+              </a:rPr>
+              <a:t>['yjl056c', -0.0015295810963443209, 0.007308219912153549, 20]</a:t>
+            </a:r>
+            <a:endParaRPr b="0" lang="en-US" sz="1800" spc="-1" strike="noStrike">
+              <a:solidFill>
+                <a:srgbClr val="000000"/>
+              </a:solidFill>
+              <a:uFill>
+                <a:solidFill>
+                  <a:srgbClr val="ffffff"/>
+                </a:solidFill>
+              </a:uFill>
+              <a:latin typeface="Arial"/>
+            </a:endParaRPr>
+          </a:p>
+          <a:p>
+            <a:r>
+              <a:rPr b="0" lang="en-US" sz="800" spc="-1" strike="noStrike">
+                <a:solidFill>
+                  <a:srgbClr val="000000"/>
+                </a:solidFill>
+                <a:uFill>
+                  <a:solidFill>
+                    <a:srgbClr val="ffffff"/>
+                  </a:solidFill>
+                </a:uFill>
+                <a:latin typeface="Liberation Mono;Courier New;Nimbus Mono L;DejaVu Sans Mono"/>
+              </a:rPr>
+              <a:t>['yir013c', -0.0012710917927310037, 0.00807590831713581, 18]</a:t>
+            </a:r>
+            <a:endParaRPr b="0" lang="en-US" sz="1800" spc="-1" strike="noStrike">
+              <a:solidFill>
+                <a:srgbClr val="000000"/>
+              </a:solidFill>
+              <a:uFill>
+                <a:solidFill>
+                  <a:srgbClr val="ffffff"/>
+                </a:solidFill>
+              </a:uFill>
+              <a:latin typeface="Arial"/>
+            </a:endParaRPr>
+          </a:p>
+          <a:p>
+            <a:r>
+              <a:rPr b="0" lang="en-US" sz="800" spc="-1" strike="noStrike">
+                <a:solidFill>
+                  <a:srgbClr val="000000"/>
+                </a:solidFill>
+                <a:uFill>
+                  <a:solidFill>
+                    <a:srgbClr val="ffffff"/>
+                  </a:solidFill>
+                </a:uFill>
+                <a:latin typeface="Liberation Mono;Courier New;Nimbus Mono L;DejaVu Sans Mono"/>
+              </a:rPr>
+              <a:t>['ydl020c', -0.0005947542060147935, 0.0027870026157299746, 2]</a:t>
+            </a:r>
+            <a:endParaRPr b="0" lang="en-US" sz="1800" spc="-1" strike="noStrike">
+              <a:solidFill>
+                <a:srgbClr val="000000"/>
+              </a:solidFill>
+              <a:uFill>
+                <a:solidFill>
+                  <a:srgbClr val="ffffff"/>
+                </a:solidFill>
+              </a:uFill>
+              <a:latin typeface="Arial"/>
+            </a:endParaRPr>
+          </a:p>
+          <a:p>
+            <a:r>
+              <a:rPr b="0" lang="en-US" sz="800" spc="-1" strike="noStrike">
+                <a:solidFill>
+                  <a:srgbClr val="000000"/>
+                </a:solidFill>
+                <a:uFill>
+                  <a:solidFill>
+                    <a:srgbClr val="ffffff"/>
+                  </a:solidFill>
+                </a:uFill>
+                <a:latin typeface="Liberation Mono;Courier New;Nimbus Mono L;DejaVu Sans Mono"/>
+              </a:rPr>
+              <a:t>['ynl027w', 0.0002692636037558857, 0.0015699453980715775, 32]</a:t>
+            </a:r>
+            <a:endParaRPr b="0" lang="en-US" sz="1800" spc="-1" strike="noStrike">
+              <a:solidFill>
+                <a:srgbClr val="000000"/>
+              </a:solidFill>
+              <a:uFill>
+                <a:solidFill>
+                  <a:srgbClr val="ffffff"/>
+                </a:solidFill>
+              </a:uFill>
+              <a:latin typeface="Arial"/>
+            </a:endParaRPr>
+          </a:p>
+          <a:p>
+            <a:r>
+              <a:rPr b="0" lang="en-US" sz="800" spc="-1" strike="noStrike">
+                <a:solidFill>
+                  <a:srgbClr val="000000"/>
+                </a:solidFill>
+                <a:uFill>
+                  <a:solidFill>
+                    <a:srgbClr val="ffffff"/>
+                  </a:solidFill>
+                </a:uFill>
+                <a:latin typeface="Liberation Mono;Courier New;Nimbus Mono L;DejaVu Sans Mono"/>
+              </a:rPr>
+              <a:t>['ypl248c', -0.00010078040467249057, 0.003885143432725074, 42]</a:t>
+            </a:r>
+            <a:endParaRPr b="0" lang="en-US" sz="1800" spc="-1" strike="noStrike">
+              <a:solidFill>
+                <a:srgbClr val="000000"/>
+              </a:solidFill>
+              <a:uFill>
+                <a:solidFill>
+                  <a:srgbClr val="ffffff"/>
+                </a:solidFill>
+              </a:uFill>
+              <a:latin typeface="Arial"/>
+            </a:endParaRPr>
+          </a:p>
+          <a:p>
+            <a:r>
+              <a:rPr b="0" lang="en-US" sz="800" spc="-1" strike="noStrike">
+                <a:solidFill>
+                  <a:srgbClr val="000000"/>
+                </a:solidFill>
+                <a:uFill>
+                  <a:solidFill>
+                    <a:srgbClr val="ffffff"/>
+                  </a:solidFill>
+                </a:uFill>
+                <a:latin typeface="Liberation Mono;Courier New;Nimbus Mono L;DejaVu Sans Mono"/>
+              </a:rPr>
+              <a:t>['yjr060w', -5.975473153127122e-05, 0.00034413796622820915, 22]</a:t>
+            </a:r>
+            <a:endParaRPr b="0" lang="en-US" sz="1800" spc="-1" strike="noStrike">
+              <a:solidFill>
+                <a:srgbClr val="000000"/>
+              </a:solidFill>
+              <a:uFill>
+                <a:solidFill>
+                  <a:srgbClr val="ffffff"/>
+                </a:solidFill>
+              </a:uFill>
+              <a:latin typeface="Arial"/>
+            </a:endParaRPr>
+          </a:p>
+          <a:p>
+            <a:r>
+              <a:rPr b="0" lang="en-US" sz="800" spc="-1" strike="noStrike">
+                <a:solidFill>
+                  <a:srgbClr val="000000"/>
+                </a:solidFill>
+                <a:uFill>
+                  <a:solidFill>
+                    <a:srgbClr val="ffffff"/>
+                  </a:solidFill>
+                </a:uFill>
+                <a:latin typeface="Liberation Mono;Courier New;Nimbus Mono L;DejaVu Sans Mono"/>
+              </a:rPr>
+              <a:t>['yol108c', -3.172591122865116e-05, 0.0010471797266919027, 36]</a:t>
+            </a:r>
+            <a:endParaRPr b="0" lang="en-US" sz="1800" spc="-1" strike="noStrike">
+              <a:solidFill>
+                <a:srgbClr val="000000"/>
+              </a:solidFill>
+              <a:uFill>
+                <a:solidFill>
+                  <a:srgbClr val="ffffff"/>
+                </a:solidFill>
+              </a:uFill>
+              <a:latin typeface="Arial"/>
+            </a:endParaRPr>
+          </a:p>
+          <a:p>
+            <a:r>
+              <a:rPr b="0" lang="en-US" sz="800" spc="-1" strike="noStrike">
+                <a:solidFill>
+                  <a:srgbClr val="000000"/>
+                </a:solidFill>
+                <a:uFill>
+                  <a:solidFill>
+                    <a:srgbClr val="ffffff"/>
+                  </a:solidFill>
+                </a:uFill>
+                <a:latin typeface="Liberation Mono;Courier New;Nimbus Mono L;DejaVu Sans Mono"/>
+              </a:rPr>
+              <a:t>['ydr146c', 2.0955162618025845e-05, 0.00012235314109573358, 5]</a:t>
+            </a:r>
+            <a:endParaRPr b="0" lang="en-US" sz="1800" spc="-1" strike="noStrike">
+              <a:solidFill>
+                <a:srgbClr val="000000"/>
+              </a:solidFill>
+              <a:uFill>
+                <a:solidFill>
+                  <a:srgbClr val="ffffff"/>
+                </a:solidFill>
+              </a:uFill>
+              <a:latin typeface="Arial"/>
+            </a:endParaRPr>
+          </a:p>
+          <a:p>
+            <a:r>
+              <a:rPr b="0" lang="en-US" sz="800" spc="-1" strike="noStrike">
+                <a:solidFill>
+                  <a:srgbClr val="000000"/>
+                </a:solidFill>
+                <a:uFill>
+                  <a:solidFill>
+                    <a:srgbClr val="ffffff"/>
+                  </a:solidFill>
+                </a:uFill>
+                <a:latin typeface="Liberation Mono;Courier New;Nimbus Mono L;DejaVu Sans Mono"/>
+              </a:rPr>
+              <a:t>['ykr034w', 6.850504367181584e-06, 4.0208400416135896e-05, 25]</a:t>
+            </a:r>
+            <a:endParaRPr b="0" lang="en-US" sz="1800" spc="-1" strike="noStrike">
+              <a:solidFill>
+                <a:srgbClr val="000000"/>
+              </a:solidFill>
+              <a:uFill>
+                <a:solidFill>
+                  <a:srgbClr val="ffffff"/>
+                </a:solidFill>
+              </a:uFill>
+              <a:latin typeface="Arial"/>
+            </a:endParaRPr>
+          </a:p>
+          <a:p>
+            <a:r>
+              <a:rPr b="0" lang="en-US" sz="800" spc="-1" strike="noStrike">
+                <a:solidFill>
+                  <a:srgbClr val="000000"/>
+                </a:solidFill>
+                <a:uFill>
+                  <a:solidFill>
+                    <a:srgbClr val="ffffff"/>
+                  </a:solidFill>
+                </a:uFill>
+                <a:latin typeface="Liberation Mono;Courier New;Nimbus Mono L;DejaVu Sans Mono"/>
+              </a:rPr>
+              <a:t>['ylr013w', -4.032272648959151e-06, 2.722134036899052e-06, 26]</a:t>
+            </a:r>
+            <a:endParaRPr b="0" lang="en-US" sz="1800" spc="-1" strike="noStrike">
+              <a:solidFill>
+                <a:srgbClr val="000000"/>
+              </a:solidFill>
+              <a:uFill>
+                <a:solidFill>
+                  <a:srgbClr val="ffffff"/>
+                </a:solidFill>
+              </a:uFill>
+              <a:latin typeface="Arial"/>
+            </a:endParaRPr>
+          </a:p>
+          <a:p>
+            <a:r>
+              <a:rPr b="0" lang="en-US" sz="800" spc="-1" strike="noStrike">
+                <a:solidFill>
+                  <a:srgbClr val="000000"/>
+                </a:solidFill>
+                <a:uFill>
+                  <a:solidFill>
+                    <a:srgbClr val="ffffff"/>
+                  </a:solidFill>
+                </a:uFill>
+                <a:latin typeface="Liberation Mono;Courier New;Nimbus Mono L;DejaVu Sans Mono"/>
+              </a:rPr>
+              <a:t>['yir017c', -1.035542983190813e-06, 1.8323306376090466e-06, 19]</a:t>
+            </a:r>
+            <a:endParaRPr b="0" lang="en-US" sz="1800" spc="-1" strike="noStrike">
+              <a:solidFill>
+                <a:srgbClr val="000000"/>
+              </a:solidFill>
+              <a:uFill>
+                <a:solidFill>
+                  <a:srgbClr val="ffffff"/>
+                </a:solidFill>
+              </a:uFill>
+              <a:latin typeface="Arial"/>
+            </a:endParaRPr>
+          </a:p>
+          <a:p>
+            <a:r>
+              <a:rPr b="0" lang="en-US" sz="800" spc="-1" strike="noStrike">
+                <a:solidFill>
+                  <a:srgbClr val="000000"/>
+                </a:solidFill>
+                <a:uFill>
+                  <a:solidFill>
+                    <a:srgbClr val="ffffff"/>
+                  </a:solidFill>
+                </a:uFill>
+                <a:latin typeface="Liberation Mono;Courier New;Nimbus Mono L;DejaVu Sans Mono"/>
+              </a:rPr>
+              <a:t>['ypl177c', 4.2103537928817584e-07, 9.270388009182667e-07, 40]</a:t>
+            </a:r>
+            <a:endParaRPr b="0" lang="en-US" sz="1800" spc="-1" strike="noStrike">
+              <a:solidFill>
+                <a:srgbClr val="000000"/>
+              </a:solidFill>
+              <a:uFill>
+                <a:solidFill>
+                  <a:srgbClr val="ffffff"/>
+                </a:solidFill>
+              </a:uFill>
+              <a:latin typeface="Arial"/>
+            </a:endParaRPr>
+          </a:p>
+          <a:p>
+            <a:r>
+              <a:rPr b="0" lang="en-US" sz="800" spc="-1" strike="noStrike">
+                <a:solidFill>
+                  <a:srgbClr val="000000"/>
+                </a:solidFill>
+                <a:uFill>
+                  <a:solidFill>
+                    <a:srgbClr val="ffffff"/>
+                  </a:solidFill>
+                </a:uFill>
+                <a:latin typeface="Liberation Mono;Courier New;Nimbus Mono L;DejaVu Sans Mono"/>
+              </a:rPr>
+              <a:t>['yor337w', 2.401480181585187e-07, 2.63481437808055e-07, 37]</a:t>
+            </a:r>
+            <a:endParaRPr b="0" lang="en-US" sz="1800" spc="-1" strike="noStrike">
+              <a:solidFill>
+                <a:srgbClr val="000000"/>
+              </a:solidFill>
+              <a:uFill>
+                <a:solidFill>
+                  <a:srgbClr val="ffffff"/>
+                </a:solidFill>
+              </a:uFill>
+              <a:latin typeface="Arial"/>
+            </a:endParaRPr>
+          </a:p>
+          <a:p>
+            <a:r>
+              <a:rPr b="0" lang="en-US" sz="800" spc="-1" strike="noStrike">
+                <a:solidFill>
+                  <a:srgbClr val="000000"/>
+                </a:solidFill>
+                <a:uFill>
+                  <a:solidFill>
+                    <a:srgbClr val="ffffff"/>
+                  </a:solidFill>
+                </a:uFill>
+                <a:latin typeface="Liberation Mono;Courier New;Nimbus Mono L;DejaVu Sans Mono"/>
+              </a:rPr>
+              <a:t>['ypl139c', 1.8023497041120898e-07, 2.916680304652341e-07, 39]</a:t>
+            </a:r>
+            <a:endParaRPr b="0" lang="en-US" sz="1800" spc="-1" strike="noStrike">
+              <a:solidFill>
+                <a:srgbClr val="000000"/>
+              </a:solidFill>
+              <a:uFill>
+                <a:solidFill>
+                  <a:srgbClr val="ffffff"/>
+                </a:solidFill>
+              </a:uFill>
+              <a:latin typeface="Arial"/>
+            </a:endParaRPr>
+          </a:p>
+          <a:p>
+            <a:r>
+              <a:rPr b="0" lang="en-US" sz="800" spc="-1" strike="noStrike">
+                <a:solidFill>
+                  <a:srgbClr val="000000"/>
+                </a:solidFill>
+                <a:uFill>
+                  <a:solidFill>
+                    <a:srgbClr val="ffffff"/>
+                  </a:solidFill>
+                </a:uFill>
+                <a:latin typeface="Liberation Mono;Courier New;Nimbus Mono L;DejaVu Sans Mono"/>
+              </a:rPr>
+              <a:t>['ylr228c', -1.6046094552474608e-07, 1.545450453780826e-07, 28]</a:t>
+            </a:r>
+            <a:endParaRPr b="0" lang="en-US" sz="1800" spc="-1" strike="noStrike">
+              <a:solidFill>
+                <a:srgbClr val="000000"/>
+              </a:solidFill>
+              <a:uFill>
+                <a:solidFill>
+                  <a:srgbClr val="ffffff"/>
+                </a:solidFill>
+              </a:uFill>
+              <a:latin typeface="Arial"/>
+            </a:endParaRPr>
+          </a:p>
+          <a:p>
+            <a:r>
+              <a:rPr b="0" lang="en-US" sz="800" spc="-1" strike="noStrike">
+                <a:solidFill>
+                  <a:srgbClr val="000000"/>
+                </a:solidFill>
+                <a:uFill>
+                  <a:solidFill>
+                    <a:srgbClr val="ffffff"/>
+                  </a:solidFill>
+                </a:uFill>
+                <a:latin typeface="Liberation Mono;Courier New;Nimbus Mono L;DejaVu Sans Mono"/>
+              </a:rPr>
+              <a:t>['yjl110c', -9.862627505181481e-08, 9.801960751348079e-08, 21]</a:t>
+            </a:r>
+            <a:endParaRPr b="0" lang="en-US" sz="1800" spc="-1" strike="noStrike">
+              <a:solidFill>
+                <a:srgbClr val="000000"/>
+              </a:solidFill>
+              <a:uFill>
+                <a:solidFill>
+                  <a:srgbClr val="ffffff"/>
+                </a:solidFill>
+              </a:uFill>
+              <a:latin typeface="Arial"/>
+            </a:endParaRPr>
+          </a:p>
+          <a:p>
+            <a:r>
+              <a:rPr b="0" lang="en-US" sz="800" spc="-1" strike="noStrike">
+                <a:solidFill>
+                  <a:srgbClr val="000000"/>
+                </a:solidFill>
+                <a:uFill>
+                  <a:solidFill>
+                    <a:srgbClr val="ffffff"/>
+                  </a:solidFill>
+                </a:uFill>
+                <a:latin typeface="Liberation Mono;Courier New;Nimbus Mono L;DejaVu Sans Mono"/>
+              </a:rPr>
+              <a:t>['ykl109w', 8.874376059235167e-08, 2.0079472167328144e-07, 23]</a:t>
+            </a:r>
+            <a:endParaRPr b="0" lang="en-US" sz="1800" spc="-1" strike="noStrike">
+              <a:solidFill>
+                <a:srgbClr val="000000"/>
+              </a:solidFill>
+              <a:uFill>
+                <a:solidFill>
+                  <a:srgbClr val="ffffff"/>
+                </a:solidFill>
+              </a:uFill>
+              <a:latin typeface="Arial"/>
+            </a:endParaRPr>
+          </a:p>
+          <a:p>
+            <a:r>
+              <a:rPr b="0" lang="en-US" sz="800" spc="-1" strike="noStrike">
+                <a:solidFill>
+                  <a:srgbClr val="000000"/>
+                </a:solidFill>
+                <a:uFill>
+                  <a:solidFill>
+                    <a:srgbClr val="ffffff"/>
+                  </a:solidFill>
+                </a:uFill>
+                <a:latin typeface="Liberation Mono;Courier New;Nimbus Mono L;DejaVu Sans Mono"/>
+              </a:rPr>
+              <a:t>['ynl199c', -7.680466577100284e-08, 1.0626073238797125e-07, 35]</a:t>
+            </a:r>
+            <a:endParaRPr b="0" lang="en-US" sz="1800" spc="-1" strike="noStrike">
+              <a:solidFill>
+                <a:srgbClr val="000000"/>
+              </a:solidFill>
+              <a:uFill>
+                <a:solidFill>
+                  <a:srgbClr val="ffffff"/>
+                </a:solidFill>
+              </a:uFill>
+              <a:latin typeface="Arial"/>
+            </a:endParaRPr>
+          </a:p>
+          <a:p>
+            <a:r>
+              <a:rPr b="0" lang="en-US" sz="800" spc="-1" strike="noStrike">
+                <a:solidFill>
+                  <a:srgbClr val="000000"/>
+                </a:solidFill>
+                <a:uFill>
+                  <a:solidFill>
+                    <a:srgbClr val="ffffff"/>
+                  </a:solidFill>
+                </a:uFill>
+                <a:latin typeface="Liberation Mono;Courier New;Nimbus Mono L;DejaVu Sans Mono"/>
+              </a:rPr>
+              <a:t>['ynl167c', 7.05835850667698e-08, 2.784907044382303e-07, 34]</a:t>
+            </a:r>
+            <a:endParaRPr b="0" lang="en-US" sz="1800" spc="-1" strike="noStrike">
+              <a:solidFill>
+                <a:srgbClr val="000000"/>
+              </a:solidFill>
+              <a:uFill>
+                <a:solidFill>
+                  <a:srgbClr val="ffffff"/>
+                </a:solidFill>
+              </a:uFill>
+              <a:latin typeface="Arial"/>
+            </a:endParaRPr>
+          </a:p>
+          <a:p>
+            <a:r>
+              <a:rPr b="0" lang="en-US" sz="800" spc="-1" strike="noStrike">
+                <a:solidFill>
+                  <a:srgbClr val="000000"/>
+                </a:solidFill>
+                <a:uFill>
+                  <a:solidFill>
+                    <a:srgbClr val="ffffff"/>
+                  </a:solidFill>
+                </a:uFill>
+                <a:latin typeface="Liberation Mono;Courier New;Nimbus Mono L;DejaVu Sans Mono"/>
+              </a:rPr>
+              <a:t>['yal051w', 5.910539004622364e-08, 2.9806877980379577e-07, 0]</a:t>
+            </a:r>
+            <a:endParaRPr b="0" lang="en-US" sz="1800" spc="-1" strike="noStrike">
+              <a:solidFill>
+                <a:srgbClr val="000000"/>
+              </a:solidFill>
+              <a:uFill>
+                <a:solidFill>
+                  <a:srgbClr val="ffffff"/>
+                </a:solidFill>
+              </a:uFill>
+              <a:latin typeface="Arial"/>
+            </a:endParaRPr>
+          </a:p>
+          <a:p>
+            <a:r>
+              <a:rPr b="0" lang="en-US" sz="800" spc="-1" strike="noStrike">
+                <a:solidFill>
+                  <a:srgbClr val="000000"/>
+                </a:solidFill>
+                <a:uFill>
+                  <a:solidFill>
+                    <a:srgbClr val="ffffff"/>
+                  </a:solidFill>
+                </a:uFill>
+                <a:latin typeface="Liberation Mono;Courier New;Nimbus Mono L;DejaVu Sans Mono"/>
+              </a:rPr>
+              <a:t>['yil131c', 5.692998184048697e-08, 2.4293756843421873e-07, 17]</a:t>
+            </a:r>
+            <a:endParaRPr b="0" lang="en-US" sz="1800" spc="-1" strike="noStrike">
+              <a:solidFill>
+                <a:srgbClr val="000000"/>
+              </a:solidFill>
+              <a:uFill>
+                <a:solidFill>
+                  <a:srgbClr val="ffffff"/>
+                </a:solidFill>
+              </a:uFill>
+              <a:latin typeface="Arial"/>
+            </a:endParaRPr>
+          </a:p>
+          <a:p>
+            <a:r>
+              <a:rPr b="0" lang="en-US" sz="800" spc="-1" strike="noStrike">
+                <a:solidFill>
+                  <a:srgbClr val="000000"/>
+                </a:solidFill>
+                <a:uFill>
+                  <a:solidFill>
+                    <a:srgbClr val="ffffff"/>
+                  </a:solidFill>
+                </a:uFill>
+                <a:latin typeface="Liberation Mono;Courier New;Nimbus Mono L;DejaVu Sans Mono"/>
+              </a:rPr>
+              <a:t>['ydr213w', -2.8481691996355483e-08, 1.500995117516297e-07, 6]</a:t>
+            </a:r>
+            <a:endParaRPr b="0" lang="en-US" sz="1800" spc="-1" strike="noStrike">
+              <a:solidFill>
+                <a:srgbClr val="000000"/>
+              </a:solidFill>
+              <a:uFill>
+                <a:solidFill>
+                  <a:srgbClr val="ffffff"/>
+                </a:solidFill>
+              </a:uFill>
+              <a:latin typeface="Arial"/>
+            </a:endParaRPr>
+          </a:p>
+          <a:p>
+            <a:r>
+              <a:rPr b="0" lang="en-US" sz="800" spc="-1" strike="noStrike">
+                <a:solidFill>
+                  <a:srgbClr val="000000"/>
+                </a:solidFill>
+                <a:uFill>
+                  <a:solidFill>
+                    <a:srgbClr val="ffffff"/>
+                  </a:solidFill>
+                </a:uFill>
+                <a:latin typeface="Liberation Mono;Courier New;Nimbus Mono L;DejaVu Sans Mono"/>
+              </a:rPr>
+              <a:t>['ynl068c', -2.7158832547981055e-08, 2.0916763187094196e-07, 33]</a:t>
+            </a:r>
+            <a:endParaRPr b="0" lang="en-US" sz="1800" spc="-1" strike="noStrike">
+              <a:solidFill>
+                <a:srgbClr val="000000"/>
+              </a:solidFill>
+              <a:uFill>
+                <a:solidFill>
+                  <a:srgbClr val="ffffff"/>
+                </a:solidFill>
+              </a:uFill>
+              <a:latin typeface="Arial"/>
+            </a:endParaRPr>
+          </a:p>
+          <a:p>
+            <a:r>
+              <a:rPr b="0" lang="en-US" sz="800" spc="-1" strike="noStrike">
+                <a:solidFill>
+                  <a:srgbClr val="000000"/>
+                </a:solidFill>
+                <a:uFill>
+                  <a:solidFill>
+                    <a:srgbClr val="ffffff"/>
+                  </a:solidFill>
+                </a:uFill>
+                <a:latin typeface="Liberation Mono;Courier New;Nimbus Mono L;DejaVu Sans Mono"/>
+              </a:rPr>
+              <a:t>['yfl031w', -1.8773512443337508e-08, 2.4545657234874817e-07, 9]</a:t>
+            </a:r>
+            <a:endParaRPr b="0" lang="en-US" sz="1800" spc="-1" strike="noStrike">
+              <a:solidFill>
+                <a:srgbClr val="000000"/>
+              </a:solidFill>
+              <a:uFill>
+                <a:solidFill>
+                  <a:srgbClr val="ffffff"/>
+                </a:solidFill>
+              </a:uFill>
+              <a:latin typeface="Arial"/>
+            </a:endParaRPr>
+          </a:p>
+          <a:p>
+            <a:r>
+              <a:rPr b="0" lang="en-US" sz="800" spc="-1" strike="noStrike">
+                <a:solidFill>
+                  <a:srgbClr val="000000"/>
+                </a:solidFill>
+                <a:uFill>
+                  <a:solidFill>
+                    <a:srgbClr val="ffffff"/>
+                  </a:solidFill>
+                </a:uFill>
+                <a:latin typeface="Liberation Mono;Courier New;Nimbus Mono L;DejaVu Sans Mono"/>
+              </a:rPr>
+              <a:t>['yml007w', 1.4884295225762013e-08, 1.7525701757978804e-07, 31]</a:t>
+            </a:r>
+            <a:endParaRPr b="0" lang="en-US" sz="1800" spc="-1" strike="noStrike">
+              <a:solidFill>
+                <a:srgbClr val="000000"/>
+              </a:solidFill>
+              <a:uFill>
+                <a:solidFill>
+                  <a:srgbClr val="ffffff"/>
+                </a:solidFill>
+              </a:uFill>
+              <a:latin typeface="Arial"/>
+            </a:endParaRPr>
+          </a:p>
+          <a:p>
+            <a:r>
+              <a:rPr b="0" lang="en-US" sz="800" spc="-1" strike="noStrike">
+                <a:solidFill>
+                  <a:srgbClr val="000000"/>
+                </a:solidFill>
+                <a:uFill>
+                  <a:solidFill>
+                    <a:srgbClr val="ffffff"/>
+                  </a:solidFill>
+                </a:uFill>
+                <a:latin typeface="Liberation Mono;Courier New;Nimbus Mono L;DejaVu Sans Mono"/>
+              </a:rPr>
+              <a:t>['ydl106c', -1.0478694683235029e-08, 1.211736695745559e-07, 3]</a:t>
+            </a:r>
+            <a:endParaRPr b="0" lang="en-US" sz="1800" spc="-1" strike="noStrike">
+              <a:solidFill>
+                <a:srgbClr val="000000"/>
+              </a:solidFill>
+              <a:uFill>
+                <a:solidFill>
+                  <a:srgbClr val="ffffff"/>
+                </a:solidFill>
+              </a:uFill>
+              <a:latin typeface="Arial"/>
+            </a:endParaRPr>
+          </a:p>
+          <a:p>
+            <a:r>
+              <a:rPr b="0" lang="en-US" sz="800" spc="-1" strike="noStrike">
+                <a:solidFill>
+                  <a:srgbClr val="000000"/>
+                </a:solidFill>
+                <a:uFill>
+                  <a:solidFill>
+                    <a:srgbClr val="ffffff"/>
+                  </a:solidFill>
+                </a:uFill>
+                <a:latin typeface="Liberation Mono;Courier New;Nimbus Mono L;DejaVu Sans Mono"/>
+              </a:rPr>
+              <a:t>['yhl020c', -3.923470744960547e-09, 1.8381069411138267e-07, 12]</a:t>
+            </a:r>
+            <a:endParaRPr b="0" lang="en-US" sz="1800" spc="-1" strike="noStrike">
+              <a:solidFill>
+                <a:srgbClr val="000000"/>
+              </a:solidFill>
+              <a:uFill>
+                <a:solidFill>
+                  <a:srgbClr val="ffffff"/>
+                </a:solidFill>
+              </a:uFill>
+              <a:latin typeface="Arial"/>
+            </a:endParaRPr>
+          </a:p>
+          <a:p>
+            <a:r>
+              <a:rPr b="0" lang="en-US" sz="800" spc="-1" strike="noStrike">
+                <a:solidFill>
+                  <a:srgbClr val="000000"/>
+                </a:solidFill>
+                <a:uFill>
+                  <a:solidFill>
+                    <a:srgbClr val="ffffff"/>
+                  </a:solidFill>
+                </a:uFill>
+                <a:latin typeface="Liberation Mono;Courier New;Nimbus Mono L;DejaVu Sans Mono"/>
+              </a:rPr>
+              <a:t>['ydr310c', 1.0216186995227842e-09, 2.1162461379766026e-07, 7]</a:t>
             </a:r>
             <a:endParaRPr b="0" lang="en-US" sz="1800" spc="-1" strike="noStrike">
               <a:solidFill>
@@ -9809,14 +12590,14 @@
       </p:sp>
       <p:sp>
         <p:nvSpPr>
-          <p:cNvPr id="125" name="CustomShape 3"/>
+          <p:cNvPr id="130" name="CustomShape 4"/>
           <p:cNvSpPr/>
           <p:nvPr/>
         </p:nvSpPr>
         <p:spPr>
           <a:xfrm>
-            <a:off x="7840440" y="3925800"/>
-            <a:ext cx="322560" cy="363960"/>
+            <a:off x="7589520" y="1280160"/>
+            <a:ext cx="4602240" cy="489600"/>
           </a:xfrm>
           <a:prstGeom prst="rect">
             <a:avLst/>
@@ -9835,25 +12616,47 @@
         <p:txBody>
           <a:bodyPr lIns="90000" rIns="90000" tIns="45000" bIns="45000"/>
           <a:p>
-            <a:pPr>
-              <a:lnSpc>
-                <a:spcPct val="100000"/>
-              </a:lnSpc>
-            </a:pPr>
-            <a:r>
-              <a:rPr b="0" lang="en-US" sz="1800" spc="-1" strike="noStrike">
-                <a:solidFill>
-                  <a:srgbClr val="000000"/>
-                </a:solidFill>
-                <a:uFill>
-                  <a:solidFill>
-                    <a:srgbClr val="ffffff"/>
-                  </a:solidFill>
-                </a:uFill>
-                <a:latin typeface="Calibri"/>
-                <a:ea typeface="DejaVu Sans"/>
-              </a:rPr>
-              <a:t>=</a:t>
+            <a:r>
+              <a:rPr b="0" lang="en-US" sz="1400" spc="-1" strike="noStrike">
+                <a:solidFill>
+                  <a:srgbClr val="000000"/>
+                </a:solidFill>
+                <a:uFill>
+                  <a:solidFill>
+                    <a:srgbClr val="ffffff"/>
+                  </a:solidFill>
+                </a:uFill>
+                <a:latin typeface="Arial"/>
+              </a:rPr>
+              <a:t>TF,   Mean Difference,</a:t>
+            </a:r>
+            <a:r>
+              <a:rPr b="0" lang="en-US" sz="1400" spc="-1" strike="noStrike">
+                <a:solidFill>
+                  <a:srgbClr val="000000"/>
+                </a:solidFill>
+                <a:uFill>
+                  <a:solidFill>
+                    <a:srgbClr val="ffffff"/>
+                  </a:solidFill>
+                </a:uFill>
+                <a:latin typeface="Arial"/>
+              </a:rPr>
+              <a:t>	</a:t>
+            </a:r>
+            <a:r>
+              <a:rPr b="0" lang="en-US" sz="1400" spc="-1" strike="noStrike">
+                <a:solidFill>
+                  <a:srgbClr val="000000"/>
+                </a:solidFill>
+                <a:uFill>
+                  <a:solidFill>
+                    <a:srgbClr val="ffffff"/>
+                  </a:solidFill>
+                </a:uFill>
+                <a:latin typeface="Arial"/>
+              </a:rPr>
+              <a:t>  Std Difference,    row #</a:t>
             </a:r>
             <a:endParaRPr b="0" lang="en-US" sz="1800" spc="-1" strike="noStrike">
               <a:solidFill>
@@ -9920,18 +12723,19 @@
       </p:grpSpPr>
       <p:pic>
         <p:nvPicPr>
-          <p:cNvPr id="126" name="" descr=""/>
+          <p:cNvPr id="131" name="Picture 3" descr=""/>
           <p:cNvPicPr/>
           <p:nvPr/>
         </p:nvPicPr>
         <p:blipFill>
           <a:blip r:embed="rId1"/>
+          <a:srcRect l="0" t="0" r="0" b="2124"/>
           <a:stretch/>
         </p:blipFill>
         <p:spPr>
           <a:xfrm>
-            <a:off x="219960" y="914400"/>
-            <a:ext cx="6180120" cy="4754160"/>
+            <a:off x="190440" y="922680"/>
+            <a:ext cx="6653160" cy="4830120"/>
           </a:xfrm>
           <a:prstGeom prst="rect">
             <a:avLst/>
@@ -9941,20 +12745,83 @@
           </a:ln>
         </p:spPr>
       </p:pic>
+      <p:sp>
+        <p:nvSpPr>
+          <p:cNvPr id="132" name="CustomShape 1"/>
+          <p:cNvSpPr/>
+          <p:nvPr/>
+        </p:nvSpPr>
+        <p:spPr>
+          <a:xfrm>
+            <a:off x="76680" y="6253920"/>
+            <a:ext cx="2086200" cy="363240"/>
+          </a:xfrm>
+          <a:prstGeom prst="rect">
+            <a:avLst/>
+          </a:prstGeom>
+          <a:noFill/>
+          <a:ln>
+            <a:noFill/>
+          </a:ln>
+        </p:spPr>
+        <p:style>
+          <a:lnRef idx="0"/>
+          <a:fillRef idx="0"/>
+          <a:effectRef idx="0"/>
+          <a:fontRef idx="minor"/>
+        </p:style>
+        <p:txBody>
+          <a:bodyPr wrap="none" lIns="90000" rIns="90000" tIns="45000" bIns="45000"/>
+          <a:p>
+            <a:pPr>
+              <a:lnSpc>
+                <a:spcPct val="100000"/>
+              </a:lnSpc>
+            </a:pPr>
+            <a:r>
+              <a:rPr b="0" lang="en-US" sz="1800" spc="-1" strike="noStrike">
+                <a:solidFill>
+                  <a:srgbClr val="000000"/>
+                </a:solidFill>
+                <a:uFill>
+                  <a:solidFill>
+                    <a:srgbClr val="ffffff"/>
+                  </a:solidFill>
+                </a:uFill>
+                <a:latin typeface="Calibri"/>
+                <a:ea typeface="DejaVu Sans"/>
+              </a:rPr>
+              <a:t>(ALOLYAN, 2011)</a:t>
+            </a:r>
+            <a:endParaRPr b="0" lang="en-US" sz="1800" spc="-1" strike="noStrike">
+              <a:solidFill>
+                <a:srgbClr val="000000"/>
+              </a:solidFill>
+              <a:uFill>
+                <a:solidFill>
+                  <a:srgbClr val="ffffff"/>
+                </a:solidFill>
+              </a:uFill>
+              <a:latin typeface="Arial"/>
+            </a:endParaRPr>
+          </a:p>
+        </p:txBody>
+      </p:sp>
       <p:pic>
         <p:nvPicPr>
-          <p:cNvPr id="127" name="" descr=""/>
+          <p:cNvPr id="133" name="Picture 4" descr=""/>
           <p:cNvPicPr/>
           <p:nvPr/>
         </p:nvPicPr>
         <p:blipFill>
           <a:blip r:embed="rId2"/>
+          <a:srcRect l="3842" t="0" r="1755" b="0"/>
           <a:stretch/>
         </p:blipFill>
         <p:spPr>
           <a:xfrm>
-            <a:off x="4663440" y="957960"/>
-            <a:ext cx="6098760" cy="4710600"/>
+            <a:off x="7634160" y="491400"/>
+            <a:ext cx="3612960" cy="3255840"/>
           </a:xfrm>
           <a:prstGeom prst="rect">
             <a:avLst/>
@@ -9964,6 +12831,215 @@
           </a:ln>
         </p:spPr>
       </p:pic>
+      <p:sp>
+        <p:nvSpPr>
+          <p:cNvPr id="134" name="CustomShape 2"/>
+          <p:cNvSpPr/>
+          <p:nvPr/>
+        </p:nvSpPr>
+        <p:spPr>
+          <a:xfrm rot="16200000">
+            <a:off x="6814080" y="1777320"/>
+            <a:ext cx="1365480" cy="248760"/>
+          </a:xfrm>
+          <a:prstGeom prst="rect">
+            <a:avLst/>
+          </a:prstGeom>
+          <a:noFill/>
+          <a:ln>
+            <a:noFill/>
+          </a:ln>
+        </p:spPr>
+        <p:style>
+          <a:lnRef idx="0"/>
+          <a:fillRef idx="0"/>
+          <a:effectRef idx="0"/>
+          <a:fontRef idx="minor"/>
+        </p:style>
+        <p:txBody>
+          <a:bodyPr lIns="90000" rIns="90000" tIns="45000" bIns="45000"/>
+          <a:p>
+            <a:pPr>
+              <a:lnSpc>
+                <a:spcPct val="100000"/>
+              </a:lnSpc>
+            </a:pPr>
+            <a:r>
+              <a:rPr b="0" lang="en-US" sz="1050" spc="-1" strike="noStrike">
+                <a:solidFill>
+                  <a:srgbClr val="000000"/>
+                </a:solidFill>
+                <a:uFill>
+                  <a:solidFill>
+                    <a:srgbClr val="ffffff"/>
+                  </a:solidFill>
+                </a:uFill>
+                <a:latin typeface="Calibri"/>
+                <a:ea typeface="DejaVu Sans"/>
+              </a:rPr>
+              <a:t>|µ(M,WT)|</a:t>
+            </a:r>
+            <a:endParaRPr b="0" lang="en-US" sz="1800" spc="-1" strike="noStrike">
+              <a:solidFill>
+                <a:srgbClr val="000000"/>
+              </a:solidFill>
+              <a:uFill>
+                <a:solidFill>
+                  <a:srgbClr val="ffffff"/>
+                </a:solidFill>
+              </a:uFill>
+              <a:latin typeface="Arial"/>
+            </a:endParaRPr>
+          </a:p>
+        </p:txBody>
+      </p:sp>
+      <p:pic>
+        <p:nvPicPr>
+          <p:cNvPr id="135" name="Picture 6" descr=""/>
+          <p:cNvPicPr/>
+          <p:nvPr/>
+        </p:nvPicPr>
+        <p:blipFill>
+          <a:blip r:embed="rId3"/>
+          <a:stretch/>
+        </p:blipFill>
+        <p:spPr>
+          <a:xfrm>
+            <a:off x="7464600" y="3904920"/>
+            <a:ext cx="3703320" cy="2531880"/>
+          </a:xfrm>
+          <a:prstGeom prst="rect">
+            <a:avLst/>
+          </a:prstGeom>
+          <a:ln>
+            <a:noFill/>
+          </a:ln>
+        </p:spPr>
+      </p:pic>
+      <p:sp>
+        <p:nvSpPr>
+          <p:cNvPr id="136" name="CustomShape 3"/>
+          <p:cNvSpPr/>
+          <p:nvPr/>
+        </p:nvSpPr>
+        <p:spPr>
+          <a:xfrm>
+            <a:off x="11169720" y="2399760"/>
+            <a:ext cx="930240" cy="636840"/>
+          </a:xfrm>
+          <a:prstGeom prst="rect">
+            <a:avLst/>
+          </a:prstGeom>
+          <a:noFill/>
+          <a:ln>
+            <a:noFill/>
+          </a:ln>
+        </p:spPr>
+        <p:style>
+          <a:lnRef idx="0"/>
+          <a:fillRef idx="0"/>
+          <a:effectRef idx="0"/>
+          <a:fontRef idx="minor"/>
+        </p:style>
+        <p:txBody>
+          <a:bodyPr lIns="90000" rIns="90000" tIns="45000" bIns="45000"/>
+          <a:p>
+            <a:pPr>
+              <a:lnSpc>
+                <a:spcPct val="100000"/>
+              </a:lnSpc>
+            </a:pPr>
+            <a:r>
+              <a:rPr b="0" lang="en-US" sz="1800" spc="-1" strike="noStrike">
+                <a:solidFill>
+                  <a:srgbClr val="000000"/>
+                </a:solidFill>
+                <a:uFill>
+                  <a:solidFill>
+                    <a:srgbClr val="ffffff"/>
+                  </a:solidFill>
+                </a:uFill>
+                <a:latin typeface="Calibri"/>
+                <a:ea typeface="DejaVu Sans"/>
+              </a:rPr>
+              <a:t>p = 0.18</a:t>
+            </a:r>
+            <a:endParaRPr b="0" lang="en-US" sz="1800" spc="-1" strike="noStrike">
+              <a:solidFill>
+                <a:srgbClr val="000000"/>
+              </a:solidFill>
+              <a:uFill>
+                <a:solidFill>
+                  <a:srgbClr val="ffffff"/>
+                </a:solidFill>
+              </a:uFill>
+              <a:latin typeface="Arial"/>
+            </a:endParaRPr>
+          </a:p>
+        </p:txBody>
+      </p:sp>
+      <p:sp>
+        <p:nvSpPr>
+          <p:cNvPr id="137" name="CustomShape 4"/>
+          <p:cNvSpPr/>
+          <p:nvPr/>
+        </p:nvSpPr>
+        <p:spPr>
+          <a:xfrm>
+            <a:off x="9588600" y="5011200"/>
+            <a:ext cx="1953000" cy="637560"/>
+          </a:xfrm>
+          <a:prstGeom prst="rect">
+            <a:avLst/>
+          </a:prstGeom>
+          <a:noFill/>
+          <a:ln>
+            <a:noFill/>
+          </a:ln>
+        </p:spPr>
+        <p:style>
+          <a:lnRef idx="0"/>
+          <a:fillRef idx="0"/>
+          <a:effectRef idx="0"/>
+          <a:fontRef idx="minor"/>
+        </p:style>
+        <p:txBody>
+          <a:bodyPr lIns="90000" rIns="90000" tIns="45000" bIns="45000"/>
+          <a:p>
+            <a:pPr>
+              <a:lnSpc>
+                <a:spcPct val="100000"/>
+              </a:lnSpc>
+            </a:pPr>
+            <a:r>
+              <a:rPr b="0" lang="en-US" sz="1800" spc="-1" strike="noStrike">
+                <a:solidFill>
+                  <a:srgbClr val="000000"/>
+                </a:solidFill>
+                <a:uFill>
+                  <a:solidFill>
+                    <a:srgbClr val="ffffff"/>
+                  </a:solidFill>
+                </a:uFill>
+                <a:latin typeface="Calibri"/>
+                <a:ea typeface="DejaVu Sans"/>
+              </a:rPr>
+              <a:t>AUC = 0.501 (56.3%)</a:t>
+            </a:r>
+            <a:endParaRPr b="0" lang="en-US" sz="1800" spc="-1" strike="noStrike">
+              <a:solidFill>
+                <a:srgbClr val="000000"/>
+              </a:solidFill>
+              <a:uFill>
+                <a:solidFill>
+                  <a:srgbClr val="ffffff"/>
+                </a:solidFill>
+              </a:uFill>
+              <a:latin typeface="Arial"/>
+            </a:endParaRPr>
+          </a:p>
+        </p:txBody>
+      </p:sp>
     </p:spTree>
   </p:cSld>
   <p:timing>
